--- a/pathway.pptx
+++ b/pathway.pptx
@@ -5,7 +5,7 @@
     <p:sldMasterId id="2147483648" r:id="rId1"/>
   </p:sldMasterIdLst>
   <p:sldIdLst>
-    <p:sldId id="256" r:id="rId2"/>
+    <p:sldId id="257" r:id="rId2"/>
   </p:sldIdLst>
   <p:sldSz cx="12192000" cy="6858000"/>
   <p:notesSz cx="6858000" cy="9144000"/>
@@ -104,18 +104,13 @@
       </a:defRPr>
     </a:lvl9pPr>
   </p:defaultTextStyle>
-  <p:extLst>
-    <p:ext uri="{EFAFB233-063F-42B5-8137-9DF3F51BA10A}">
-      <p15:sldGuideLst xmlns:p15="http://schemas.microsoft.com/office/powerpoint/2012/main"/>
-    </p:ext>
-  </p:extLst>
 </p:presentation>
 </file>
 
 <file path=ppt/revisionInfo.xml><?xml version="1.0" encoding="utf-8"?>
 <p1510:revInfo xmlns:a="http://schemas.openxmlformats.org/drawingml/2006/main" xmlns:r="http://schemas.openxmlformats.org/officeDocument/2006/relationships" xmlns:p1510="http://schemas.microsoft.com/office/powerpoint/2015/10/main">
   <p1510:revLst>
-    <p1510:client id="{8940418C-4D94-4EA4-8D9F-6135882F74AE}" v="407" dt="2025-04-16T19:12:38.334"/>
+    <p1510:client id="{E60D138B-F6F6-4F01-A99E-7775B3CA0EB6}" v="1" dt="2025-04-29T17:50:18.753"/>
   </p1510:revLst>
 </p1510:revInfo>
 </file>
@@ -123,394 +118,18 @@
 <file path=ppt/changesInfos/changesInfo1.xml><?xml version="1.0" encoding="utf-8"?>
 <pc:chgInfo xmlns:a="http://schemas.openxmlformats.org/drawingml/2006/main" xmlns:r="http://schemas.openxmlformats.org/officeDocument/2006/relationships" xmlns:ac="http://schemas.microsoft.com/office/drawing/2013/main/command" xmlns:pc="http://schemas.microsoft.com/office/powerpoint/2013/main/command">
   <pc:docChgLst>
-    <pc:chgData name="Sushma Jagan" userId="af17b91e12fbd80e" providerId="LiveId" clId="{8940418C-4D94-4EA4-8D9F-6135882F74AE}"/>
-    <pc:docChg chg="undo custSel modSld">
-      <pc:chgData name="Sushma Jagan" userId="af17b91e12fbd80e" providerId="LiveId" clId="{8940418C-4D94-4EA4-8D9F-6135882F74AE}" dt="2025-04-16T19:12:38.334" v="760"/>
+    <pc:chgData name="Sushma Jagan" userId="af17b91e12fbd80e" providerId="LiveId" clId="{E60D138B-F6F6-4F01-A99E-7775B3CA0EB6}"/>
+    <pc:docChg chg="modSld">
+      <pc:chgData name="Sushma Jagan" userId="af17b91e12fbd80e" providerId="LiveId" clId="{E60D138B-F6F6-4F01-A99E-7775B3CA0EB6}" dt="2025-04-29T17:50:18.751" v="0"/>
       <pc:docMkLst>
         <pc:docMk/>
       </pc:docMkLst>
-      <pc:sldChg chg="addSp delSp modSp mod modAnim">
-        <pc:chgData name="Sushma Jagan" userId="af17b91e12fbd80e" providerId="LiveId" clId="{8940418C-4D94-4EA4-8D9F-6135882F74AE}" dt="2025-04-16T19:12:38.334" v="760"/>
+      <pc:sldChg chg="modAnim">
+        <pc:chgData name="Sushma Jagan" userId="af17b91e12fbd80e" providerId="LiveId" clId="{E60D138B-F6F6-4F01-A99E-7775B3CA0EB6}" dt="2025-04-29T17:50:18.751" v="0"/>
         <pc:sldMkLst>
           <pc:docMk/>
-          <pc:sldMk cId="3017863055" sldId="256"/>
+          <pc:sldMk cId="185403967" sldId="257"/>
         </pc:sldMkLst>
-        <pc:spChg chg="add mod">
-          <ac:chgData name="Sushma Jagan" userId="af17b91e12fbd80e" providerId="LiveId" clId="{8940418C-4D94-4EA4-8D9F-6135882F74AE}" dt="2025-04-16T19:02:49.803" v="489" actId="207"/>
-          <ac:spMkLst>
-            <pc:docMk/>
-            <pc:sldMk cId="3017863055" sldId="256"/>
-            <ac:spMk id="2" creationId="{9AEDF501-7032-F4EC-0E0B-11AF0822FC3D}"/>
-          </ac:spMkLst>
-        </pc:spChg>
-        <pc:spChg chg="add mod">
-          <ac:chgData name="Sushma Jagan" userId="af17b91e12fbd80e" providerId="LiveId" clId="{8940418C-4D94-4EA4-8D9F-6135882F74AE}" dt="2025-04-16T19:02:21.728" v="486" actId="207"/>
-          <ac:spMkLst>
-            <pc:docMk/>
-            <pc:sldMk cId="3017863055" sldId="256"/>
-            <ac:spMk id="3" creationId="{AD5D64D5-5987-5774-6AC4-37323A131320}"/>
-          </ac:spMkLst>
-        </pc:spChg>
-        <pc:spChg chg="add mod">
-          <ac:chgData name="Sushma Jagan" userId="af17b91e12fbd80e" providerId="LiveId" clId="{8940418C-4D94-4EA4-8D9F-6135882F74AE}" dt="2025-04-16T19:03:04.373" v="490" actId="207"/>
-          <ac:spMkLst>
-            <pc:docMk/>
-            <pc:sldMk cId="3017863055" sldId="256"/>
-            <ac:spMk id="4" creationId="{A12CFA86-1A4B-C503-7D57-BF1FCC730F46}"/>
-          </ac:spMkLst>
-        </pc:spChg>
-        <pc:spChg chg="add mod">
-          <ac:chgData name="Sushma Jagan" userId="af17b91e12fbd80e" providerId="LiveId" clId="{8940418C-4D94-4EA4-8D9F-6135882F74AE}" dt="2025-04-16T17:36:11.957" v="471" actId="207"/>
-          <ac:spMkLst>
-            <pc:docMk/>
-            <pc:sldMk cId="3017863055" sldId="256"/>
-            <ac:spMk id="6" creationId="{0E02A85E-28D7-7AD9-14A5-69873AA7F353}"/>
-          </ac:spMkLst>
-        </pc:spChg>
-        <pc:spChg chg="add mod">
-          <ac:chgData name="Sushma Jagan" userId="af17b91e12fbd80e" providerId="LiveId" clId="{8940418C-4D94-4EA4-8D9F-6135882F74AE}" dt="2025-04-16T19:02:17.894" v="485" actId="207"/>
-          <ac:spMkLst>
-            <pc:docMk/>
-            <pc:sldMk cId="3017863055" sldId="256"/>
-            <ac:spMk id="7" creationId="{1910DDA8-AD09-8351-0920-4F38900726A7}"/>
-          </ac:spMkLst>
-        </pc:spChg>
-        <pc:spChg chg="add mod">
-          <ac:chgData name="Sushma Jagan" userId="af17b91e12fbd80e" providerId="LiveId" clId="{8940418C-4D94-4EA4-8D9F-6135882F74AE}" dt="2025-04-16T17:08:55.003" v="136" actId="1076"/>
-          <ac:spMkLst>
-            <pc:docMk/>
-            <pc:sldMk cId="3017863055" sldId="256"/>
-            <ac:spMk id="8" creationId="{0DEC9C4B-68E6-7651-6D95-4D4E1E46CC45}"/>
-          </ac:spMkLst>
-        </pc:spChg>
-        <pc:spChg chg="mod">
-          <ac:chgData name="Sushma Jagan" userId="af17b91e12fbd80e" providerId="LiveId" clId="{8940418C-4D94-4EA4-8D9F-6135882F74AE}" dt="2025-04-16T19:03:14.218" v="491" actId="207"/>
-          <ac:spMkLst>
-            <pc:docMk/>
-            <pc:sldMk cId="3017863055" sldId="256"/>
-            <ac:spMk id="12" creationId="{E06544C7-5456-044F-92EC-A86211E55183}"/>
-          </ac:spMkLst>
-        </pc:spChg>
-        <pc:spChg chg="mod">
-          <ac:chgData name="Sushma Jagan" userId="af17b91e12fbd80e" providerId="LiveId" clId="{8940418C-4D94-4EA4-8D9F-6135882F74AE}" dt="2025-04-16T19:01:00.043" v="479" actId="207"/>
-          <ac:spMkLst>
-            <pc:docMk/>
-            <pc:sldMk cId="3017863055" sldId="256"/>
-            <ac:spMk id="14" creationId="{7AE86A46-41D4-EB36-E268-74464BEA6F21}"/>
-          </ac:spMkLst>
-        </pc:spChg>
-        <pc:spChg chg="mod">
-          <ac:chgData name="Sushma Jagan" userId="af17b91e12fbd80e" providerId="LiveId" clId="{8940418C-4D94-4EA4-8D9F-6135882F74AE}" dt="2025-04-16T19:01:52.865" v="483" actId="3062"/>
-          <ac:spMkLst>
-            <pc:docMk/>
-            <pc:sldMk cId="3017863055" sldId="256"/>
-            <ac:spMk id="16" creationId="{5C04650D-F97C-476B-583F-C7D111E256BB}"/>
-          </ac:spMkLst>
-        </pc:spChg>
-        <pc:spChg chg="mod">
-          <ac:chgData name="Sushma Jagan" userId="af17b91e12fbd80e" providerId="LiveId" clId="{8940418C-4D94-4EA4-8D9F-6135882F74AE}" dt="2025-04-16T17:35:52.441" v="470" actId="207"/>
-          <ac:spMkLst>
-            <pc:docMk/>
-            <pc:sldMk cId="3017863055" sldId="256"/>
-            <ac:spMk id="18" creationId="{84E013B5-23B3-EF1B-B00A-9E9CEEA069C8}"/>
-          </ac:spMkLst>
-        </pc:spChg>
-        <pc:spChg chg="mod">
-          <ac:chgData name="Sushma Jagan" userId="af17b91e12fbd80e" providerId="LiveId" clId="{8940418C-4D94-4EA4-8D9F-6135882F74AE}" dt="2025-04-16T19:02:31.660" v="487" actId="207"/>
-          <ac:spMkLst>
-            <pc:docMk/>
-            <pc:sldMk cId="3017863055" sldId="256"/>
-            <ac:spMk id="19" creationId="{C18585BF-E7F5-DF6D-5DEA-5E6D07A69E51}"/>
-          </ac:spMkLst>
-        </pc:spChg>
-        <pc:spChg chg="mod">
-          <ac:chgData name="Sushma Jagan" userId="af17b91e12fbd80e" providerId="LiveId" clId="{8940418C-4D94-4EA4-8D9F-6135882F74AE}" dt="2025-04-16T19:02:41.777" v="488" actId="207"/>
-          <ac:spMkLst>
-            <pc:docMk/>
-            <pc:sldMk cId="3017863055" sldId="256"/>
-            <ac:spMk id="20" creationId="{C4BC3B48-955D-7F9B-E72F-688591824DDC}"/>
-          </ac:spMkLst>
-        </pc:spChg>
-        <pc:spChg chg="add mod">
-          <ac:chgData name="Sushma Jagan" userId="af17b91e12fbd80e" providerId="LiveId" clId="{8940418C-4D94-4EA4-8D9F-6135882F74AE}" dt="2025-04-16T17:14:39.579" v="220" actId="1076"/>
-          <ac:spMkLst>
-            <pc:docMk/>
-            <pc:sldMk cId="3017863055" sldId="256"/>
-            <ac:spMk id="21" creationId="{91F4F1A5-F0E2-FEA0-A737-111215DD32AA}"/>
-          </ac:spMkLst>
-        </pc:spChg>
-        <pc:spChg chg="add mod">
-          <ac:chgData name="Sushma Jagan" userId="af17b91e12fbd80e" providerId="LiveId" clId="{8940418C-4D94-4EA4-8D9F-6135882F74AE}" dt="2025-04-16T17:14:48.947" v="224" actId="1076"/>
-          <ac:spMkLst>
-            <pc:docMk/>
-            <pc:sldMk cId="3017863055" sldId="256"/>
-            <ac:spMk id="22" creationId="{3DA9AFBA-36BA-E912-669A-5CD2399CA116}"/>
-          </ac:spMkLst>
-        </pc:spChg>
-        <pc:spChg chg="add mod">
-          <ac:chgData name="Sushma Jagan" userId="af17b91e12fbd80e" providerId="LiveId" clId="{8940418C-4D94-4EA4-8D9F-6135882F74AE}" dt="2025-04-16T17:14:59.196" v="228" actId="1076"/>
-          <ac:spMkLst>
-            <pc:docMk/>
-            <pc:sldMk cId="3017863055" sldId="256"/>
-            <ac:spMk id="23" creationId="{23B1335A-190F-C97B-2F75-26E4EC7575EA}"/>
-          </ac:spMkLst>
-        </pc:spChg>
-        <pc:spChg chg="add mod">
-          <ac:chgData name="Sushma Jagan" userId="af17b91e12fbd80e" providerId="LiveId" clId="{8940418C-4D94-4EA4-8D9F-6135882F74AE}" dt="2025-04-16T17:15:09.644" v="232" actId="1076"/>
-          <ac:spMkLst>
-            <pc:docMk/>
-            <pc:sldMk cId="3017863055" sldId="256"/>
-            <ac:spMk id="24" creationId="{A944E6F5-1C71-BA71-ED6D-B2D70EE6BF35}"/>
-          </ac:spMkLst>
-        </pc:spChg>
-        <pc:spChg chg="add mod">
-          <ac:chgData name="Sushma Jagan" userId="af17b91e12fbd80e" providerId="LiveId" clId="{8940418C-4D94-4EA4-8D9F-6135882F74AE}" dt="2025-04-16T17:15:28.038" v="236" actId="1076"/>
-          <ac:spMkLst>
-            <pc:docMk/>
-            <pc:sldMk cId="3017863055" sldId="256"/>
-            <ac:spMk id="25" creationId="{C78A88FE-FE7E-51EC-B5E7-F1D1EF1B3F98}"/>
-          </ac:spMkLst>
-        </pc:spChg>
-        <pc:spChg chg="add mod">
-          <ac:chgData name="Sushma Jagan" userId="af17b91e12fbd80e" providerId="LiveId" clId="{8940418C-4D94-4EA4-8D9F-6135882F74AE}" dt="2025-04-16T17:21:08.704" v="308" actId="20577"/>
-          <ac:spMkLst>
-            <pc:docMk/>
-            <pc:sldMk cId="3017863055" sldId="256"/>
-            <ac:spMk id="40" creationId="{41EC9950-CDA0-DC34-B54A-BFD7670A9830}"/>
-          </ac:spMkLst>
-        </pc:spChg>
-        <pc:spChg chg="add mod">
-          <ac:chgData name="Sushma Jagan" userId="af17b91e12fbd80e" providerId="LiveId" clId="{8940418C-4D94-4EA4-8D9F-6135882F74AE}" dt="2025-04-16T17:15:37.715" v="239" actId="1076"/>
-          <ac:spMkLst>
-            <pc:docMk/>
-            <pc:sldMk cId="3017863055" sldId="256"/>
-            <ac:spMk id="42" creationId="{4A9AEA64-AE5C-520E-2EF7-985972362027}"/>
-          </ac:spMkLst>
-        </pc:spChg>
-        <pc:spChg chg="add mod">
-          <ac:chgData name="Sushma Jagan" userId="af17b91e12fbd80e" providerId="LiveId" clId="{8940418C-4D94-4EA4-8D9F-6135882F74AE}" dt="2025-04-16T19:03:32.755" v="492" actId="207"/>
-          <ac:spMkLst>
-            <pc:docMk/>
-            <pc:sldMk cId="3017863055" sldId="256"/>
-            <ac:spMk id="55" creationId="{C4E2B462-EB65-BBF6-9BF0-DA7B17D6CDE8}"/>
-          </ac:spMkLst>
-        </pc:spChg>
-        <pc:spChg chg="add mod">
-          <ac:chgData name="Sushma Jagan" userId="af17b91e12fbd80e" providerId="LiveId" clId="{8940418C-4D94-4EA4-8D9F-6135882F74AE}" dt="2025-04-16T19:03:35.561" v="493" actId="207"/>
-          <ac:spMkLst>
-            <pc:docMk/>
-            <pc:sldMk cId="3017863055" sldId="256"/>
-            <ac:spMk id="56" creationId="{302C7838-B57D-4C1F-CA0F-F5BBA98912FF}"/>
-          </ac:spMkLst>
-        </pc:spChg>
-        <pc:spChg chg="add mod">
-          <ac:chgData name="Sushma Jagan" userId="af17b91e12fbd80e" providerId="LiveId" clId="{8940418C-4D94-4EA4-8D9F-6135882F74AE}" dt="2025-04-16T19:03:45.157" v="494" actId="207"/>
-          <ac:spMkLst>
-            <pc:docMk/>
-            <pc:sldMk cId="3017863055" sldId="256"/>
-            <ac:spMk id="57" creationId="{C5947A18-0CC0-62A3-82DE-9F3BB81F3488}"/>
-          </ac:spMkLst>
-        </pc:spChg>
-        <pc:spChg chg="add mod">
-          <ac:chgData name="Sushma Jagan" userId="af17b91e12fbd80e" providerId="LiveId" clId="{8940418C-4D94-4EA4-8D9F-6135882F74AE}" dt="2025-04-16T19:03:47.450" v="495" actId="207"/>
-          <ac:spMkLst>
-            <pc:docMk/>
-            <pc:sldMk cId="3017863055" sldId="256"/>
-            <ac:spMk id="58" creationId="{8BBF043E-696E-43FB-5CA6-7C9D9BCAA3E2}"/>
-          </ac:spMkLst>
-        </pc:spChg>
-        <pc:spChg chg="add del mod">
-          <ac:chgData name="Sushma Jagan" userId="af17b91e12fbd80e" providerId="LiveId" clId="{8940418C-4D94-4EA4-8D9F-6135882F74AE}" dt="2025-04-16T17:16:18.465" v="243" actId="478"/>
-          <ac:spMkLst>
-            <pc:docMk/>
-            <pc:sldMk cId="3017863055" sldId="256"/>
-            <ac:spMk id="62" creationId="{7350F3AE-226F-1776-287D-610D6E937CB5}"/>
-          </ac:spMkLst>
-        </pc:spChg>
-        <pc:spChg chg="add mod">
-          <ac:chgData name="Sushma Jagan" userId="af17b91e12fbd80e" providerId="LiveId" clId="{8940418C-4D94-4EA4-8D9F-6135882F74AE}" dt="2025-04-16T17:17:22.923" v="249" actId="13822"/>
-          <ac:spMkLst>
-            <pc:docMk/>
-            <pc:sldMk cId="3017863055" sldId="256"/>
-            <ac:spMk id="63" creationId="{8FFE34F1-9C1C-7532-D1D5-52F1072AEDC6}"/>
-          </ac:spMkLst>
-        </pc:spChg>
-        <pc:spChg chg="add mod">
-          <ac:chgData name="Sushma Jagan" userId="af17b91e12fbd80e" providerId="LiveId" clId="{8940418C-4D94-4EA4-8D9F-6135882F74AE}" dt="2025-04-16T18:59:58.337" v="476" actId="207"/>
-          <ac:spMkLst>
-            <pc:docMk/>
-            <pc:sldMk cId="3017863055" sldId="256"/>
-            <ac:spMk id="64" creationId="{5548BEC9-7410-2B44-3CDC-667473E5388F}"/>
-          </ac:spMkLst>
-        </pc:spChg>
-        <pc:spChg chg="add mod">
-          <ac:chgData name="Sushma Jagan" userId="af17b91e12fbd80e" providerId="LiveId" clId="{8940418C-4D94-4EA4-8D9F-6135882F74AE}" dt="2025-04-16T19:04:08.009" v="496" actId="207"/>
-          <ac:spMkLst>
-            <pc:docMk/>
-            <pc:sldMk cId="3017863055" sldId="256"/>
-            <ac:spMk id="65" creationId="{45D7A32A-85A2-E936-11D0-B65C148D412C}"/>
-          </ac:spMkLst>
-        </pc:spChg>
-        <pc:spChg chg="add mod">
-          <ac:chgData name="Sushma Jagan" userId="af17b91e12fbd80e" providerId="LiveId" clId="{8940418C-4D94-4EA4-8D9F-6135882F74AE}" dt="2025-04-16T17:19:03.109" v="272" actId="1076"/>
-          <ac:spMkLst>
-            <pc:docMk/>
-            <pc:sldMk cId="3017863055" sldId="256"/>
-            <ac:spMk id="66" creationId="{E74962CE-BBF6-E894-C77D-4047372DF133}"/>
-          </ac:spMkLst>
-        </pc:spChg>
-        <pc:spChg chg="add mod">
-          <ac:chgData name="Sushma Jagan" userId="af17b91e12fbd80e" providerId="LiveId" clId="{8940418C-4D94-4EA4-8D9F-6135882F74AE}" dt="2025-04-16T19:00:17.256" v="478" actId="207"/>
-          <ac:spMkLst>
-            <pc:docMk/>
-            <pc:sldMk cId="3017863055" sldId="256"/>
-            <ac:spMk id="67" creationId="{4C3825DC-CE5A-E9D7-E19E-5DDA51D0134B}"/>
-          </ac:spMkLst>
-        </pc:spChg>
-        <pc:spChg chg="add mod">
-          <ac:chgData name="Sushma Jagan" userId="af17b91e12fbd80e" providerId="LiveId" clId="{8940418C-4D94-4EA4-8D9F-6135882F74AE}" dt="2025-04-16T17:19:39.623" v="293" actId="1076"/>
-          <ac:spMkLst>
-            <pc:docMk/>
-            <pc:sldMk cId="3017863055" sldId="256"/>
-            <ac:spMk id="68" creationId="{87ACAFFE-0677-1BE1-EB3D-1190D7B42612}"/>
-          </ac:spMkLst>
-        </pc:spChg>
-        <pc:spChg chg="add mod">
-          <ac:chgData name="Sushma Jagan" userId="af17b91e12fbd80e" providerId="LiveId" clId="{8940418C-4D94-4EA4-8D9F-6135882F74AE}" dt="2025-04-16T17:19:47.214" v="295" actId="1076"/>
-          <ac:spMkLst>
-            <pc:docMk/>
-            <pc:sldMk cId="3017863055" sldId="256"/>
-            <ac:spMk id="69" creationId="{01A49A0B-DC9D-5F40-3647-532146ED3E69}"/>
-          </ac:spMkLst>
-        </pc:spChg>
-        <pc:spChg chg="add mod">
-          <ac:chgData name="Sushma Jagan" userId="af17b91e12fbd80e" providerId="LiveId" clId="{8940418C-4D94-4EA4-8D9F-6135882F74AE}" dt="2025-04-16T17:19:52.973" v="297" actId="1076"/>
-          <ac:spMkLst>
-            <pc:docMk/>
-            <pc:sldMk cId="3017863055" sldId="256"/>
-            <ac:spMk id="70" creationId="{7084D4BF-B8D6-FB0F-FA55-8AB0A35E37A9}"/>
-          </ac:spMkLst>
-        </pc:spChg>
-        <pc:spChg chg="add mod">
-          <ac:chgData name="Sushma Jagan" userId="af17b91e12fbd80e" providerId="LiveId" clId="{8940418C-4D94-4EA4-8D9F-6135882F74AE}" dt="2025-04-16T17:20:37.604" v="302" actId="14100"/>
-          <ac:spMkLst>
-            <pc:docMk/>
-            <pc:sldMk cId="3017863055" sldId="256"/>
-            <ac:spMk id="71" creationId="{E311BC38-34E1-E364-F042-2C78EF5F1F4D}"/>
-          </ac:spMkLst>
-        </pc:spChg>
-        <pc:spChg chg="add mod">
-          <ac:chgData name="Sushma Jagan" userId="af17b91e12fbd80e" providerId="LiveId" clId="{8940418C-4D94-4EA4-8D9F-6135882F74AE}" dt="2025-04-16T17:21:00.067" v="304" actId="1076"/>
-          <ac:spMkLst>
-            <pc:docMk/>
-            <pc:sldMk cId="3017863055" sldId="256"/>
-            <ac:spMk id="72" creationId="{B94F614B-190F-8B55-A822-FE0D6527E390}"/>
-          </ac:spMkLst>
-        </pc:spChg>
-        <pc:spChg chg="add mod">
-          <ac:chgData name="Sushma Jagan" userId="af17b91e12fbd80e" providerId="LiveId" clId="{8940418C-4D94-4EA4-8D9F-6135882F74AE}" dt="2025-04-16T19:11:53.729" v="680" actId="207"/>
-          <ac:spMkLst>
-            <pc:docMk/>
-            <pc:sldMk cId="3017863055" sldId="256"/>
-            <ac:spMk id="76" creationId="{DD98C7F6-A751-0CA4-3E59-7D94F5ADB172}"/>
-          </ac:spMkLst>
-        </pc:spChg>
-        <pc:spChg chg="add mod">
-          <ac:chgData name="Sushma Jagan" userId="af17b91e12fbd80e" providerId="LiveId" clId="{8940418C-4D94-4EA4-8D9F-6135882F74AE}" dt="2025-04-16T19:11:57.401" v="681" actId="207"/>
-          <ac:spMkLst>
-            <pc:docMk/>
-            <pc:sldMk cId="3017863055" sldId="256"/>
-            <ac:spMk id="77" creationId="{57B40861-0852-DC70-81B3-2EA7B92DDEAC}"/>
-          </ac:spMkLst>
-        </pc:spChg>
-        <pc:spChg chg="add mod">
-          <ac:chgData name="Sushma Jagan" userId="af17b91e12fbd80e" providerId="LiveId" clId="{8940418C-4D94-4EA4-8D9F-6135882F74AE}" dt="2025-04-16T19:12:00.658" v="682" actId="207"/>
-          <ac:spMkLst>
-            <pc:docMk/>
-            <pc:sldMk cId="3017863055" sldId="256"/>
-            <ac:spMk id="78" creationId="{B4773C46-C5B7-27C5-CD78-4EB017BC2CEF}"/>
-          </ac:spMkLst>
-        </pc:spChg>
-        <pc:picChg chg="mod">
-          <ac:chgData name="Sushma Jagan" userId="af17b91e12fbd80e" providerId="LiveId" clId="{8940418C-4D94-4EA4-8D9F-6135882F74AE}" dt="2025-04-16T19:04:22.775" v="497" actId="14100"/>
-          <ac:picMkLst>
-            <pc:docMk/>
-            <pc:sldMk cId="3017863055" sldId="256"/>
-            <ac:picMk id="5" creationId="{6E5DF0AA-F77A-E58B-849E-73B6C7FEAC93}"/>
-          </ac:picMkLst>
-        </pc:picChg>
-        <pc:picChg chg="mod">
-          <ac:chgData name="Sushma Jagan" userId="af17b91e12fbd80e" providerId="LiveId" clId="{8940418C-4D94-4EA4-8D9F-6135882F74AE}" dt="2025-04-16T17:34:39.203" v="466" actId="1076"/>
-          <ac:picMkLst>
-            <pc:docMk/>
-            <pc:sldMk cId="3017863055" sldId="256"/>
-            <ac:picMk id="10" creationId="{CED9E8E2-12D1-B92C-800F-D8EFF0E26E84}"/>
-          </ac:picMkLst>
-        </pc:picChg>
-        <pc:cxnChg chg="add mod">
-          <ac:chgData name="Sushma Jagan" userId="af17b91e12fbd80e" providerId="LiveId" clId="{8940418C-4D94-4EA4-8D9F-6135882F74AE}" dt="2025-04-16T17:11:10.516" v="192" actId="14100"/>
-          <ac:cxnSpMkLst>
-            <pc:docMk/>
-            <pc:sldMk cId="3017863055" sldId="256"/>
-            <ac:cxnSpMk id="27" creationId="{9F77EFE5-2E82-D441-B7B9-130F4C424E29}"/>
-          </ac:cxnSpMkLst>
-        </pc:cxnChg>
-        <pc:cxnChg chg="add mod">
-          <ac:chgData name="Sushma Jagan" userId="af17b91e12fbd80e" providerId="LiveId" clId="{8940418C-4D94-4EA4-8D9F-6135882F74AE}" dt="2025-04-16T17:11:14.476" v="193" actId="14100"/>
-          <ac:cxnSpMkLst>
-            <pc:docMk/>
-            <pc:sldMk cId="3017863055" sldId="256"/>
-            <ac:cxnSpMk id="29" creationId="{E2F8F703-54AE-505F-D284-00456B490A49}"/>
-          </ac:cxnSpMkLst>
-        </pc:cxnChg>
-        <pc:cxnChg chg="add mod">
-          <ac:chgData name="Sushma Jagan" userId="af17b91e12fbd80e" providerId="LiveId" clId="{8940418C-4D94-4EA4-8D9F-6135882F74AE}" dt="2025-04-16T17:27:27.323" v="386" actId="14100"/>
-          <ac:cxnSpMkLst>
-            <pc:docMk/>
-            <pc:sldMk cId="3017863055" sldId="256"/>
-            <ac:cxnSpMk id="31" creationId="{20FC3F3A-D2F9-7EC3-F017-999206074AB5}"/>
-          </ac:cxnSpMkLst>
-        </pc:cxnChg>
-        <pc:cxnChg chg="add del">
-          <ac:chgData name="Sushma Jagan" userId="af17b91e12fbd80e" providerId="LiveId" clId="{8940418C-4D94-4EA4-8D9F-6135882F74AE}" dt="2025-04-16T17:04:24.713" v="73" actId="478"/>
-          <ac:cxnSpMkLst>
-            <pc:docMk/>
-            <pc:sldMk cId="3017863055" sldId="256"/>
-            <ac:cxnSpMk id="36" creationId="{E0BEB6FF-C7B0-445A-FF53-4C954C1EC807}"/>
-          </ac:cxnSpMkLst>
-        </pc:cxnChg>
-        <pc:cxnChg chg="add del mod">
-          <ac:chgData name="Sushma Jagan" userId="af17b91e12fbd80e" providerId="LiveId" clId="{8940418C-4D94-4EA4-8D9F-6135882F74AE}" dt="2025-04-16T17:11:32.091" v="195" actId="478"/>
-          <ac:cxnSpMkLst>
-            <pc:docMk/>
-            <pc:sldMk cId="3017863055" sldId="256"/>
-            <ac:cxnSpMk id="47" creationId="{667B3423-CF9D-DF5E-DEC9-288647E5BFB0}"/>
-          </ac:cxnSpMkLst>
-        </pc:cxnChg>
-        <pc:cxnChg chg="add del mod">
-          <ac:chgData name="Sushma Jagan" userId="af17b91e12fbd80e" providerId="LiveId" clId="{8940418C-4D94-4EA4-8D9F-6135882F74AE}" dt="2025-04-16T17:11:51.192" v="198" actId="478"/>
-          <ac:cxnSpMkLst>
-            <pc:docMk/>
-            <pc:sldMk cId="3017863055" sldId="256"/>
-            <ac:cxnSpMk id="49" creationId="{79F17F84-3D15-0BD0-4886-96CD688F2C08}"/>
-          </ac:cxnSpMkLst>
-        </pc:cxnChg>
-        <pc:cxnChg chg="add mod">
-          <ac:chgData name="Sushma Jagan" userId="af17b91e12fbd80e" providerId="LiveId" clId="{8940418C-4D94-4EA4-8D9F-6135882F74AE}" dt="2025-04-16T17:30:21.235" v="405" actId="14100"/>
-          <ac:cxnSpMkLst>
-            <pc:docMk/>
-            <pc:sldMk cId="3017863055" sldId="256"/>
-            <ac:cxnSpMk id="52" creationId="{3DC689FB-622D-D445-71AA-FF37E45CE04E}"/>
-          </ac:cxnSpMkLst>
-        </pc:cxnChg>
-        <pc:cxnChg chg="add mod">
-          <ac:chgData name="Sushma Jagan" userId="af17b91e12fbd80e" providerId="LiveId" clId="{8940418C-4D94-4EA4-8D9F-6135882F74AE}" dt="2025-04-16T17:14:00.950" v="217" actId="13822"/>
-          <ac:cxnSpMkLst>
-            <pc:docMk/>
-            <pc:sldMk cId="3017863055" sldId="256"/>
-            <ac:cxnSpMk id="60" creationId="{6BCEA5DC-DDBF-9302-9492-8366FEE257D5}"/>
-          </ac:cxnSpMkLst>
-        </pc:cxnChg>
       </pc:sldChg>
     </pc:docChg>
   </pc:docChgLst>
@@ -539,7 +158,7 @@
           <p:cNvPr id="2" name="Title 1">
             <a:extLst>
               <a:ext uri="{FF2B5EF4-FFF2-40B4-BE49-F238E27FC236}">
-                <a16:creationId xmlns:a16="http://schemas.microsoft.com/office/drawing/2014/main" id="{BC644943-0FF0-4523-AC79-AA346BBA0A4D}"/>
+                <a16:creationId xmlns:a16="http://schemas.microsoft.com/office/drawing/2014/main" id="{14278606-AFE1-C9FA-E1F9-D946A4A67E9D}"/>
               </a:ext>
             </a:extLst>
           </p:cNvPr>
@@ -577,7 +196,7 @@
           <p:cNvPr id="3" name="Subtitle 2">
             <a:extLst>
               <a:ext uri="{FF2B5EF4-FFF2-40B4-BE49-F238E27FC236}">
-                <a16:creationId xmlns:a16="http://schemas.microsoft.com/office/drawing/2014/main" id="{30FC6B71-344C-4CD8-78EE-48DAB43AA7CC}"/>
+                <a16:creationId xmlns:a16="http://schemas.microsoft.com/office/drawing/2014/main" id="{40ABF8FA-9B8D-84A5-ABEA-CE641A087EEC}"/>
               </a:ext>
             </a:extLst>
           </p:cNvPr>
@@ -648,7 +267,7 @@
           <p:cNvPr id="4" name="Date Placeholder 3">
             <a:extLst>
               <a:ext uri="{FF2B5EF4-FFF2-40B4-BE49-F238E27FC236}">
-                <a16:creationId xmlns:a16="http://schemas.microsoft.com/office/drawing/2014/main" id="{4AEBF482-459F-D0F9-EAFD-5957A1FE3DB1}"/>
+                <a16:creationId xmlns:a16="http://schemas.microsoft.com/office/drawing/2014/main" id="{539D9C98-395A-28DB-231C-0C86D55873E2}"/>
               </a:ext>
             </a:extLst>
           </p:cNvPr>
@@ -664,9 +283,9 @@
           <a:bodyPr/>
           <a:lstStyle/>
           <a:p>
-            <a:fld id="{97A52737-513F-4585-9DB9-6FAB966A716B}" type="datetimeFigureOut">
+            <a:fld id="{00EC434A-3816-410C-81A3-4755853BC45D}" type="datetimeFigureOut">
               <a:rPr lang="en-IN" smtClean="0"/>
-              <a:t>16-04-2025</a:t>
+              <a:t>29-04-2025</a:t>
             </a:fld>
             <a:endParaRPr lang="en-IN"/>
           </a:p>
@@ -677,7 +296,7 @@
           <p:cNvPr id="5" name="Footer Placeholder 4">
             <a:extLst>
               <a:ext uri="{FF2B5EF4-FFF2-40B4-BE49-F238E27FC236}">
-                <a16:creationId xmlns:a16="http://schemas.microsoft.com/office/drawing/2014/main" id="{057F8F8A-279B-4C86-8045-D01FC3DC2D2F}"/>
+                <a16:creationId xmlns:a16="http://schemas.microsoft.com/office/drawing/2014/main" id="{20CAD31F-4E0B-BEAA-21F2-404032122D96}"/>
               </a:ext>
             </a:extLst>
           </p:cNvPr>
@@ -702,7 +321,7 @@
           <p:cNvPr id="6" name="Slide Number Placeholder 5">
             <a:extLst>
               <a:ext uri="{FF2B5EF4-FFF2-40B4-BE49-F238E27FC236}">
-                <a16:creationId xmlns:a16="http://schemas.microsoft.com/office/drawing/2014/main" id="{065465A8-EBCE-2E13-DF58-13E169629A63}"/>
+                <a16:creationId xmlns:a16="http://schemas.microsoft.com/office/drawing/2014/main" id="{5E89C710-0D0D-5C49-0C8D-2EDDBD4A1F3B}"/>
               </a:ext>
             </a:extLst>
           </p:cNvPr>
@@ -718,7 +337,7 @@
           <a:bodyPr/>
           <a:lstStyle/>
           <a:p>
-            <a:fld id="{347E8441-0F63-465C-A5AB-137E223F2F7E}" type="slidenum">
+            <a:fld id="{D56171A6-8E12-488B-BE1F-BAA79F3999FA}" type="slidenum">
               <a:rPr lang="en-IN" smtClean="0"/>
               <a:t>‹#›</a:t>
             </a:fld>
@@ -729,7 +348,7 @@
     </p:spTree>
     <p:extLst>
       <p:ext uri="{BB962C8B-B14F-4D97-AF65-F5344CB8AC3E}">
-        <p14:creationId xmlns:p14="http://schemas.microsoft.com/office/powerpoint/2010/main" val="170048065"/>
+        <p14:creationId xmlns:p14="http://schemas.microsoft.com/office/powerpoint/2010/main" val="3337072025"/>
       </p:ext>
     </p:extLst>
   </p:cSld>
@@ -761,7 +380,7 @@
           <p:cNvPr id="2" name="Title 1">
             <a:extLst>
               <a:ext uri="{FF2B5EF4-FFF2-40B4-BE49-F238E27FC236}">
-                <a16:creationId xmlns:a16="http://schemas.microsoft.com/office/drawing/2014/main" id="{926A8DCD-9499-1714-A087-BC796FA9AD83}"/>
+                <a16:creationId xmlns:a16="http://schemas.microsoft.com/office/drawing/2014/main" id="{E5BD04E2-923A-C048-E402-79ED621E522D}"/>
               </a:ext>
             </a:extLst>
           </p:cNvPr>
@@ -790,7 +409,7 @@
           <p:cNvPr id="3" name="Vertical Text Placeholder 2">
             <a:extLst>
               <a:ext uri="{FF2B5EF4-FFF2-40B4-BE49-F238E27FC236}">
-                <a16:creationId xmlns:a16="http://schemas.microsoft.com/office/drawing/2014/main" id="{566C70DD-E204-1000-9BA1-9E32E88328D0}"/>
+                <a16:creationId xmlns:a16="http://schemas.microsoft.com/office/drawing/2014/main" id="{BDDBB0BB-B2AE-F6DE-F964-A5258DF951DB}"/>
               </a:ext>
             </a:extLst>
           </p:cNvPr>
@@ -848,7 +467,7 @@
           <p:cNvPr id="4" name="Date Placeholder 3">
             <a:extLst>
               <a:ext uri="{FF2B5EF4-FFF2-40B4-BE49-F238E27FC236}">
-                <a16:creationId xmlns:a16="http://schemas.microsoft.com/office/drawing/2014/main" id="{C167CB5D-4915-D75D-A2B4-A3E56AF84E27}"/>
+                <a16:creationId xmlns:a16="http://schemas.microsoft.com/office/drawing/2014/main" id="{850A0CFF-46CA-5203-3767-885E0CDB223F}"/>
               </a:ext>
             </a:extLst>
           </p:cNvPr>
@@ -864,9 +483,9 @@
           <a:bodyPr/>
           <a:lstStyle/>
           <a:p>
-            <a:fld id="{97A52737-513F-4585-9DB9-6FAB966A716B}" type="datetimeFigureOut">
+            <a:fld id="{00EC434A-3816-410C-81A3-4755853BC45D}" type="datetimeFigureOut">
               <a:rPr lang="en-IN" smtClean="0"/>
-              <a:t>16-04-2025</a:t>
+              <a:t>29-04-2025</a:t>
             </a:fld>
             <a:endParaRPr lang="en-IN"/>
           </a:p>
@@ -877,7 +496,7 @@
           <p:cNvPr id="5" name="Footer Placeholder 4">
             <a:extLst>
               <a:ext uri="{FF2B5EF4-FFF2-40B4-BE49-F238E27FC236}">
-                <a16:creationId xmlns:a16="http://schemas.microsoft.com/office/drawing/2014/main" id="{6F262A32-265B-3F84-47A8-FD01AA9D4C30}"/>
+                <a16:creationId xmlns:a16="http://schemas.microsoft.com/office/drawing/2014/main" id="{FBDBC08A-2677-B758-7894-1E4708B25608}"/>
               </a:ext>
             </a:extLst>
           </p:cNvPr>
@@ -902,7 +521,7 @@
           <p:cNvPr id="6" name="Slide Number Placeholder 5">
             <a:extLst>
               <a:ext uri="{FF2B5EF4-FFF2-40B4-BE49-F238E27FC236}">
-                <a16:creationId xmlns:a16="http://schemas.microsoft.com/office/drawing/2014/main" id="{0B3DDD70-7072-22B6-059A-1D21483F1AF4}"/>
+                <a16:creationId xmlns:a16="http://schemas.microsoft.com/office/drawing/2014/main" id="{03145BBB-F986-C29E-20D2-7688A1BB96E0}"/>
               </a:ext>
             </a:extLst>
           </p:cNvPr>
@@ -918,7 +537,7 @@
           <a:bodyPr/>
           <a:lstStyle/>
           <a:p>
-            <a:fld id="{347E8441-0F63-465C-A5AB-137E223F2F7E}" type="slidenum">
+            <a:fld id="{D56171A6-8E12-488B-BE1F-BAA79F3999FA}" type="slidenum">
               <a:rPr lang="en-IN" smtClean="0"/>
               <a:t>‹#›</a:t>
             </a:fld>
@@ -929,7 +548,7 @@
     </p:spTree>
     <p:extLst>
       <p:ext uri="{BB962C8B-B14F-4D97-AF65-F5344CB8AC3E}">
-        <p14:creationId xmlns:p14="http://schemas.microsoft.com/office/powerpoint/2010/main" val="831870339"/>
+        <p14:creationId xmlns:p14="http://schemas.microsoft.com/office/powerpoint/2010/main" val="3876297224"/>
       </p:ext>
     </p:extLst>
   </p:cSld>
@@ -961,7 +580,7 @@
           <p:cNvPr id="2" name="Vertical Title 1">
             <a:extLst>
               <a:ext uri="{FF2B5EF4-FFF2-40B4-BE49-F238E27FC236}">
-                <a16:creationId xmlns:a16="http://schemas.microsoft.com/office/drawing/2014/main" id="{F453AF4A-F0E9-6562-8AE7-87131D1BA8BD}"/>
+                <a16:creationId xmlns:a16="http://schemas.microsoft.com/office/drawing/2014/main" id="{A94B251C-EC72-2C0F-91A4-B57F218DC0F1}"/>
               </a:ext>
             </a:extLst>
           </p:cNvPr>
@@ -995,7 +614,7 @@
           <p:cNvPr id="3" name="Vertical Text Placeholder 2">
             <a:extLst>
               <a:ext uri="{FF2B5EF4-FFF2-40B4-BE49-F238E27FC236}">
-                <a16:creationId xmlns:a16="http://schemas.microsoft.com/office/drawing/2014/main" id="{48795AF2-799D-C0B8-9C4A-F40349B93CB5}"/>
+                <a16:creationId xmlns:a16="http://schemas.microsoft.com/office/drawing/2014/main" id="{505F34D8-8C9A-8995-DF62-0DD460E26CAD}"/>
               </a:ext>
             </a:extLst>
           </p:cNvPr>
@@ -1058,7 +677,7 @@
           <p:cNvPr id="4" name="Date Placeholder 3">
             <a:extLst>
               <a:ext uri="{FF2B5EF4-FFF2-40B4-BE49-F238E27FC236}">
-                <a16:creationId xmlns:a16="http://schemas.microsoft.com/office/drawing/2014/main" id="{2ADF73E7-1824-5961-CEB3-022AF2BCBC48}"/>
+                <a16:creationId xmlns:a16="http://schemas.microsoft.com/office/drawing/2014/main" id="{2F91A4BF-B497-80FD-1B1D-1D9E3AF16F03}"/>
               </a:ext>
             </a:extLst>
           </p:cNvPr>
@@ -1074,9 +693,9 @@
           <a:bodyPr/>
           <a:lstStyle/>
           <a:p>
-            <a:fld id="{97A52737-513F-4585-9DB9-6FAB966A716B}" type="datetimeFigureOut">
+            <a:fld id="{00EC434A-3816-410C-81A3-4755853BC45D}" type="datetimeFigureOut">
               <a:rPr lang="en-IN" smtClean="0"/>
-              <a:t>16-04-2025</a:t>
+              <a:t>29-04-2025</a:t>
             </a:fld>
             <a:endParaRPr lang="en-IN"/>
           </a:p>
@@ -1087,7 +706,7 @@
           <p:cNvPr id="5" name="Footer Placeholder 4">
             <a:extLst>
               <a:ext uri="{FF2B5EF4-FFF2-40B4-BE49-F238E27FC236}">
-                <a16:creationId xmlns:a16="http://schemas.microsoft.com/office/drawing/2014/main" id="{AAC3C406-1782-5350-2D1F-8FF4776F0745}"/>
+                <a16:creationId xmlns:a16="http://schemas.microsoft.com/office/drawing/2014/main" id="{EF42B3B5-2F89-CBC4-0C65-6BEB6A4FB18E}"/>
               </a:ext>
             </a:extLst>
           </p:cNvPr>
@@ -1112,7 +731,7 @@
           <p:cNvPr id="6" name="Slide Number Placeholder 5">
             <a:extLst>
               <a:ext uri="{FF2B5EF4-FFF2-40B4-BE49-F238E27FC236}">
-                <a16:creationId xmlns:a16="http://schemas.microsoft.com/office/drawing/2014/main" id="{4412A91B-BA22-9186-E73F-2D39133794EE}"/>
+                <a16:creationId xmlns:a16="http://schemas.microsoft.com/office/drawing/2014/main" id="{EDD9D6A2-89E9-8D40-8F66-0DE234A92C60}"/>
               </a:ext>
             </a:extLst>
           </p:cNvPr>
@@ -1128,7 +747,7 @@
           <a:bodyPr/>
           <a:lstStyle/>
           <a:p>
-            <a:fld id="{347E8441-0F63-465C-A5AB-137E223F2F7E}" type="slidenum">
+            <a:fld id="{D56171A6-8E12-488B-BE1F-BAA79F3999FA}" type="slidenum">
               <a:rPr lang="en-IN" smtClean="0"/>
               <a:t>‹#›</a:t>
             </a:fld>
@@ -1139,7 +758,7 @@
     </p:spTree>
     <p:extLst>
       <p:ext uri="{BB962C8B-B14F-4D97-AF65-F5344CB8AC3E}">
-        <p14:creationId xmlns:p14="http://schemas.microsoft.com/office/powerpoint/2010/main" val="3576193943"/>
+        <p14:creationId xmlns:p14="http://schemas.microsoft.com/office/powerpoint/2010/main" val="1992511025"/>
       </p:ext>
     </p:extLst>
   </p:cSld>
@@ -1171,7 +790,7 @@
           <p:cNvPr id="2" name="Title 1">
             <a:extLst>
               <a:ext uri="{FF2B5EF4-FFF2-40B4-BE49-F238E27FC236}">
-                <a16:creationId xmlns:a16="http://schemas.microsoft.com/office/drawing/2014/main" id="{DA6F9BD9-C334-CE52-772D-391D0180B559}"/>
+                <a16:creationId xmlns:a16="http://schemas.microsoft.com/office/drawing/2014/main" id="{F0FACFDB-64EC-E33E-9A2E-9C93E94DEEA8}"/>
               </a:ext>
             </a:extLst>
           </p:cNvPr>
@@ -1200,7 +819,7 @@
           <p:cNvPr id="3" name="Content Placeholder 2">
             <a:extLst>
               <a:ext uri="{FF2B5EF4-FFF2-40B4-BE49-F238E27FC236}">
-                <a16:creationId xmlns:a16="http://schemas.microsoft.com/office/drawing/2014/main" id="{17D87292-AF86-CB91-E7DB-FF46C3C915E6}"/>
+                <a16:creationId xmlns:a16="http://schemas.microsoft.com/office/drawing/2014/main" id="{BD8584D1-7817-9DA0-F074-504C56DCF2AF}"/>
               </a:ext>
             </a:extLst>
           </p:cNvPr>
@@ -1258,7 +877,7 @@
           <p:cNvPr id="4" name="Date Placeholder 3">
             <a:extLst>
               <a:ext uri="{FF2B5EF4-FFF2-40B4-BE49-F238E27FC236}">
-                <a16:creationId xmlns:a16="http://schemas.microsoft.com/office/drawing/2014/main" id="{E6104092-F65F-3991-F1C3-825323281362}"/>
+                <a16:creationId xmlns:a16="http://schemas.microsoft.com/office/drawing/2014/main" id="{1B0BC08E-FFF6-03B7-186C-2A606CE2291E}"/>
               </a:ext>
             </a:extLst>
           </p:cNvPr>
@@ -1274,9 +893,9 @@
           <a:bodyPr/>
           <a:lstStyle/>
           <a:p>
-            <a:fld id="{97A52737-513F-4585-9DB9-6FAB966A716B}" type="datetimeFigureOut">
+            <a:fld id="{00EC434A-3816-410C-81A3-4755853BC45D}" type="datetimeFigureOut">
               <a:rPr lang="en-IN" smtClean="0"/>
-              <a:t>16-04-2025</a:t>
+              <a:t>29-04-2025</a:t>
             </a:fld>
             <a:endParaRPr lang="en-IN"/>
           </a:p>
@@ -1287,7 +906,7 @@
           <p:cNvPr id="5" name="Footer Placeholder 4">
             <a:extLst>
               <a:ext uri="{FF2B5EF4-FFF2-40B4-BE49-F238E27FC236}">
-                <a16:creationId xmlns:a16="http://schemas.microsoft.com/office/drawing/2014/main" id="{3F089B44-F620-6900-2E9B-ED7391A63886}"/>
+                <a16:creationId xmlns:a16="http://schemas.microsoft.com/office/drawing/2014/main" id="{3DEBEF0B-6E8F-95BA-3CA1-0280CF158AB0}"/>
               </a:ext>
             </a:extLst>
           </p:cNvPr>
@@ -1312,7 +931,7 @@
           <p:cNvPr id="6" name="Slide Number Placeholder 5">
             <a:extLst>
               <a:ext uri="{FF2B5EF4-FFF2-40B4-BE49-F238E27FC236}">
-                <a16:creationId xmlns:a16="http://schemas.microsoft.com/office/drawing/2014/main" id="{6D67DC77-2141-CBF1-C5D2-8AC587AEB795}"/>
+                <a16:creationId xmlns:a16="http://schemas.microsoft.com/office/drawing/2014/main" id="{EAD5DCC1-22DF-FBA5-340D-62B38853E808}"/>
               </a:ext>
             </a:extLst>
           </p:cNvPr>
@@ -1328,7 +947,7 @@
           <a:bodyPr/>
           <a:lstStyle/>
           <a:p>
-            <a:fld id="{347E8441-0F63-465C-A5AB-137E223F2F7E}" type="slidenum">
+            <a:fld id="{D56171A6-8E12-488B-BE1F-BAA79F3999FA}" type="slidenum">
               <a:rPr lang="en-IN" smtClean="0"/>
               <a:t>‹#›</a:t>
             </a:fld>
@@ -1339,7 +958,7 @@
     </p:spTree>
     <p:extLst>
       <p:ext uri="{BB962C8B-B14F-4D97-AF65-F5344CB8AC3E}">
-        <p14:creationId xmlns:p14="http://schemas.microsoft.com/office/powerpoint/2010/main" val="3108041410"/>
+        <p14:creationId xmlns:p14="http://schemas.microsoft.com/office/powerpoint/2010/main" val="2827925494"/>
       </p:ext>
     </p:extLst>
   </p:cSld>
@@ -1371,7 +990,7 @@
           <p:cNvPr id="2" name="Title 1">
             <a:extLst>
               <a:ext uri="{FF2B5EF4-FFF2-40B4-BE49-F238E27FC236}">
-                <a16:creationId xmlns:a16="http://schemas.microsoft.com/office/drawing/2014/main" id="{0410B836-AD8E-20C5-501F-D9605AB01459}"/>
+                <a16:creationId xmlns:a16="http://schemas.microsoft.com/office/drawing/2014/main" id="{BE5E3591-524C-C74E-FD2A-ABC17FAEEF91}"/>
               </a:ext>
             </a:extLst>
           </p:cNvPr>
@@ -1409,7 +1028,7 @@
           <p:cNvPr id="3" name="Text Placeholder 2">
             <a:extLst>
               <a:ext uri="{FF2B5EF4-FFF2-40B4-BE49-F238E27FC236}">
-                <a16:creationId xmlns:a16="http://schemas.microsoft.com/office/drawing/2014/main" id="{1522EDCC-9B25-4E6B-AD9A-4829D26D0F62}"/>
+                <a16:creationId xmlns:a16="http://schemas.microsoft.com/office/drawing/2014/main" id="{945B44D5-9E0A-F0CA-3519-6F21901293B4}"/>
               </a:ext>
             </a:extLst>
           </p:cNvPr>
@@ -1534,7 +1153,7 @@
           <p:cNvPr id="4" name="Date Placeholder 3">
             <a:extLst>
               <a:ext uri="{FF2B5EF4-FFF2-40B4-BE49-F238E27FC236}">
-                <a16:creationId xmlns:a16="http://schemas.microsoft.com/office/drawing/2014/main" id="{387C59CD-523F-1EF3-A305-4ABC9F3EF77B}"/>
+                <a16:creationId xmlns:a16="http://schemas.microsoft.com/office/drawing/2014/main" id="{52782950-9DC5-0667-91A4-D38413EA4E49}"/>
               </a:ext>
             </a:extLst>
           </p:cNvPr>
@@ -1550,9 +1169,9 @@
           <a:bodyPr/>
           <a:lstStyle/>
           <a:p>
-            <a:fld id="{97A52737-513F-4585-9DB9-6FAB966A716B}" type="datetimeFigureOut">
+            <a:fld id="{00EC434A-3816-410C-81A3-4755853BC45D}" type="datetimeFigureOut">
               <a:rPr lang="en-IN" smtClean="0"/>
-              <a:t>16-04-2025</a:t>
+              <a:t>29-04-2025</a:t>
             </a:fld>
             <a:endParaRPr lang="en-IN"/>
           </a:p>
@@ -1563,7 +1182,7 @@
           <p:cNvPr id="5" name="Footer Placeholder 4">
             <a:extLst>
               <a:ext uri="{FF2B5EF4-FFF2-40B4-BE49-F238E27FC236}">
-                <a16:creationId xmlns:a16="http://schemas.microsoft.com/office/drawing/2014/main" id="{84A49D84-EF0F-8E01-71C4-3571103D54FE}"/>
+                <a16:creationId xmlns:a16="http://schemas.microsoft.com/office/drawing/2014/main" id="{D81DB443-BAC7-BC52-DB1D-05A6820F57D8}"/>
               </a:ext>
             </a:extLst>
           </p:cNvPr>
@@ -1588,7 +1207,7 @@
           <p:cNvPr id="6" name="Slide Number Placeholder 5">
             <a:extLst>
               <a:ext uri="{FF2B5EF4-FFF2-40B4-BE49-F238E27FC236}">
-                <a16:creationId xmlns:a16="http://schemas.microsoft.com/office/drawing/2014/main" id="{A12E79BD-8AA2-0695-C059-39DD46BF4BE6}"/>
+                <a16:creationId xmlns:a16="http://schemas.microsoft.com/office/drawing/2014/main" id="{C3702241-A038-E206-BFB6-B3E9E5CE0970}"/>
               </a:ext>
             </a:extLst>
           </p:cNvPr>
@@ -1604,7 +1223,7 @@
           <a:bodyPr/>
           <a:lstStyle/>
           <a:p>
-            <a:fld id="{347E8441-0F63-465C-A5AB-137E223F2F7E}" type="slidenum">
+            <a:fld id="{D56171A6-8E12-488B-BE1F-BAA79F3999FA}" type="slidenum">
               <a:rPr lang="en-IN" smtClean="0"/>
               <a:t>‹#›</a:t>
             </a:fld>
@@ -1615,7 +1234,7 @@
     </p:spTree>
     <p:extLst>
       <p:ext uri="{BB962C8B-B14F-4D97-AF65-F5344CB8AC3E}">
-        <p14:creationId xmlns:p14="http://schemas.microsoft.com/office/powerpoint/2010/main" val="2024288356"/>
+        <p14:creationId xmlns:p14="http://schemas.microsoft.com/office/powerpoint/2010/main" val="1069128876"/>
       </p:ext>
     </p:extLst>
   </p:cSld>
@@ -1647,7 +1266,7 @@
           <p:cNvPr id="2" name="Title 1">
             <a:extLst>
               <a:ext uri="{FF2B5EF4-FFF2-40B4-BE49-F238E27FC236}">
-                <a16:creationId xmlns:a16="http://schemas.microsoft.com/office/drawing/2014/main" id="{9ECA64C5-8ED0-9B25-5A38-ACB40C82DA64}"/>
+                <a16:creationId xmlns:a16="http://schemas.microsoft.com/office/drawing/2014/main" id="{B474F71F-8339-CCD1-63C2-FC166E5BC06D}"/>
               </a:ext>
             </a:extLst>
           </p:cNvPr>
@@ -1676,7 +1295,7 @@
           <p:cNvPr id="3" name="Content Placeholder 2">
             <a:extLst>
               <a:ext uri="{FF2B5EF4-FFF2-40B4-BE49-F238E27FC236}">
-                <a16:creationId xmlns:a16="http://schemas.microsoft.com/office/drawing/2014/main" id="{0749D946-AC90-05EF-4195-ED2F383BB212}"/>
+                <a16:creationId xmlns:a16="http://schemas.microsoft.com/office/drawing/2014/main" id="{9F9A574A-90BB-274A-4B0F-ECAB1BA3BCF0}"/>
               </a:ext>
             </a:extLst>
           </p:cNvPr>
@@ -1739,7 +1358,7 @@
           <p:cNvPr id="4" name="Content Placeholder 3">
             <a:extLst>
               <a:ext uri="{FF2B5EF4-FFF2-40B4-BE49-F238E27FC236}">
-                <a16:creationId xmlns:a16="http://schemas.microsoft.com/office/drawing/2014/main" id="{2E308056-A9F1-72AE-21B7-B404C7C465F9}"/>
+                <a16:creationId xmlns:a16="http://schemas.microsoft.com/office/drawing/2014/main" id="{0C3111A0-B675-265B-DDE6-4EF50F9D796F}"/>
               </a:ext>
             </a:extLst>
           </p:cNvPr>
@@ -1802,7 +1421,7 @@
           <p:cNvPr id="5" name="Date Placeholder 4">
             <a:extLst>
               <a:ext uri="{FF2B5EF4-FFF2-40B4-BE49-F238E27FC236}">
-                <a16:creationId xmlns:a16="http://schemas.microsoft.com/office/drawing/2014/main" id="{D492DEDE-A76B-E13F-18AC-78D8E2DC2A59}"/>
+                <a16:creationId xmlns:a16="http://schemas.microsoft.com/office/drawing/2014/main" id="{0435787D-E44D-2313-A556-EE6E71B9579C}"/>
               </a:ext>
             </a:extLst>
           </p:cNvPr>
@@ -1818,9 +1437,9 @@
           <a:bodyPr/>
           <a:lstStyle/>
           <a:p>
-            <a:fld id="{97A52737-513F-4585-9DB9-6FAB966A716B}" type="datetimeFigureOut">
+            <a:fld id="{00EC434A-3816-410C-81A3-4755853BC45D}" type="datetimeFigureOut">
               <a:rPr lang="en-IN" smtClean="0"/>
-              <a:t>16-04-2025</a:t>
+              <a:t>29-04-2025</a:t>
             </a:fld>
             <a:endParaRPr lang="en-IN"/>
           </a:p>
@@ -1831,7 +1450,7 @@
           <p:cNvPr id="6" name="Footer Placeholder 5">
             <a:extLst>
               <a:ext uri="{FF2B5EF4-FFF2-40B4-BE49-F238E27FC236}">
-                <a16:creationId xmlns:a16="http://schemas.microsoft.com/office/drawing/2014/main" id="{ACBD1F4E-1B51-4C97-060C-304679ABB6DE}"/>
+                <a16:creationId xmlns:a16="http://schemas.microsoft.com/office/drawing/2014/main" id="{C7F2CA4D-C05B-0CB2-EDC0-DE2C3486138E}"/>
               </a:ext>
             </a:extLst>
           </p:cNvPr>
@@ -1856,7 +1475,7 @@
           <p:cNvPr id="7" name="Slide Number Placeholder 6">
             <a:extLst>
               <a:ext uri="{FF2B5EF4-FFF2-40B4-BE49-F238E27FC236}">
-                <a16:creationId xmlns:a16="http://schemas.microsoft.com/office/drawing/2014/main" id="{F12402B3-6621-97DF-D661-04A0A58EEBA4}"/>
+                <a16:creationId xmlns:a16="http://schemas.microsoft.com/office/drawing/2014/main" id="{312F2315-F2A3-56FB-9078-61F7B7326984}"/>
               </a:ext>
             </a:extLst>
           </p:cNvPr>
@@ -1872,7 +1491,7 @@
           <a:bodyPr/>
           <a:lstStyle/>
           <a:p>
-            <a:fld id="{347E8441-0F63-465C-A5AB-137E223F2F7E}" type="slidenum">
+            <a:fld id="{D56171A6-8E12-488B-BE1F-BAA79F3999FA}" type="slidenum">
               <a:rPr lang="en-IN" smtClean="0"/>
               <a:t>‹#›</a:t>
             </a:fld>
@@ -1883,7 +1502,7 @@
     </p:spTree>
     <p:extLst>
       <p:ext uri="{BB962C8B-B14F-4D97-AF65-F5344CB8AC3E}">
-        <p14:creationId xmlns:p14="http://schemas.microsoft.com/office/powerpoint/2010/main" val="4193589050"/>
+        <p14:creationId xmlns:p14="http://schemas.microsoft.com/office/powerpoint/2010/main" val="3136778533"/>
       </p:ext>
     </p:extLst>
   </p:cSld>
@@ -1915,7 +1534,7 @@
           <p:cNvPr id="2" name="Title 1">
             <a:extLst>
               <a:ext uri="{FF2B5EF4-FFF2-40B4-BE49-F238E27FC236}">
-                <a16:creationId xmlns:a16="http://schemas.microsoft.com/office/drawing/2014/main" id="{A6946517-F1A0-E732-C206-21F6D2665C42}"/>
+                <a16:creationId xmlns:a16="http://schemas.microsoft.com/office/drawing/2014/main" id="{80590EEA-B5B1-6F6F-8CDD-5302D84B55C1}"/>
               </a:ext>
             </a:extLst>
           </p:cNvPr>
@@ -1949,7 +1568,7 @@
           <p:cNvPr id="3" name="Text Placeholder 2">
             <a:extLst>
               <a:ext uri="{FF2B5EF4-FFF2-40B4-BE49-F238E27FC236}">
-                <a16:creationId xmlns:a16="http://schemas.microsoft.com/office/drawing/2014/main" id="{D1C2D2BE-7CA9-DD00-32CB-9AC65332FE87}"/>
+                <a16:creationId xmlns:a16="http://schemas.microsoft.com/office/drawing/2014/main" id="{2E2FFB10-7E8E-0ABB-5261-268355443BC7}"/>
               </a:ext>
             </a:extLst>
           </p:cNvPr>
@@ -2020,7 +1639,7 @@
           <p:cNvPr id="4" name="Content Placeholder 3">
             <a:extLst>
               <a:ext uri="{FF2B5EF4-FFF2-40B4-BE49-F238E27FC236}">
-                <a16:creationId xmlns:a16="http://schemas.microsoft.com/office/drawing/2014/main" id="{D7251D1E-CD98-51A5-24EF-70CBC77528C1}"/>
+                <a16:creationId xmlns:a16="http://schemas.microsoft.com/office/drawing/2014/main" id="{B8CAAB7A-3739-4550-B113-6908B0357344}"/>
               </a:ext>
             </a:extLst>
           </p:cNvPr>
@@ -2083,7 +1702,7 @@
           <p:cNvPr id="5" name="Text Placeholder 4">
             <a:extLst>
               <a:ext uri="{FF2B5EF4-FFF2-40B4-BE49-F238E27FC236}">
-                <a16:creationId xmlns:a16="http://schemas.microsoft.com/office/drawing/2014/main" id="{4061BE96-59F8-2118-EA79-FEFED7B69841}"/>
+                <a16:creationId xmlns:a16="http://schemas.microsoft.com/office/drawing/2014/main" id="{F396A016-7C1B-B9C6-35F2-5246673D0351}"/>
               </a:ext>
             </a:extLst>
           </p:cNvPr>
@@ -2154,7 +1773,7 @@
           <p:cNvPr id="6" name="Content Placeholder 5">
             <a:extLst>
               <a:ext uri="{FF2B5EF4-FFF2-40B4-BE49-F238E27FC236}">
-                <a16:creationId xmlns:a16="http://schemas.microsoft.com/office/drawing/2014/main" id="{AC4A1A36-5E2C-FB13-F514-84A4FFE39462}"/>
+                <a16:creationId xmlns:a16="http://schemas.microsoft.com/office/drawing/2014/main" id="{8FC1BBBC-8F75-A5CD-F447-2C9A040124B0}"/>
               </a:ext>
             </a:extLst>
           </p:cNvPr>
@@ -2217,7 +1836,7 @@
           <p:cNvPr id="7" name="Date Placeholder 6">
             <a:extLst>
               <a:ext uri="{FF2B5EF4-FFF2-40B4-BE49-F238E27FC236}">
-                <a16:creationId xmlns:a16="http://schemas.microsoft.com/office/drawing/2014/main" id="{63730BFF-30AD-CA07-59A0-2CBA3B2EE3AB}"/>
+                <a16:creationId xmlns:a16="http://schemas.microsoft.com/office/drawing/2014/main" id="{5831D7B1-2A01-4357-D6A5-8C209539D33F}"/>
               </a:ext>
             </a:extLst>
           </p:cNvPr>
@@ -2233,9 +1852,9 @@
           <a:bodyPr/>
           <a:lstStyle/>
           <a:p>
-            <a:fld id="{97A52737-513F-4585-9DB9-6FAB966A716B}" type="datetimeFigureOut">
+            <a:fld id="{00EC434A-3816-410C-81A3-4755853BC45D}" type="datetimeFigureOut">
               <a:rPr lang="en-IN" smtClean="0"/>
-              <a:t>16-04-2025</a:t>
+              <a:t>29-04-2025</a:t>
             </a:fld>
             <a:endParaRPr lang="en-IN"/>
           </a:p>
@@ -2246,7 +1865,7 @@
           <p:cNvPr id="8" name="Footer Placeholder 7">
             <a:extLst>
               <a:ext uri="{FF2B5EF4-FFF2-40B4-BE49-F238E27FC236}">
-                <a16:creationId xmlns:a16="http://schemas.microsoft.com/office/drawing/2014/main" id="{43228892-92CF-6584-27DE-D08FDF2B9E29}"/>
+                <a16:creationId xmlns:a16="http://schemas.microsoft.com/office/drawing/2014/main" id="{7F0423C1-2611-152F-8386-51D3C38D8868}"/>
               </a:ext>
             </a:extLst>
           </p:cNvPr>
@@ -2271,7 +1890,7 @@
           <p:cNvPr id="9" name="Slide Number Placeholder 8">
             <a:extLst>
               <a:ext uri="{FF2B5EF4-FFF2-40B4-BE49-F238E27FC236}">
-                <a16:creationId xmlns:a16="http://schemas.microsoft.com/office/drawing/2014/main" id="{A36E0662-886B-F72E-6E47-87B0320068CC}"/>
+                <a16:creationId xmlns:a16="http://schemas.microsoft.com/office/drawing/2014/main" id="{5460CEA5-AC0B-0D7F-7DCE-870791E5BD95}"/>
               </a:ext>
             </a:extLst>
           </p:cNvPr>
@@ -2287,7 +1906,7 @@
           <a:bodyPr/>
           <a:lstStyle/>
           <a:p>
-            <a:fld id="{347E8441-0F63-465C-A5AB-137E223F2F7E}" type="slidenum">
+            <a:fld id="{D56171A6-8E12-488B-BE1F-BAA79F3999FA}" type="slidenum">
               <a:rPr lang="en-IN" smtClean="0"/>
               <a:t>‹#›</a:t>
             </a:fld>
@@ -2298,7 +1917,7 @@
     </p:spTree>
     <p:extLst>
       <p:ext uri="{BB962C8B-B14F-4D97-AF65-F5344CB8AC3E}">
-        <p14:creationId xmlns:p14="http://schemas.microsoft.com/office/powerpoint/2010/main" val="1245634281"/>
+        <p14:creationId xmlns:p14="http://schemas.microsoft.com/office/powerpoint/2010/main" val="1995753848"/>
       </p:ext>
     </p:extLst>
   </p:cSld>
@@ -2330,7 +1949,7 @@
           <p:cNvPr id="2" name="Title 1">
             <a:extLst>
               <a:ext uri="{FF2B5EF4-FFF2-40B4-BE49-F238E27FC236}">
-                <a16:creationId xmlns:a16="http://schemas.microsoft.com/office/drawing/2014/main" id="{B4613E35-3263-FBFE-84A9-7FBF121AAD1B}"/>
+                <a16:creationId xmlns:a16="http://schemas.microsoft.com/office/drawing/2014/main" id="{2A049FBE-A0B4-D95A-6FB9-864480428D64}"/>
               </a:ext>
             </a:extLst>
           </p:cNvPr>
@@ -2359,7 +1978,7 @@
           <p:cNvPr id="3" name="Date Placeholder 2">
             <a:extLst>
               <a:ext uri="{FF2B5EF4-FFF2-40B4-BE49-F238E27FC236}">
-                <a16:creationId xmlns:a16="http://schemas.microsoft.com/office/drawing/2014/main" id="{2316660E-C8B3-CA60-C0A4-7CE2D510531E}"/>
+                <a16:creationId xmlns:a16="http://schemas.microsoft.com/office/drawing/2014/main" id="{EB80CD76-D670-4A85-0C8C-727F6B5C3F89}"/>
               </a:ext>
             </a:extLst>
           </p:cNvPr>
@@ -2375,9 +1994,9 @@
           <a:bodyPr/>
           <a:lstStyle/>
           <a:p>
-            <a:fld id="{97A52737-513F-4585-9DB9-6FAB966A716B}" type="datetimeFigureOut">
+            <a:fld id="{00EC434A-3816-410C-81A3-4755853BC45D}" type="datetimeFigureOut">
               <a:rPr lang="en-IN" smtClean="0"/>
-              <a:t>16-04-2025</a:t>
+              <a:t>29-04-2025</a:t>
             </a:fld>
             <a:endParaRPr lang="en-IN"/>
           </a:p>
@@ -2388,7 +2007,7 @@
           <p:cNvPr id="4" name="Footer Placeholder 3">
             <a:extLst>
               <a:ext uri="{FF2B5EF4-FFF2-40B4-BE49-F238E27FC236}">
-                <a16:creationId xmlns:a16="http://schemas.microsoft.com/office/drawing/2014/main" id="{7469232E-C26F-9569-4C0C-CFA3AE23B144}"/>
+                <a16:creationId xmlns:a16="http://schemas.microsoft.com/office/drawing/2014/main" id="{EDF40FF7-629D-889D-D8FD-DA2132CCBE91}"/>
               </a:ext>
             </a:extLst>
           </p:cNvPr>
@@ -2413,7 +2032,7 @@
           <p:cNvPr id="5" name="Slide Number Placeholder 4">
             <a:extLst>
               <a:ext uri="{FF2B5EF4-FFF2-40B4-BE49-F238E27FC236}">
-                <a16:creationId xmlns:a16="http://schemas.microsoft.com/office/drawing/2014/main" id="{57E9E18D-183B-1CC6-7A2B-D0DCCC806213}"/>
+                <a16:creationId xmlns:a16="http://schemas.microsoft.com/office/drawing/2014/main" id="{E690E6C1-CB2D-B3F9-BB7B-012836BFC668}"/>
               </a:ext>
             </a:extLst>
           </p:cNvPr>
@@ -2429,7 +2048,7 @@
           <a:bodyPr/>
           <a:lstStyle/>
           <a:p>
-            <a:fld id="{347E8441-0F63-465C-A5AB-137E223F2F7E}" type="slidenum">
+            <a:fld id="{D56171A6-8E12-488B-BE1F-BAA79F3999FA}" type="slidenum">
               <a:rPr lang="en-IN" smtClean="0"/>
               <a:t>‹#›</a:t>
             </a:fld>
@@ -2440,7 +2059,7 @@
     </p:spTree>
     <p:extLst>
       <p:ext uri="{BB962C8B-B14F-4D97-AF65-F5344CB8AC3E}">
-        <p14:creationId xmlns:p14="http://schemas.microsoft.com/office/powerpoint/2010/main" val="3473930915"/>
+        <p14:creationId xmlns:p14="http://schemas.microsoft.com/office/powerpoint/2010/main" val="3858396591"/>
       </p:ext>
     </p:extLst>
   </p:cSld>
@@ -2472,7 +2091,7 @@
           <p:cNvPr id="2" name="Date Placeholder 1">
             <a:extLst>
               <a:ext uri="{FF2B5EF4-FFF2-40B4-BE49-F238E27FC236}">
-                <a16:creationId xmlns:a16="http://schemas.microsoft.com/office/drawing/2014/main" id="{BA944FFF-CFDE-0C7A-4A9C-41F65B9217A3}"/>
+                <a16:creationId xmlns:a16="http://schemas.microsoft.com/office/drawing/2014/main" id="{5C1CB52B-B9CF-B984-072D-22595B84AE81}"/>
               </a:ext>
             </a:extLst>
           </p:cNvPr>
@@ -2488,9 +2107,9 @@
           <a:bodyPr/>
           <a:lstStyle/>
           <a:p>
-            <a:fld id="{97A52737-513F-4585-9DB9-6FAB966A716B}" type="datetimeFigureOut">
+            <a:fld id="{00EC434A-3816-410C-81A3-4755853BC45D}" type="datetimeFigureOut">
               <a:rPr lang="en-IN" smtClean="0"/>
-              <a:t>16-04-2025</a:t>
+              <a:t>29-04-2025</a:t>
             </a:fld>
             <a:endParaRPr lang="en-IN"/>
           </a:p>
@@ -2501,7 +2120,7 @@
           <p:cNvPr id="3" name="Footer Placeholder 2">
             <a:extLst>
               <a:ext uri="{FF2B5EF4-FFF2-40B4-BE49-F238E27FC236}">
-                <a16:creationId xmlns:a16="http://schemas.microsoft.com/office/drawing/2014/main" id="{9B8ECCC0-151B-F8DF-0B03-7FD70ABE927C}"/>
+                <a16:creationId xmlns:a16="http://schemas.microsoft.com/office/drawing/2014/main" id="{F6F98D2E-F313-05AD-DE35-A2E455DC876E}"/>
               </a:ext>
             </a:extLst>
           </p:cNvPr>
@@ -2526,7 +2145,7 @@
           <p:cNvPr id="4" name="Slide Number Placeholder 3">
             <a:extLst>
               <a:ext uri="{FF2B5EF4-FFF2-40B4-BE49-F238E27FC236}">
-                <a16:creationId xmlns:a16="http://schemas.microsoft.com/office/drawing/2014/main" id="{CBF007ED-43DE-33FF-65A8-4F464D59B6B3}"/>
+                <a16:creationId xmlns:a16="http://schemas.microsoft.com/office/drawing/2014/main" id="{6EA3173C-DCD0-A8C9-B3F0-9DFF852539FA}"/>
               </a:ext>
             </a:extLst>
           </p:cNvPr>
@@ -2542,7 +2161,7 @@
           <a:bodyPr/>
           <a:lstStyle/>
           <a:p>
-            <a:fld id="{347E8441-0F63-465C-A5AB-137E223F2F7E}" type="slidenum">
+            <a:fld id="{D56171A6-8E12-488B-BE1F-BAA79F3999FA}" type="slidenum">
               <a:rPr lang="en-IN" smtClean="0"/>
               <a:t>‹#›</a:t>
             </a:fld>
@@ -2553,7 +2172,7 @@
     </p:spTree>
     <p:extLst>
       <p:ext uri="{BB962C8B-B14F-4D97-AF65-F5344CB8AC3E}">
-        <p14:creationId xmlns:p14="http://schemas.microsoft.com/office/powerpoint/2010/main" val="1049990370"/>
+        <p14:creationId xmlns:p14="http://schemas.microsoft.com/office/powerpoint/2010/main" val="2995798345"/>
       </p:ext>
     </p:extLst>
   </p:cSld>
@@ -2585,7 +2204,7 @@
           <p:cNvPr id="2" name="Title 1">
             <a:extLst>
               <a:ext uri="{FF2B5EF4-FFF2-40B4-BE49-F238E27FC236}">
-                <a16:creationId xmlns:a16="http://schemas.microsoft.com/office/drawing/2014/main" id="{2F93038E-3BD9-604B-99A8-2B35FADA4574}"/>
+                <a16:creationId xmlns:a16="http://schemas.microsoft.com/office/drawing/2014/main" id="{98D0793F-3497-5F9B-5C7D-BB4BA3BE267E}"/>
               </a:ext>
             </a:extLst>
           </p:cNvPr>
@@ -2623,7 +2242,7 @@
           <p:cNvPr id="3" name="Content Placeholder 2">
             <a:extLst>
               <a:ext uri="{FF2B5EF4-FFF2-40B4-BE49-F238E27FC236}">
-                <a16:creationId xmlns:a16="http://schemas.microsoft.com/office/drawing/2014/main" id="{242527C6-D424-0882-742B-2678926785EB}"/>
+                <a16:creationId xmlns:a16="http://schemas.microsoft.com/office/drawing/2014/main" id="{598D0DCE-470D-AD69-1611-717D6E3F9C34}"/>
               </a:ext>
             </a:extLst>
           </p:cNvPr>
@@ -2714,7 +2333,7 @@
           <p:cNvPr id="4" name="Text Placeholder 3">
             <a:extLst>
               <a:ext uri="{FF2B5EF4-FFF2-40B4-BE49-F238E27FC236}">
-                <a16:creationId xmlns:a16="http://schemas.microsoft.com/office/drawing/2014/main" id="{AD946636-E391-9DAF-6404-37FB8093DF59}"/>
+                <a16:creationId xmlns:a16="http://schemas.microsoft.com/office/drawing/2014/main" id="{A615B40F-6328-98D5-F25D-94877E1E5677}"/>
               </a:ext>
             </a:extLst>
           </p:cNvPr>
@@ -2785,7 +2404,7 @@
           <p:cNvPr id="5" name="Date Placeholder 4">
             <a:extLst>
               <a:ext uri="{FF2B5EF4-FFF2-40B4-BE49-F238E27FC236}">
-                <a16:creationId xmlns:a16="http://schemas.microsoft.com/office/drawing/2014/main" id="{7D6B6C6E-CCE6-8775-8059-25B6A757C98C}"/>
+                <a16:creationId xmlns:a16="http://schemas.microsoft.com/office/drawing/2014/main" id="{2DDCF5D6-F6C4-D05A-40D9-F03313F872F2}"/>
               </a:ext>
             </a:extLst>
           </p:cNvPr>
@@ -2801,9 +2420,9 @@
           <a:bodyPr/>
           <a:lstStyle/>
           <a:p>
-            <a:fld id="{97A52737-513F-4585-9DB9-6FAB966A716B}" type="datetimeFigureOut">
+            <a:fld id="{00EC434A-3816-410C-81A3-4755853BC45D}" type="datetimeFigureOut">
               <a:rPr lang="en-IN" smtClean="0"/>
-              <a:t>16-04-2025</a:t>
+              <a:t>29-04-2025</a:t>
             </a:fld>
             <a:endParaRPr lang="en-IN"/>
           </a:p>
@@ -2814,7 +2433,7 @@
           <p:cNvPr id="6" name="Footer Placeholder 5">
             <a:extLst>
               <a:ext uri="{FF2B5EF4-FFF2-40B4-BE49-F238E27FC236}">
-                <a16:creationId xmlns:a16="http://schemas.microsoft.com/office/drawing/2014/main" id="{AC76647D-BA31-35C7-1DE4-3EBB16B62FBE}"/>
+                <a16:creationId xmlns:a16="http://schemas.microsoft.com/office/drawing/2014/main" id="{860E0C11-AA8C-59AC-9F5C-E6320A48A52B}"/>
               </a:ext>
             </a:extLst>
           </p:cNvPr>
@@ -2839,7 +2458,7 @@
           <p:cNvPr id="7" name="Slide Number Placeholder 6">
             <a:extLst>
               <a:ext uri="{FF2B5EF4-FFF2-40B4-BE49-F238E27FC236}">
-                <a16:creationId xmlns:a16="http://schemas.microsoft.com/office/drawing/2014/main" id="{FE74C610-B340-92DB-76A2-271C51D26532}"/>
+                <a16:creationId xmlns:a16="http://schemas.microsoft.com/office/drawing/2014/main" id="{15BC76F2-5B6A-B7C1-6F25-923482CDA378}"/>
               </a:ext>
             </a:extLst>
           </p:cNvPr>
@@ -2855,7 +2474,7 @@
           <a:bodyPr/>
           <a:lstStyle/>
           <a:p>
-            <a:fld id="{347E8441-0F63-465C-A5AB-137E223F2F7E}" type="slidenum">
+            <a:fld id="{D56171A6-8E12-488B-BE1F-BAA79F3999FA}" type="slidenum">
               <a:rPr lang="en-IN" smtClean="0"/>
               <a:t>‹#›</a:t>
             </a:fld>
@@ -2866,7 +2485,7 @@
     </p:spTree>
     <p:extLst>
       <p:ext uri="{BB962C8B-B14F-4D97-AF65-F5344CB8AC3E}">
-        <p14:creationId xmlns:p14="http://schemas.microsoft.com/office/powerpoint/2010/main" val="2453027529"/>
+        <p14:creationId xmlns:p14="http://schemas.microsoft.com/office/powerpoint/2010/main" val="4106702566"/>
       </p:ext>
     </p:extLst>
   </p:cSld>
@@ -2898,7 +2517,7 @@
           <p:cNvPr id="2" name="Title 1">
             <a:extLst>
               <a:ext uri="{FF2B5EF4-FFF2-40B4-BE49-F238E27FC236}">
-                <a16:creationId xmlns:a16="http://schemas.microsoft.com/office/drawing/2014/main" id="{DA565710-D056-9D24-DFD3-E7E065CAA089}"/>
+                <a16:creationId xmlns:a16="http://schemas.microsoft.com/office/drawing/2014/main" id="{C4C87E91-90FC-4B50-E71B-A672EA7C4ECF}"/>
               </a:ext>
             </a:extLst>
           </p:cNvPr>
@@ -2936,7 +2555,7 @@
           <p:cNvPr id="3" name="Picture Placeholder 2">
             <a:extLst>
               <a:ext uri="{FF2B5EF4-FFF2-40B4-BE49-F238E27FC236}">
-                <a16:creationId xmlns:a16="http://schemas.microsoft.com/office/drawing/2014/main" id="{CCABF635-6DE7-10BB-DC93-89217D613699}"/>
+                <a16:creationId xmlns:a16="http://schemas.microsoft.com/office/drawing/2014/main" id="{A3F93E2C-7B13-8B21-DF09-28F569625955}"/>
               </a:ext>
             </a:extLst>
           </p:cNvPr>
@@ -3003,7 +2622,7 @@
           <p:cNvPr id="4" name="Text Placeholder 3">
             <a:extLst>
               <a:ext uri="{FF2B5EF4-FFF2-40B4-BE49-F238E27FC236}">
-                <a16:creationId xmlns:a16="http://schemas.microsoft.com/office/drawing/2014/main" id="{86CC5561-2C71-1A10-324B-0698276F2C97}"/>
+                <a16:creationId xmlns:a16="http://schemas.microsoft.com/office/drawing/2014/main" id="{55009881-56AA-4D31-E0FA-353773AE8EBC}"/>
               </a:ext>
             </a:extLst>
           </p:cNvPr>
@@ -3074,7 +2693,7 @@
           <p:cNvPr id="5" name="Date Placeholder 4">
             <a:extLst>
               <a:ext uri="{FF2B5EF4-FFF2-40B4-BE49-F238E27FC236}">
-                <a16:creationId xmlns:a16="http://schemas.microsoft.com/office/drawing/2014/main" id="{D507C069-E397-2DEB-349B-6D6D2C3E9F21}"/>
+                <a16:creationId xmlns:a16="http://schemas.microsoft.com/office/drawing/2014/main" id="{4359AFA2-DCB7-5188-7AFC-C0354E4DE060}"/>
               </a:ext>
             </a:extLst>
           </p:cNvPr>
@@ -3090,9 +2709,9 @@
           <a:bodyPr/>
           <a:lstStyle/>
           <a:p>
-            <a:fld id="{97A52737-513F-4585-9DB9-6FAB966A716B}" type="datetimeFigureOut">
+            <a:fld id="{00EC434A-3816-410C-81A3-4755853BC45D}" type="datetimeFigureOut">
               <a:rPr lang="en-IN" smtClean="0"/>
-              <a:t>16-04-2025</a:t>
+              <a:t>29-04-2025</a:t>
             </a:fld>
             <a:endParaRPr lang="en-IN"/>
           </a:p>
@@ -3103,7 +2722,7 @@
           <p:cNvPr id="6" name="Footer Placeholder 5">
             <a:extLst>
               <a:ext uri="{FF2B5EF4-FFF2-40B4-BE49-F238E27FC236}">
-                <a16:creationId xmlns:a16="http://schemas.microsoft.com/office/drawing/2014/main" id="{FF0207CB-FB8A-22F1-C5AA-054A501F6A51}"/>
+                <a16:creationId xmlns:a16="http://schemas.microsoft.com/office/drawing/2014/main" id="{AF680E20-EF83-54BB-0C16-E22025FEED94}"/>
               </a:ext>
             </a:extLst>
           </p:cNvPr>
@@ -3128,7 +2747,7 @@
           <p:cNvPr id="7" name="Slide Number Placeholder 6">
             <a:extLst>
               <a:ext uri="{FF2B5EF4-FFF2-40B4-BE49-F238E27FC236}">
-                <a16:creationId xmlns:a16="http://schemas.microsoft.com/office/drawing/2014/main" id="{DCBBCFA6-0EFA-EEE1-4C03-ADD30A081A96}"/>
+                <a16:creationId xmlns:a16="http://schemas.microsoft.com/office/drawing/2014/main" id="{5DCF2898-4D26-7FEF-EE00-8AEFF742469D}"/>
               </a:ext>
             </a:extLst>
           </p:cNvPr>
@@ -3144,7 +2763,7 @@
           <a:bodyPr/>
           <a:lstStyle/>
           <a:p>
-            <a:fld id="{347E8441-0F63-465C-A5AB-137E223F2F7E}" type="slidenum">
+            <a:fld id="{D56171A6-8E12-488B-BE1F-BAA79F3999FA}" type="slidenum">
               <a:rPr lang="en-IN" smtClean="0"/>
               <a:t>‹#›</a:t>
             </a:fld>
@@ -3155,7 +2774,7 @@
     </p:spTree>
     <p:extLst>
       <p:ext uri="{BB962C8B-B14F-4D97-AF65-F5344CB8AC3E}">
-        <p14:creationId xmlns:p14="http://schemas.microsoft.com/office/powerpoint/2010/main" val="2508664080"/>
+        <p14:creationId xmlns:p14="http://schemas.microsoft.com/office/powerpoint/2010/main" val="3792971448"/>
       </p:ext>
     </p:extLst>
   </p:cSld>
@@ -3192,7 +2811,7 @@
           <p:cNvPr id="2" name="Title Placeholder 1">
             <a:extLst>
               <a:ext uri="{FF2B5EF4-FFF2-40B4-BE49-F238E27FC236}">
-                <a16:creationId xmlns:a16="http://schemas.microsoft.com/office/drawing/2014/main" id="{5E34C5F1-87B2-45C4-BD55-DB6AA2493C95}"/>
+                <a16:creationId xmlns:a16="http://schemas.microsoft.com/office/drawing/2014/main" id="{FBA825CF-3FAA-5DB6-4003-2198BBE6EF60}"/>
               </a:ext>
             </a:extLst>
           </p:cNvPr>
@@ -3231,7 +2850,7 @@
           <p:cNvPr id="3" name="Text Placeholder 2">
             <a:extLst>
               <a:ext uri="{FF2B5EF4-FFF2-40B4-BE49-F238E27FC236}">
-                <a16:creationId xmlns:a16="http://schemas.microsoft.com/office/drawing/2014/main" id="{CC926A0E-E98C-2847-C9A1-6A357199ECFE}"/>
+                <a16:creationId xmlns:a16="http://schemas.microsoft.com/office/drawing/2014/main" id="{14695239-C226-8FDE-E79A-B3C2A09C4A9C}"/>
               </a:ext>
             </a:extLst>
           </p:cNvPr>
@@ -3299,7 +2918,7 @@
           <p:cNvPr id="4" name="Date Placeholder 3">
             <a:extLst>
               <a:ext uri="{FF2B5EF4-FFF2-40B4-BE49-F238E27FC236}">
-                <a16:creationId xmlns:a16="http://schemas.microsoft.com/office/drawing/2014/main" id="{D33A7F9A-0874-BCD4-8DD5-365749CAD9B9}"/>
+                <a16:creationId xmlns:a16="http://schemas.microsoft.com/office/drawing/2014/main" id="{84170656-E1D4-01F9-A788-FDDB98C53DA7}"/>
               </a:ext>
             </a:extLst>
           </p:cNvPr>
@@ -3333,9 +2952,9 @@
             </a:lvl1pPr>
           </a:lstStyle>
           <a:p>
-            <a:fld id="{97A52737-513F-4585-9DB9-6FAB966A716B}" type="datetimeFigureOut">
+            <a:fld id="{00EC434A-3816-410C-81A3-4755853BC45D}" type="datetimeFigureOut">
               <a:rPr lang="en-IN" smtClean="0"/>
-              <a:t>16-04-2025</a:t>
+              <a:t>29-04-2025</a:t>
             </a:fld>
             <a:endParaRPr lang="en-IN"/>
           </a:p>
@@ -3346,7 +2965,7 @@
           <p:cNvPr id="5" name="Footer Placeholder 4">
             <a:extLst>
               <a:ext uri="{FF2B5EF4-FFF2-40B4-BE49-F238E27FC236}">
-                <a16:creationId xmlns:a16="http://schemas.microsoft.com/office/drawing/2014/main" id="{DF6797E3-232A-0E08-CB5D-FD54ABC9A15C}"/>
+                <a16:creationId xmlns:a16="http://schemas.microsoft.com/office/drawing/2014/main" id="{2388391A-22A4-2383-36AA-7F872C1B308B}"/>
               </a:ext>
             </a:extLst>
           </p:cNvPr>
@@ -3389,7 +3008,7 @@
           <p:cNvPr id="6" name="Slide Number Placeholder 5">
             <a:extLst>
               <a:ext uri="{FF2B5EF4-FFF2-40B4-BE49-F238E27FC236}">
-                <a16:creationId xmlns:a16="http://schemas.microsoft.com/office/drawing/2014/main" id="{96030347-05BE-16C2-39E5-64196F3290CC}"/>
+                <a16:creationId xmlns:a16="http://schemas.microsoft.com/office/drawing/2014/main" id="{E974BFBD-5AE3-8C57-8D6A-B5B3F199710A}"/>
               </a:ext>
             </a:extLst>
           </p:cNvPr>
@@ -3423,7 +3042,7 @@
             </a:lvl1pPr>
           </a:lstStyle>
           <a:p>
-            <a:fld id="{347E8441-0F63-465C-A5AB-137E223F2F7E}" type="slidenum">
+            <a:fld id="{D56171A6-8E12-488B-BE1F-BAA79F3999FA}" type="slidenum">
               <a:rPr lang="en-IN" smtClean="0"/>
               <a:t>‹#›</a:t>
             </a:fld>
@@ -3434,7 +3053,7 @@
     </p:spTree>
     <p:extLst>
       <p:ext uri="{BB962C8B-B14F-4D97-AF65-F5344CB8AC3E}">
-        <p14:creationId xmlns:p14="http://schemas.microsoft.com/office/powerpoint/2010/main" val="782775209"/>
+        <p14:creationId xmlns:p14="http://schemas.microsoft.com/office/powerpoint/2010/main" val="974934006"/>
       </p:ext>
     </p:extLst>
   </p:cSld>
@@ -3752,853 +3371,28 @@
           <a:chExt cx="0" cy="0"/>
         </a:xfrm>
       </p:grpSpPr>
-      <p:pic>
-        <p:nvPicPr>
-          <p:cNvPr id="5" name="Picture 4">
-            <a:extLst>
-              <a:ext uri="{FF2B5EF4-FFF2-40B4-BE49-F238E27FC236}">
-                <a16:creationId xmlns:a16="http://schemas.microsoft.com/office/drawing/2014/main" id="{6E5DF0AA-F77A-E58B-849E-73B6C7FEAC93}"/>
-              </a:ext>
-            </a:extLst>
-          </p:cNvPr>
-          <p:cNvPicPr>
-            <a:picLocks noChangeAspect="1"/>
-          </p:cNvPicPr>
+      <p:sp>
+        <p:nvSpPr>
+          <p:cNvPr id="2" name="Rectangle: Rounded Corners 1">
+            <a:extLst>
+              <a:ext uri="{FF2B5EF4-FFF2-40B4-BE49-F238E27FC236}">
+                <a16:creationId xmlns:a16="http://schemas.microsoft.com/office/drawing/2014/main" id="{0C8EBB1A-3361-1926-29C7-36858BD6672A}"/>
+              </a:ext>
+            </a:extLst>
+          </p:cNvPr>
+          <p:cNvSpPr/>
           <p:nvPr/>
-        </p:nvPicPr>
-        <p:blipFill>
-          <a:blip r:embed="rId2">
-            <a:extLst>
-              <a:ext uri="{28A0092B-C50C-407E-A947-70E740481C1C}">
-                <a14:useLocalDpi xmlns:a14="http://schemas.microsoft.com/office/drawing/2010/main" val="0"/>
-              </a:ext>
-            </a:extLst>
-          </a:blip>
-          <a:srcRect t="33507" b="47450"/>
-          <a:stretch/>
-        </p:blipFill>
+        </p:nvSpPr>
         <p:spPr>
           <a:xfrm>
-            <a:off x="-1" y="284856"/>
-            <a:ext cx="12079705" cy="909306"/>
-          </a:xfrm>
-          <a:prstGeom prst="rect">
-            <a:avLst/>
-          </a:prstGeom>
-        </p:spPr>
-      </p:pic>
-      <p:pic>
-        <p:nvPicPr>
-          <p:cNvPr id="9" name="Picture 8">
-            <a:extLst>
-              <a:ext uri="{FF2B5EF4-FFF2-40B4-BE49-F238E27FC236}">
-                <a16:creationId xmlns:a16="http://schemas.microsoft.com/office/drawing/2014/main" id="{185A711B-E946-CBE1-DF58-70E4E493710F}"/>
-              </a:ext>
-            </a:extLst>
-          </p:cNvPr>
-          <p:cNvPicPr>
-            <a:picLocks noChangeAspect="1"/>
-          </p:cNvPicPr>
-          <p:nvPr/>
-        </p:nvPicPr>
-        <p:blipFill>
-          <a:blip r:embed="rId3">
-            <a:extLst>
-              <a:ext uri="{28A0092B-C50C-407E-A947-70E740481C1C}">
-                <a14:useLocalDpi xmlns:a14="http://schemas.microsoft.com/office/drawing/2010/main" val="0"/>
-              </a:ext>
-            </a:extLst>
-          </a:blip>
-          <a:stretch>
-            <a:fillRect/>
-          </a:stretch>
-        </p:blipFill>
-        <p:spPr>
-          <a:xfrm>
-            <a:off x="1305241" y="-289829"/>
-            <a:ext cx="3054375" cy="2137002"/>
-          </a:xfrm>
-          <a:prstGeom prst="rect">
-            <a:avLst/>
-          </a:prstGeom>
-        </p:spPr>
-      </p:pic>
-      <p:pic>
-        <p:nvPicPr>
-          <p:cNvPr id="10" name="Picture 9">
-            <a:extLst>
-              <a:ext uri="{FF2B5EF4-FFF2-40B4-BE49-F238E27FC236}">
-                <a16:creationId xmlns:a16="http://schemas.microsoft.com/office/drawing/2014/main" id="{CED9E8E2-12D1-B92C-800F-D8EFF0E26E84}"/>
-              </a:ext>
-            </a:extLst>
-          </p:cNvPr>
-          <p:cNvPicPr>
-            <a:picLocks noChangeAspect="1"/>
-          </p:cNvPicPr>
-          <p:nvPr/>
-        </p:nvPicPr>
-        <p:blipFill>
-          <a:blip r:embed="rId3">
-            <a:extLst>
-              <a:ext uri="{28A0092B-C50C-407E-A947-70E740481C1C}">
-                <a14:useLocalDpi xmlns:a14="http://schemas.microsoft.com/office/drawing/2010/main" val="0"/>
-              </a:ext>
-            </a:extLst>
-          </a:blip>
-          <a:stretch>
-            <a:fillRect/>
-          </a:stretch>
-        </p:blipFill>
-        <p:spPr>
-          <a:xfrm>
-            <a:off x="6844988" y="-378761"/>
-            <a:ext cx="3054375" cy="2137002"/>
-          </a:xfrm>
-          <a:prstGeom prst="rect">
-            <a:avLst/>
-          </a:prstGeom>
-        </p:spPr>
-      </p:pic>
-      <p:sp>
-        <p:nvSpPr>
-          <p:cNvPr id="11" name="Arrow: Down 10">
-            <a:extLst>
-              <a:ext uri="{FF2B5EF4-FFF2-40B4-BE49-F238E27FC236}">
-                <a16:creationId xmlns:a16="http://schemas.microsoft.com/office/drawing/2014/main" id="{692AC185-375B-55C9-529F-9CBAC19205D0}"/>
-              </a:ext>
-            </a:extLst>
-          </p:cNvPr>
-          <p:cNvSpPr/>
-          <p:nvPr/>
-        </p:nvSpPr>
-        <p:spPr>
-          <a:xfrm>
-            <a:off x="2708314" y="1350174"/>
-            <a:ext cx="269998" cy="544285"/>
-          </a:xfrm>
-          <a:prstGeom prst="downArrow">
-            <a:avLst/>
-          </a:prstGeom>
-        </p:spPr>
-        <p:style>
-          <a:lnRef idx="2">
-            <a:schemeClr val="accent2">
-              <a:shade val="15000"/>
-            </a:schemeClr>
-          </a:lnRef>
-          <a:fillRef idx="1">
-            <a:schemeClr val="accent2"/>
-          </a:fillRef>
-          <a:effectRef idx="0">
-            <a:schemeClr val="accent2"/>
-          </a:effectRef>
-          <a:fontRef idx="minor">
-            <a:schemeClr val="lt1"/>
-          </a:fontRef>
-        </p:style>
-        <p:txBody>
-          <a:bodyPr rtlCol="0" anchor="ctr"/>
-          <a:lstStyle/>
-          <a:p>
-            <a:pPr algn="ctr"/>
-            <a:endParaRPr lang="en-IN" b="1">
-              <a:ln w="10160">
-                <a:solidFill>
-                  <a:schemeClr val="accent5"/>
-                </a:solidFill>
-                <a:prstDash val="solid"/>
-              </a:ln>
-              <a:solidFill>
-                <a:srgbClr val="FFFFFF"/>
-              </a:solidFill>
-              <a:effectLst>
-                <a:outerShdw blurRad="38100" dist="22860" dir="5400000" algn="tl" rotWithShape="0">
-                  <a:srgbClr val="000000">
-                    <a:alpha val="30000"/>
-                  </a:srgbClr>
-                </a:outerShdw>
-              </a:effectLst>
-            </a:endParaRPr>
-          </a:p>
-        </p:txBody>
-      </p:sp>
-      <p:sp>
-        <p:nvSpPr>
-          <p:cNvPr id="12" name="Oval 11">
-            <a:extLst>
-              <a:ext uri="{FF2B5EF4-FFF2-40B4-BE49-F238E27FC236}">
-                <a16:creationId xmlns:a16="http://schemas.microsoft.com/office/drawing/2014/main" id="{E06544C7-5456-044F-92EC-A86211E55183}"/>
-              </a:ext>
-            </a:extLst>
-          </p:cNvPr>
-          <p:cNvSpPr/>
-          <p:nvPr/>
-        </p:nvSpPr>
-        <p:spPr>
-          <a:xfrm>
-            <a:off x="2144485" y="1940379"/>
-            <a:ext cx="1393371" cy="544285"/>
-          </a:xfrm>
-          <a:prstGeom prst="ellipse">
-            <a:avLst/>
-          </a:prstGeom>
-          <a:solidFill>
-            <a:srgbClr val="FF6600"/>
-          </a:solidFill>
-        </p:spPr>
-        <p:style>
-          <a:lnRef idx="1">
-            <a:schemeClr val="accent6"/>
-          </a:lnRef>
-          <a:fillRef idx="2">
-            <a:schemeClr val="accent6"/>
-          </a:fillRef>
-          <a:effectRef idx="1">
-            <a:schemeClr val="accent6"/>
-          </a:effectRef>
-          <a:fontRef idx="minor">
-            <a:schemeClr val="dk1"/>
-          </a:fontRef>
-        </p:style>
-        <p:txBody>
-          <a:bodyPr rtlCol="0" anchor="ctr"/>
-          <a:lstStyle/>
-          <a:p>
-            <a:pPr algn="ctr"/>
-            <a:r>
-              <a:rPr lang="en-IN" b="1" dirty="0"/>
-              <a:t>RAS</a:t>
-            </a:r>
-          </a:p>
-        </p:txBody>
-      </p:sp>
-      <p:sp>
-        <p:nvSpPr>
-          <p:cNvPr id="13" name="Arrow: Down 12">
-            <a:extLst>
-              <a:ext uri="{FF2B5EF4-FFF2-40B4-BE49-F238E27FC236}">
-                <a16:creationId xmlns:a16="http://schemas.microsoft.com/office/drawing/2014/main" id="{618215C6-BB49-A9F2-67CA-3764D04D60FF}"/>
-              </a:ext>
-            </a:extLst>
-          </p:cNvPr>
-          <p:cNvSpPr/>
-          <p:nvPr/>
-        </p:nvSpPr>
-        <p:spPr>
-          <a:xfrm>
-            <a:off x="2706172" y="2530584"/>
-            <a:ext cx="269998" cy="544285"/>
-          </a:xfrm>
-          <a:prstGeom prst="downArrow">
-            <a:avLst/>
-          </a:prstGeom>
-        </p:spPr>
-        <p:style>
-          <a:lnRef idx="2">
-            <a:schemeClr val="accent2">
-              <a:shade val="15000"/>
-            </a:schemeClr>
-          </a:lnRef>
-          <a:fillRef idx="1">
-            <a:schemeClr val="accent2"/>
-          </a:fillRef>
-          <a:effectRef idx="0">
-            <a:schemeClr val="accent2"/>
-          </a:effectRef>
-          <a:fontRef idx="minor">
-            <a:schemeClr val="lt1"/>
-          </a:fontRef>
-        </p:style>
-        <p:txBody>
-          <a:bodyPr rtlCol="0" anchor="ctr"/>
-          <a:lstStyle/>
-          <a:p>
-            <a:pPr algn="ctr"/>
-            <a:endParaRPr lang="en-IN" b="1">
-              <a:ln w="10160">
-                <a:solidFill>
-                  <a:schemeClr val="accent5"/>
-                </a:solidFill>
-                <a:prstDash val="solid"/>
-              </a:ln>
-              <a:solidFill>
-                <a:srgbClr val="FFFFFF"/>
-              </a:solidFill>
-              <a:effectLst>
-                <a:outerShdw blurRad="38100" dist="22860" dir="5400000" algn="tl" rotWithShape="0">
-                  <a:srgbClr val="000000">
-                    <a:alpha val="30000"/>
-                  </a:srgbClr>
-                </a:outerShdw>
-              </a:effectLst>
-            </a:endParaRPr>
-          </a:p>
-        </p:txBody>
-      </p:sp>
-      <p:sp>
-        <p:nvSpPr>
-          <p:cNvPr id="14" name="Oval 13">
-            <a:extLst>
-              <a:ext uri="{FF2B5EF4-FFF2-40B4-BE49-F238E27FC236}">
-                <a16:creationId xmlns:a16="http://schemas.microsoft.com/office/drawing/2014/main" id="{7AE86A46-41D4-EB36-E268-74464BEA6F21}"/>
-              </a:ext>
-            </a:extLst>
-          </p:cNvPr>
-          <p:cNvSpPr/>
-          <p:nvPr/>
-        </p:nvSpPr>
-        <p:spPr>
-          <a:xfrm>
-            <a:off x="2144485" y="3156857"/>
-            <a:ext cx="1393371" cy="544285"/>
-          </a:xfrm>
-          <a:prstGeom prst="ellipse">
-            <a:avLst/>
-          </a:prstGeom>
-          <a:solidFill>
-            <a:srgbClr val="4FA3A1"/>
-          </a:solidFill>
-        </p:spPr>
-        <p:style>
-          <a:lnRef idx="1">
-            <a:schemeClr val="accent6"/>
-          </a:lnRef>
-          <a:fillRef idx="2">
-            <a:schemeClr val="accent6"/>
-          </a:fillRef>
-          <a:effectRef idx="1">
-            <a:schemeClr val="accent6"/>
-          </a:effectRef>
-          <a:fontRef idx="minor">
-            <a:schemeClr val="dk1"/>
-          </a:fontRef>
-        </p:style>
-        <p:txBody>
-          <a:bodyPr rtlCol="0" anchor="ctr"/>
-          <a:lstStyle/>
-          <a:p>
-            <a:pPr algn="ctr"/>
-            <a:r>
-              <a:rPr lang="en-IN" b="1" dirty="0"/>
-              <a:t>GRB2</a:t>
-            </a:r>
-          </a:p>
-        </p:txBody>
-      </p:sp>
-      <p:sp>
-        <p:nvSpPr>
-          <p:cNvPr id="15" name="Arrow: Down 14">
-            <a:extLst>
-              <a:ext uri="{FF2B5EF4-FFF2-40B4-BE49-F238E27FC236}">
-                <a16:creationId xmlns:a16="http://schemas.microsoft.com/office/drawing/2014/main" id="{C7BEDF23-4644-88D9-AA9C-27AD8B67B551}"/>
-              </a:ext>
-            </a:extLst>
-          </p:cNvPr>
-          <p:cNvSpPr/>
-          <p:nvPr/>
-        </p:nvSpPr>
-        <p:spPr>
-          <a:xfrm>
-            <a:off x="2706172" y="3783130"/>
-            <a:ext cx="269998" cy="544285"/>
-          </a:xfrm>
-          <a:prstGeom prst="downArrow">
-            <a:avLst/>
-          </a:prstGeom>
-        </p:spPr>
-        <p:style>
-          <a:lnRef idx="2">
-            <a:schemeClr val="accent2">
-              <a:shade val="15000"/>
-            </a:schemeClr>
-          </a:lnRef>
-          <a:fillRef idx="1">
-            <a:schemeClr val="accent2"/>
-          </a:fillRef>
-          <a:effectRef idx="0">
-            <a:schemeClr val="accent2"/>
-          </a:effectRef>
-          <a:fontRef idx="minor">
-            <a:schemeClr val="lt1"/>
-          </a:fontRef>
-        </p:style>
-        <p:txBody>
-          <a:bodyPr rtlCol="0" anchor="ctr"/>
-          <a:lstStyle/>
-          <a:p>
-            <a:pPr algn="ctr"/>
-            <a:endParaRPr lang="en-IN" b="1">
-              <a:ln w="10160">
-                <a:solidFill>
-                  <a:schemeClr val="accent5"/>
-                </a:solidFill>
-                <a:prstDash val="solid"/>
-              </a:ln>
-              <a:solidFill>
-                <a:srgbClr val="FFFFFF"/>
-              </a:solidFill>
-              <a:effectLst>
-                <a:outerShdw blurRad="38100" dist="22860" dir="5400000" algn="tl" rotWithShape="0">
-                  <a:srgbClr val="000000">
-                    <a:alpha val="30000"/>
-                  </a:srgbClr>
-                </a:outerShdw>
-              </a:effectLst>
-            </a:endParaRPr>
-          </a:p>
-        </p:txBody>
-      </p:sp>
-      <p:sp>
-        <p:nvSpPr>
-          <p:cNvPr id="16" name="Oval 15">
-            <a:extLst>
-              <a:ext uri="{FF2B5EF4-FFF2-40B4-BE49-F238E27FC236}">
-                <a16:creationId xmlns:a16="http://schemas.microsoft.com/office/drawing/2014/main" id="{5C04650D-F97C-476B-583F-C7D111E256BB}"/>
-              </a:ext>
-            </a:extLst>
-          </p:cNvPr>
-          <p:cNvSpPr/>
-          <p:nvPr/>
-        </p:nvSpPr>
-        <p:spPr>
-          <a:xfrm>
-            <a:off x="2144485" y="4409403"/>
-            <a:ext cx="1393371" cy="544285"/>
-          </a:xfrm>
-          <a:prstGeom prst="ellipse">
-            <a:avLst/>
-          </a:prstGeom>
-          <a:solidFill>
-            <a:srgbClr val="FFFF66"/>
-          </a:solidFill>
-          <a:ln>
-            <a:noFill/>
-          </a:ln>
-        </p:spPr>
-        <p:style>
-          <a:lnRef idx="0">
-            <a:scrgbClr r="0" g="0" b="0"/>
-          </a:lnRef>
-          <a:fillRef idx="0">
-            <a:scrgbClr r="0" g="0" b="0"/>
-          </a:fillRef>
-          <a:effectRef idx="0">
-            <a:scrgbClr r="0" g="0" b="0"/>
-          </a:effectRef>
-          <a:fontRef idx="minor">
-            <a:schemeClr val="lt1"/>
-          </a:fontRef>
-        </p:style>
-        <p:txBody>
-          <a:bodyPr rtlCol="0" anchor="ctr"/>
-          <a:lstStyle/>
-          <a:p>
-            <a:pPr algn="ctr"/>
-            <a:r>
-              <a:rPr lang="en-IN" dirty="0">
-                <a:ln w="0"/>
-                <a:solidFill>
-                  <a:schemeClr val="tx1"/>
-                </a:solidFill>
-                <a:effectLst>
-                  <a:outerShdw blurRad="38100" dist="19050" dir="2700000" algn="tl" rotWithShape="0">
-                    <a:schemeClr val="dk1">
-                      <a:alpha val="40000"/>
-                    </a:schemeClr>
-                  </a:outerShdw>
-                </a:effectLst>
-              </a:rPr>
-              <a:t>PIP3</a:t>
-            </a:r>
-            <a:endParaRPr lang="en-IN" b="1" dirty="0"/>
-          </a:p>
-        </p:txBody>
-      </p:sp>
-      <p:sp>
-        <p:nvSpPr>
-          <p:cNvPr id="17" name="Arrow: Down 16">
-            <a:extLst>
-              <a:ext uri="{FF2B5EF4-FFF2-40B4-BE49-F238E27FC236}">
-                <a16:creationId xmlns:a16="http://schemas.microsoft.com/office/drawing/2014/main" id="{7BB549E6-B2B4-DCFD-014B-7CD43AABC273}"/>
-              </a:ext>
-            </a:extLst>
-          </p:cNvPr>
-          <p:cNvSpPr/>
-          <p:nvPr/>
-        </p:nvSpPr>
-        <p:spPr>
-          <a:xfrm>
-            <a:off x="2708314" y="5035676"/>
-            <a:ext cx="269998" cy="544285"/>
-          </a:xfrm>
-          <a:prstGeom prst="downArrow">
-            <a:avLst/>
-          </a:prstGeom>
-        </p:spPr>
-        <p:style>
-          <a:lnRef idx="2">
-            <a:schemeClr val="accent2">
-              <a:shade val="15000"/>
-            </a:schemeClr>
-          </a:lnRef>
-          <a:fillRef idx="1">
-            <a:schemeClr val="accent2"/>
-          </a:fillRef>
-          <a:effectRef idx="0">
-            <a:schemeClr val="accent2"/>
-          </a:effectRef>
-          <a:fontRef idx="minor">
-            <a:schemeClr val="lt1"/>
-          </a:fontRef>
-        </p:style>
-        <p:txBody>
-          <a:bodyPr rtlCol="0" anchor="ctr"/>
-          <a:lstStyle/>
-          <a:p>
-            <a:pPr algn="ctr"/>
-            <a:endParaRPr lang="en-IN" b="1">
-              <a:ln w="10160">
-                <a:solidFill>
-                  <a:schemeClr val="accent5"/>
-                </a:solidFill>
-                <a:prstDash val="solid"/>
-              </a:ln>
-              <a:solidFill>
-                <a:srgbClr val="FFFFFF"/>
-              </a:solidFill>
-              <a:effectLst>
-                <a:outerShdw blurRad="38100" dist="22860" dir="5400000" algn="tl" rotWithShape="0">
-                  <a:srgbClr val="000000">
-                    <a:alpha val="30000"/>
-                  </a:srgbClr>
-                </a:outerShdw>
-              </a:effectLst>
-            </a:endParaRPr>
-          </a:p>
-        </p:txBody>
-      </p:sp>
-      <p:sp>
-        <p:nvSpPr>
-          <p:cNvPr id="18" name="Oval 17">
-            <a:extLst>
-              <a:ext uri="{FF2B5EF4-FFF2-40B4-BE49-F238E27FC236}">
-                <a16:creationId xmlns:a16="http://schemas.microsoft.com/office/drawing/2014/main" id="{84E013B5-23B3-EF1B-B00A-9E9CEEA069C8}"/>
-              </a:ext>
-            </a:extLst>
-          </p:cNvPr>
-          <p:cNvSpPr/>
-          <p:nvPr/>
-        </p:nvSpPr>
-        <p:spPr>
-          <a:xfrm>
-            <a:off x="1949144" y="5562474"/>
-            <a:ext cx="1800314" cy="574168"/>
-          </a:xfrm>
-          <a:prstGeom prst="ellipse">
-            <a:avLst/>
-          </a:prstGeom>
-          <a:solidFill>
-            <a:srgbClr val="FF0000"/>
-          </a:solidFill>
-        </p:spPr>
-        <p:style>
-          <a:lnRef idx="1">
-            <a:schemeClr val="accent6"/>
-          </a:lnRef>
-          <a:fillRef idx="2">
-            <a:schemeClr val="accent6"/>
-          </a:fillRef>
-          <a:effectRef idx="1">
-            <a:schemeClr val="accent6"/>
-          </a:effectRef>
-          <a:fontRef idx="minor">
-            <a:schemeClr val="dk1"/>
-          </a:fontRef>
-        </p:style>
-        <p:txBody>
-          <a:bodyPr rtlCol="0" anchor="ctr"/>
-          <a:lstStyle/>
-          <a:p>
-            <a:pPr algn="ctr"/>
-            <a:r>
-              <a:rPr lang="en-IN" sz="1600" b="1" dirty="0"/>
-              <a:t>Apoptosis</a:t>
-            </a:r>
-          </a:p>
-        </p:txBody>
-      </p:sp>
-      <p:sp>
-        <p:nvSpPr>
-          <p:cNvPr id="19" name="Oval 18">
-            <a:extLst>
-              <a:ext uri="{FF2B5EF4-FFF2-40B4-BE49-F238E27FC236}">
-                <a16:creationId xmlns:a16="http://schemas.microsoft.com/office/drawing/2014/main" id="{C18585BF-E7F5-DF6D-5DEA-5E6D07A69E51}"/>
-              </a:ext>
-            </a:extLst>
-          </p:cNvPr>
-          <p:cNvSpPr/>
-          <p:nvPr/>
-        </p:nvSpPr>
-        <p:spPr>
-          <a:xfrm>
-            <a:off x="4285728" y="1808394"/>
-            <a:ext cx="1386906" cy="405540"/>
-          </a:xfrm>
-          <a:prstGeom prst="ellipse">
-            <a:avLst/>
-          </a:prstGeom>
-          <a:solidFill>
-            <a:srgbClr val="CC00FF"/>
-          </a:solidFill>
-        </p:spPr>
-        <p:style>
-          <a:lnRef idx="1">
-            <a:schemeClr val="accent6"/>
-          </a:lnRef>
-          <a:fillRef idx="2">
-            <a:schemeClr val="accent6"/>
-          </a:fillRef>
-          <a:effectRef idx="1">
-            <a:schemeClr val="accent6"/>
-          </a:effectRef>
-          <a:fontRef idx="minor">
-            <a:schemeClr val="dk1"/>
-          </a:fontRef>
-        </p:style>
-        <p:txBody>
-          <a:bodyPr rtlCol="0" anchor="ctr"/>
-          <a:lstStyle/>
-          <a:p>
-            <a:pPr algn="ctr"/>
-            <a:r>
-              <a:rPr lang="en-IN" b="1" dirty="0"/>
-              <a:t>RAF</a:t>
-            </a:r>
-          </a:p>
-        </p:txBody>
-      </p:sp>
-      <p:sp>
-        <p:nvSpPr>
-          <p:cNvPr id="20" name="Oval 19">
-            <a:extLst>
-              <a:ext uri="{FF2B5EF4-FFF2-40B4-BE49-F238E27FC236}">
-                <a16:creationId xmlns:a16="http://schemas.microsoft.com/office/drawing/2014/main" id="{C4BC3B48-955D-7F9B-E72F-688591824DDC}"/>
-              </a:ext>
-            </a:extLst>
-          </p:cNvPr>
-          <p:cNvSpPr/>
-          <p:nvPr/>
-        </p:nvSpPr>
-        <p:spPr>
-          <a:xfrm>
-            <a:off x="4309861" y="2592811"/>
-            <a:ext cx="1291134" cy="371027"/>
-          </a:xfrm>
-          <a:prstGeom prst="ellipse">
-            <a:avLst/>
-          </a:prstGeom>
-          <a:solidFill>
-            <a:srgbClr val="FF6600"/>
-          </a:solidFill>
-        </p:spPr>
-        <p:style>
-          <a:lnRef idx="1">
-            <a:schemeClr val="accent6"/>
-          </a:lnRef>
-          <a:fillRef idx="2">
-            <a:schemeClr val="accent6"/>
-          </a:fillRef>
-          <a:effectRef idx="1">
-            <a:schemeClr val="accent6"/>
-          </a:effectRef>
-          <a:fontRef idx="minor">
-            <a:schemeClr val="dk1"/>
-          </a:fontRef>
-        </p:style>
-        <p:txBody>
-          <a:bodyPr rtlCol="0" anchor="ctr"/>
-          <a:lstStyle/>
-          <a:p>
-            <a:pPr algn="ctr"/>
-            <a:r>
-              <a:rPr lang="en-IN" b="1" dirty="0"/>
-              <a:t>RAS</a:t>
-            </a:r>
-          </a:p>
-        </p:txBody>
-      </p:sp>
-      <p:sp>
-        <p:nvSpPr>
-          <p:cNvPr id="2" name="Oval 1">
-            <a:extLst>
-              <a:ext uri="{FF2B5EF4-FFF2-40B4-BE49-F238E27FC236}">
-                <a16:creationId xmlns:a16="http://schemas.microsoft.com/office/drawing/2014/main" id="{9AEDF501-7032-F4EC-0E0B-11AF0822FC3D}"/>
-              </a:ext>
-            </a:extLst>
-          </p:cNvPr>
-          <p:cNvSpPr/>
-          <p:nvPr/>
-        </p:nvSpPr>
-        <p:spPr>
-          <a:xfrm>
-            <a:off x="4201647" y="3406031"/>
-            <a:ext cx="1416119" cy="405541"/>
-          </a:xfrm>
-          <a:prstGeom prst="ellipse">
-            <a:avLst/>
-          </a:prstGeom>
-          <a:solidFill>
-            <a:srgbClr val="FFFF66"/>
-          </a:solidFill>
-        </p:spPr>
-        <p:style>
-          <a:lnRef idx="1">
-            <a:schemeClr val="accent6"/>
-          </a:lnRef>
-          <a:fillRef idx="2">
-            <a:schemeClr val="accent6"/>
-          </a:fillRef>
-          <a:effectRef idx="1">
-            <a:schemeClr val="accent6"/>
-          </a:effectRef>
-          <a:fontRef idx="minor">
-            <a:schemeClr val="dk1"/>
-          </a:fontRef>
-        </p:style>
-        <p:txBody>
-          <a:bodyPr rtlCol="0" anchor="ctr"/>
-          <a:lstStyle/>
-          <a:p>
-            <a:pPr algn="ctr"/>
-            <a:r>
-              <a:rPr lang="en-IN" b="1" dirty="0"/>
-              <a:t>PIP3</a:t>
-            </a:r>
-          </a:p>
-        </p:txBody>
-      </p:sp>
-      <p:sp>
-        <p:nvSpPr>
-          <p:cNvPr id="3" name="Oval 2">
-            <a:extLst>
-              <a:ext uri="{FF2B5EF4-FFF2-40B4-BE49-F238E27FC236}">
-                <a16:creationId xmlns:a16="http://schemas.microsoft.com/office/drawing/2014/main" id="{AD5D64D5-5987-5774-6AC4-37323A131320}"/>
-              </a:ext>
-            </a:extLst>
-          </p:cNvPr>
-          <p:cNvSpPr/>
-          <p:nvPr/>
-        </p:nvSpPr>
-        <p:spPr>
-          <a:xfrm>
-            <a:off x="4324173" y="1008442"/>
-            <a:ext cx="1386906" cy="380911"/>
-          </a:xfrm>
-          <a:prstGeom prst="ellipse">
-            <a:avLst/>
-          </a:prstGeom>
-          <a:solidFill>
-            <a:srgbClr val="6988BB"/>
-          </a:solidFill>
-        </p:spPr>
-        <p:style>
-          <a:lnRef idx="1">
-            <a:schemeClr val="accent6"/>
-          </a:lnRef>
-          <a:fillRef idx="2">
-            <a:schemeClr val="accent6"/>
-          </a:fillRef>
-          <a:effectRef idx="1">
-            <a:schemeClr val="accent6"/>
-          </a:effectRef>
-          <a:fontRef idx="minor">
-            <a:schemeClr val="dk1"/>
-          </a:fontRef>
-        </p:style>
-        <p:txBody>
-          <a:bodyPr rtlCol="0" anchor="ctr"/>
-          <a:lstStyle/>
-          <a:p>
-            <a:pPr algn="ctr"/>
-            <a:r>
-              <a:rPr lang="en-IN" sz="1600" b="1" dirty="0"/>
-              <a:t>Estrogen</a:t>
-            </a:r>
-          </a:p>
-        </p:txBody>
-      </p:sp>
-      <p:sp>
-        <p:nvSpPr>
-          <p:cNvPr id="4" name="Oval 3">
-            <a:extLst>
-              <a:ext uri="{FF2B5EF4-FFF2-40B4-BE49-F238E27FC236}">
-                <a16:creationId xmlns:a16="http://schemas.microsoft.com/office/drawing/2014/main" id="{A12CFA86-1A4B-C503-7D57-BF1FCC730F46}"/>
-              </a:ext>
-            </a:extLst>
-          </p:cNvPr>
-          <p:cNvSpPr/>
-          <p:nvPr/>
-        </p:nvSpPr>
-        <p:spPr>
-          <a:xfrm>
-            <a:off x="4250823" y="4172128"/>
-            <a:ext cx="1366944" cy="471940"/>
-          </a:xfrm>
-          <a:prstGeom prst="ellipse">
-            <a:avLst/>
-          </a:prstGeom>
-          <a:solidFill>
-            <a:srgbClr val="006666"/>
-          </a:solidFill>
-        </p:spPr>
-        <p:style>
-          <a:lnRef idx="1">
-            <a:schemeClr val="accent6"/>
-          </a:lnRef>
-          <a:fillRef idx="2">
-            <a:schemeClr val="accent6"/>
-          </a:fillRef>
-          <a:effectRef idx="1">
-            <a:schemeClr val="accent6"/>
-          </a:effectRef>
-          <a:fontRef idx="minor">
-            <a:schemeClr val="dk1"/>
-          </a:fontRef>
-        </p:style>
-        <p:txBody>
-          <a:bodyPr rtlCol="0" anchor="ctr"/>
-          <a:lstStyle/>
-          <a:p>
-            <a:pPr algn="ctr"/>
-            <a:r>
-              <a:rPr lang="en-IN" b="1" dirty="0"/>
-              <a:t>AKT</a:t>
-            </a:r>
-          </a:p>
-        </p:txBody>
-      </p:sp>
-      <p:sp>
-        <p:nvSpPr>
-          <p:cNvPr id="6" name="Rectangle: Rounded Corners 5">
-            <a:extLst>
-              <a:ext uri="{FF2B5EF4-FFF2-40B4-BE49-F238E27FC236}">
-                <a16:creationId xmlns:a16="http://schemas.microsoft.com/office/drawing/2014/main" id="{0E02A85E-28D7-7AD9-14A5-69873AA7F353}"/>
-              </a:ext>
-            </a:extLst>
-          </p:cNvPr>
-          <p:cNvSpPr/>
-          <p:nvPr/>
-        </p:nvSpPr>
-        <p:spPr>
-          <a:xfrm>
-            <a:off x="3847386" y="5836351"/>
-            <a:ext cx="2470484" cy="399766"/>
+            <a:off x="1604209" y="770021"/>
+            <a:ext cx="1411705" cy="689811"/>
           </a:xfrm>
           <a:prstGeom prst="roundRect">
             <a:avLst/>
           </a:prstGeom>
           <a:solidFill>
-            <a:srgbClr val="660033"/>
+            <a:srgbClr val="F315C3"/>
           </a:solidFill>
         </p:spPr>
         <p:style>
@@ -4623,18 +3417,22 @@
           <a:p>
             <a:pPr algn="ctr"/>
             <a:r>
-              <a:rPr lang="en-IN" dirty="0"/>
-              <a:t>Cell Proliferation</a:t>
-            </a:r>
-          </a:p>
-        </p:txBody>
-      </p:sp>
-      <p:sp>
-        <p:nvSpPr>
-          <p:cNvPr id="7" name="Oval 6">
-            <a:extLst>
-              <a:ext uri="{FF2B5EF4-FFF2-40B4-BE49-F238E27FC236}">
-                <a16:creationId xmlns:a16="http://schemas.microsoft.com/office/drawing/2014/main" id="{1910DDA8-AD09-8351-0920-4F38900726A7}"/>
+              <a:rPr lang="en-IN" b="1" dirty="0">
+                <a:solidFill>
+                  <a:schemeClr val="tx1"/>
+                </a:solidFill>
+              </a:rPr>
+              <a:t>APC</a:t>
+            </a:r>
+          </a:p>
+        </p:txBody>
+      </p:sp>
+      <p:sp>
+        <p:nvSpPr>
+          <p:cNvPr id="3" name="Rectangle: Rounded Corners 2">
+            <a:extLst>
+              <a:ext uri="{FF2B5EF4-FFF2-40B4-BE49-F238E27FC236}">
+                <a16:creationId xmlns:a16="http://schemas.microsoft.com/office/drawing/2014/main" id="{9A6A3649-F3A7-1197-D5CD-42B774DE3D12}"/>
               </a:ext>
             </a:extLst>
           </p:cNvPr>
@@ -4643,74 +3441,281 @@
         </p:nvSpPr>
         <p:spPr>
           <a:xfrm>
-            <a:off x="4497329" y="60236"/>
-            <a:ext cx="992348" cy="332503"/>
+            <a:off x="4066674" y="770021"/>
+            <a:ext cx="1411705" cy="689811"/>
+          </a:xfrm>
+          <a:prstGeom prst="roundRect">
+            <a:avLst/>
+          </a:prstGeom>
+          <a:solidFill>
+            <a:schemeClr val="accent1">
+              <a:lumMod val="60000"/>
+              <a:lumOff val="40000"/>
+            </a:schemeClr>
+          </a:solidFill>
+        </p:spPr>
+        <p:style>
+          <a:lnRef idx="2">
+            <a:schemeClr val="accent1">
+              <a:shade val="15000"/>
+            </a:schemeClr>
+          </a:lnRef>
+          <a:fillRef idx="1">
+            <a:schemeClr val="accent1"/>
+          </a:fillRef>
+          <a:effectRef idx="0">
+            <a:schemeClr val="accent1"/>
+          </a:effectRef>
+          <a:fontRef idx="minor">
+            <a:schemeClr val="lt1"/>
+          </a:fontRef>
+        </p:style>
+        <p:txBody>
+          <a:bodyPr rtlCol="0" anchor="ctr"/>
+          <a:lstStyle/>
+          <a:p>
+            <a:pPr algn="ctr"/>
+            <a:r>
+              <a:rPr lang="en-IN" b="1" dirty="0">
+                <a:solidFill>
+                  <a:schemeClr val="tx1"/>
+                </a:solidFill>
+              </a:rPr>
+              <a:t>GSK3</a:t>
+            </a:r>
+            <a:r>
+              <a:rPr lang="el-GR" b="1" dirty="0">
+                <a:solidFill>
+                  <a:schemeClr val="tx1"/>
+                </a:solidFill>
+              </a:rPr>
+              <a:t>β</a:t>
+            </a:r>
+            <a:endParaRPr lang="en-IN" b="1" dirty="0">
+              <a:solidFill>
+                <a:schemeClr val="tx1"/>
+              </a:solidFill>
+            </a:endParaRPr>
+          </a:p>
+        </p:txBody>
+      </p:sp>
+      <p:sp>
+        <p:nvSpPr>
+          <p:cNvPr id="4" name="Rectangle: Rounded Corners 3">
+            <a:extLst>
+              <a:ext uri="{FF2B5EF4-FFF2-40B4-BE49-F238E27FC236}">
+                <a16:creationId xmlns:a16="http://schemas.microsoft.com/office/drawing/2014/main" id="{4DE84620-6361-9153-CD7A-1C5CC26AEFB8}"/>
+              </a:ext>
+            </a:extLst>
+          </p:cNvPr>
+          <p:cNvSpPr/>
+          <p:nvPr/>
+        </p:nvSpPr>
+        <p:spPr>
+          <a:xfrm>
+            <a:off x="2855495" y="1722520"/>
+            <a:ext cx="1411705" cy="689811"/>
+          </a:xfrm>
+          <a:prstGeom prst="roundRect">
+            <a:avLst/>
+          </a:prstGeom>
+          <a:solidFill>
+            <a:schemeClr val="accent1">
+              <a:lumMod val="60000"/>
+              <a:lumOff val="40000"/>
+            </a:schemeClr>
+          </a:solidFill>
+        </p:spPr>
+        <p:style>
+          <a:lnRef idx="2">
+            <a:schemeClr val="accent1">
+              <a:shade val="15000"/>
+            </a:schemeClr>
+          </a:lnRef>
+          <a:fillRef idx="1">
+            <a:schemeClr val="accent1"/>
+          </a:fillRef>
+          <a:effectRef idx="0">
+            <a:schemeClr val="accent1"/>
+          </a:effectRef>
+          <a:fontRef idx="minor">
+            <a:schemeClr val="lt1"/>
+          </a:fontRef>
+        </p:style>
+        <p:txBody>
+          <a:bodyPr rtlCol="0" anchor="ctr"/>
+          <a:lstStyle/>
+          <a:p>
+            <a:pPr algn="ctr"/>
+            <a:r>
+              <a:rPr lang="en-IN" b="1" dirty="0">
+                <a:solidFill>
+                  <a:schemeClr val="tx1"/>
+                </a:solidFill>
+              </a:rPr>
+              <a:t>Axin</a:t>
+            </a:r>
+          </a:p>
+        </p:txBody>
+      </p:sp>
+      <p:sp>
+        <p:nvSpPr>
+          <p:cNvPr id="5" name="Rectangle: Rounded Corners 4">
+            <a:extLst>
+              <a:ext uri="{FF2B5EF4-FFF2-40B4-BE49-F238E27FC236}">
+                <a16:creationId xmlns:a16="http://schemas.microsoft.com/office/drawing/2014/main" id="{B0FF9ADF-D05C-9272-A8E2-2D4072B423F9}"/>
+              </a:ext>
+            </a:extLst>
+          </p:cNvPr>
+          <p:cNvSpPr/>
+          <p:nvPr/>
+        </p:nvSpPr>
+        <p:spPr>
+          <a:xfrm>
+            <a:off x="2855495" y="2727156"/>
+            <a:ext cx="1411705" cy="689811"/>
+          </a:xfrm>
+          <a:prstGeom prst="roundRect">
+            <a:avLst/>
+          </a:prstGeom>
+          <a:solidFill>
+            <a:schemeClr val="accent1">
+              <a:lumMod val="60000"/>
+              <a:lumOff val="40000"/>
+            </a:schemeClr>
+          </a:solidFill>
+        </p:spPr>
+        <p:style>
+          <a:lnRef idx="2">
+            <a:schemeClr val="accent1">
+              <a:shade val="15000"/>
+            </a:schemeClr>
+          </a:lnRef>
+          <a:fillRef idx="1">
+            <a:schemeClr val="accent1"/>
+          </a:fillRef>
+          <a:effectRef idx="0">
+            <a:schemeClr val="accent1"/>
+          </a:effectRef>
+          <a:fontRef idx="minor">
+            <a:schemeClr val="lt1"/>
+          </a:fontRef>
+        </p:style>
+        <p:txBody>
+          <a:bodyPr rtlCol="0" anchor="ctr"/>
+          <a:lstStyle/>
+          <a:p>
+            <a:pPr algn="ctr"/>
+            <a:r>
+              <a:rPr lang="en-IN" b="1" dirty="0">
+                <a:solidFill>
+                  <a:schemeClr val="tx1"/>
+                </a:solidFill>
+              </a:rPr>
+              <a:t>mTOR</a:t>
+            </a:r>
+          </a:p>
+        </p:txBody>
+      </p:sp>
+      <p:sp>
+        <p:nvSpPr>
+          <p:cNvPr id="6" name="Rectangle: Rounded Corners 5">
+            <a:extLst>
+              <a:ext uri="{FF2B5EF4-FFF2-40B4-BE49-F238E27FC236}">
+                <a16:creationId xmlns:a16="http://schemas.microsoft.com/office/drawing/2014/main" id="{B7517815-C3DF-A77E-D5C9-0B8A4C08B9E8}"/>
+              </a:ext>
+            </a:extLst>
+          </p:cNvPr>
+          <p:cNvSpPr/>
+          <p:nvPr/>
+        </p:nvSpPr>
+        <p:spPr>
+          <a:xfrm>
+            <a:off x="336884" y="3224464"/>
+            <a:ext cx="2261937" cy="1026694"/>
+          </a:xfrm>
+          <a:prstGeom prst="roundRect">
+            <a:avLst/>
+          </a:prstGeom>
+          <a:solidFill>
+            <a:srgbClr val="F315C3"/>
+          </a:solidFill>
+          <a:ln>
+            <a:solidFill>
+              <a:schemeClr val="tx1"/>
+            </a:solidFill>
+          </a:ln>
+        </p:spPr>
+        <p:style>
+          <a:lnRef idx="2">
+            <a:schemeClr val="accent1">
+              <a:shade val="15000"/>
+            </a:schemeClr>
+          </a:lnRef>
+          <a:fillRef idx="1">
+            <a:schemeClr val="accent1"/>
+          </a:fillRef>
+          <a:effectRef idx="0">
+            <a:schemeClr val="accent1"/>
+          </a:effectRef>
+          <a:fontRef idx="minor">
+            <a:schemeClr val="lt1"/>
+          </a:fontRef>
+        </p:style>
+        <p:txBody>
+          <a:bodyPr rtlCol="0" anchor="ctr"/>
+          <a:lstStyle/>
+          <a:p>
+            <a:pPr algn="ctr"/>
+            <a:r>
+              <a:rPr lang="en-IN" b="1" dirty="0">
+                <a:solidFill>
+                  <a:schemeClr val="tx1"/>
+                </a:solidFill>
+              </a:rPr>
+              <a:t>Survival Proliferation</a:t>
+            </a:r>
+          </a:p>
+        </p:txBody>
+      </p:sp>
+      <p:sp>
+        <p:nvSpPr>
+          <p:cNvPr id="7" name="Oval 6">
+            <a:extLst>
+              <a:ext uri="{FF2B5EF4-FFF2-40B4-BE49-F238E27FC236}">
+                <a16:creationId xmlns:a16="http://schemas.microsoft.com/office/drawing/2014/main" id="{34314C26-57B8-64F5-B71F-2ED578698FB8}"/>
+              </a:ext>
+            </a:extLst>
+          </p:cNvPr>
+          <p:cNvSpPr/>
+          <p:nvPr/>
+        </p:nvSpPr>
+        <p:spPr>
+          <a:xfrm>
+            <a:off x="4772526" y="2582776"/>
+            <a:ext cx="2021305" cy="834191"/>
           </a:xfrm>
           <a:prstGeom prst="ellipse">
             <a:avLst/>
           </a:prstGeom>
           <a:solidFill>
-            <a:srgbClr val="6988BB"/>
+            <a:schemeClr val="accent1">
+              <a:lumMod val="60000"/>
+              <a:lumOff val="40000"/>
+            </a:schemeClr>
           </a:solidFill>
         </p:spPr>
         <p:style>
-          <a:lnRef idx="1">
-            <a:schemeClr val="accent6"/>
-          </a:lnRef>
-          <a:fillRef idx="2">
-            <a:schemeClr val="accent6"/>
-          </a:fillRef>
-          <a:effectRef idx="1">
-            <a:schemeClr val="accent6"/>
-          </a:effectRef>
-          <a:fontRef idx="minor">
-            <a:schemeClr val="dk1"/>
-          </a:fontRef>
-        </p:style>
-        <p:txBody>
-          <a:bodyPr rtlCol="0" anchor="ctr"/>
-          <a:lstStyle/>
-          <a:p>
-            <a:pPr algn="ctr"/>
-            <a:r>
-              <a:rPr lang="en-IN" b="1" dirty="0"/>
-              <a:t>ER</a:t>
-            </a:r>
-          </a:p>
-        </p:txBody>
-      </p:sp>
-      <p:sp>
-        <p:nvSpPr>
-          <p:cNvPr id="8" name="Arrow: Down 7">
-            <a:extLst>
-              <a:ext uri="{FF2B5EF4-FFF2-40B4-BE49-F238E27FC236}">
-                <a16:creationId xmlns:a16="http://schemas.microsoft.com/office/drawing/2014/main" id="{0DEC9C4B-68E6-7651-6D95-4D4E1E46CC45}"/>
-              </a:ext>
-            </a:extLst>
-          </p:cNvPr>
-          <p:cNvSpPr/>
-          <p:nvPr/>
-        </p:nvSpPr>
-        <p:spPr>
-          <a:xfrm>
-            <a:off x="4855390" y="409635"/>
-            <a:ext cx="266979" cy="581911"/>
-          </a:xfrm>
-          <a:prstGeom prst="downArrow">
-            <a:avLst/>
-          </a:prstGeom>
-        </p:spPr>
-        <p:style>
           <a:lnRef idx="2">
-            <a:schemeClr val="accent2">
+            <a:schemeClr val="accent1">
               <a:shade val="15000"/>
             </a:schemeClr>
           </a:lnRef>
           <a:fillRef idx="1">
-            <a:schemeClr val="accent2"/>
+            <a:schemeClr val="accent1"/>
           </a:fillRef>
           <a:effectRef idx="0">
-            <a:schemeClr val="accent2"/>
+            <a:schemeClr val="accent1"/>
           </a:effectRef>
           <a:fontRef idx="minor">
             <a:schemeClr val="lt1"/>
@@ -4721,16 +3726,23 @@
           <a:lstStyle/>
           <a:p>
             <a:pPr algn="ctr"/>
-            <a:endParaRPr lang="en-IN"/>
-          </a:p>
-        </p:txBody>
-      </p:sp>
-      <p:sp>
-        <p:nvSpPr>
-          <p:cNvPr id="21" name="Arrow: Down 20">
-            <a:extLst>
-              <a:ext uri="{FF2B5EF4-FFF2-40B4-BE49-F238E27FC236}">
-                <a16:creationId xmlns:a16="http://schemas.microsoft.com/office/drawing/2014/main" id="{91F4F1A5-F0E2-FEA0-A737-111215DD32AA}"/>
+            <a:r>
+              <a:rPr lang="en-IN" b="1" dirty="0">
+                <a:solidFill>
+                  <a:schemeClr val="tx1"/>
+                </a:solidFill>
+              </a:rPr>
+              <a:t>Nucleus</a:t>
+            </a:r>
+          </a:p>
+        </p:txBody>
+      </p:sp>
+      <p:sp>
+        <p:nvSpPr>
+          <p:cNvPr id="8" name="Rectangle: Rounded Corners 7">
+            <a:extLst>
+              <a:ext uri="{FF2B5EF4-FFF2-40B4-BE49-F238E27FC236}">
+                <a16:creationId xmlns:a16="http://schemas.microsoft.com/office/drawing/2014/main" id="{5EDED283-CD13-7DB1-807C-90804C1A9CFC}"/>
               </a:ext>
             </a:extLst>
           </p:cNvPr>
@@ -4739,24 +3751,30 @@
         </p:nvSpPr>
         <p:spPr>
           <a:xfrm>
-            <a:off x="4839849" y="1409659"/>
-            <a:ext cx="270239" cy="398735"/>
+            <a:off x="4772525" y="3737811"/>
+            <a:ext cx="2414337" cy="673769"/>
           </a:xfrm>
-          <a:prstGeom prst="downArrow">
+          <a:prstGeom prst="roundRect">
             <a:avLst/>
           </a:prstGeom>
+          <a:solidFill>
+            <a:schemeClr val="accent1">
+              <a:lumMod val="60000"/>
+              <a:lumOff val="40000"/>
+            </a:schemeClr>
+          </a:solidFill>
         </p:spPr>
         <p:style>
           <a:lnRef idx="2">
-            <a:schemeClr val="accent2">
+            <a:schemeClr val="accent1">
               <a:shade val="15000"/>
             </a:schemeClr>
           </a:lnRef>
           <a:fillRef idx="1">
-            <a:schemeClr val="accent2"/>
+            <a:schemeClr val="accent1"/>
           </a:fillRef>
           <a:effectRef idx="0">
-            <a:schemeClr val="accent2"/>
+            <a:schemeClr val="accent1"/>
           </a:effectRef>
           <a:fontRef idx="minor">
             <a:schemeClr val="lt1"/>
@@ -4767,16 +3785,23 @@
           <a:lstStyle/>
           <a:p>
             <a:pPr algn="ctr"/>
-            <a:endParaRPr lang="en-IN"/>
-          </a:p>
-        </p:txBody>
-      </p:sp>
-      <p:sp>
-        <p:nvSpPr>
-          <p:cNvPr id="22" name="Arrow: Down 21">
-            <a:extLst>
-              <a:ext uri="{FF2B5EF4-FFF2-40B4-BE49-F238E27FC236}">
-                <a16:creationId xmlns:a16="http://schemas.microsoft.com/office/drawing/2014/main" id="{3DA9AFBA-36BA-E912-669A-5CD2399CA116}"/>
+            <a:r>
+              <a:rPr lang="en-IN" b="1" dirty="0">
+                <a:solidFill>
+                  <a:schemeClr val="tx1"/>
+                </a:solidFill>
+              </a:rPr>
+              <a:t>Transformation</a:t>
+            </a:r>
+          </a:p>
+        </p:txBody>
+      </p:sp>
+      <p:sp>
+        <p:nvSpPr>
+          <p:cNvPr id="9" name="Rectangle: Rounded Corners 8">
+            <a:extLst>
+              <a:ext uri="{FF2B5EF4-FFF2-40B4-BE49-F238E27FC236}">
+                <a16:creationId xmlns:a16="http://schemas.microsoft.com/office/drawing/2014/main" id="{2DC5E3FB-D1BD-03DE-250B-B4B313649B33}"/>
               </a:ext>
             </a:extLst>
           </p:cNvPr>
@@ -4785,24 +3810,30 @@
         </p:nvSpPr>
         <p:spPr>
           <a:xfrm>
-            <a:off x="4847414" y="2218929"/>
-            <a:ext cx="269998" cy="371026"/>
+            <a:off x="7555831" y="483269"/>
+            <a:ext cx="1941095" cy="689811"/>
           </a:xfrm>
-          <a:prstGeom prst="downArrow">
+          <a:prstGeom prst="roundRect">
             <a:avLst/>
           </a:prstGeom>
+          <a:solidFill>
+            <a:schemeClr val="accent4">
+              <a:lumMod val="40000"/>
+              <a:lumOff val="60000"/>
+            </a:schemeClr>
+          </a:solidFill>
         </p:spPr>
         <p:style>
           <a:lnRef idx="2">
-            <a:schemeClr val="accent2">
+            <a:schemeClr val="accent1">
               <a:shade val="15000"/>
             </a:schemeClr>
           </a:lnRef>
           <a:fillRef idx="1">
-            <a:schemeClr val="accent2"/>
+            <a:schemeClr val="accent1"/>
           </a:fillRef>
           <a:effectRef idx="0">
-            <a:schemeClr val="accent2"/>
+            <a:schemeClr val="accent1"/>
           </a:effectRef>
           <a:fontRef idx="minor">
             <a:schemeClr val="lt1"/>
@@ -4813,16 +3844,23 @@
           <a:lstStyle/>
           <a:p>
             <a:pPr algn="ctr"/>
-            <a:endParaRPr lang="en-IN"/>
-          </a:p>
-        </p:txBody>
-      </p:sp>
-      <p:sp>
-        <p:nvSpPr>
-          <p:cNvPr id="23" name="Arrow: Down 22">
-            <a:extLst>
-              <a:ext uri="{FF2B5EF4-FFF2-40B4-BE49-F238E27FC236}">
-                <a16:creationId xmlns:a16="http://schemas.microsoft.com/office/drawing/2014/main" id="{23B1335A-190F-C97B-2F75-26E4EC7575EA}"/>
+            <a:r>
+              <a:rPr lang="en-IN" b="1" dirty="0">
+                <a:solidFill>
+                  <a:schemeClr val="tx1"/>
+                </a:solidFill>
+              </a:rPr>
+              <a:t>EGFR/HER2</a:t>
+            </a:r>
+          </a:p>
+        </p:txBody>
+      </p:sp>
+      <p:sp>
+        <p:nvSpPr>
+          <p:cNvPr id="10" name="Rectangle: Rounded Corners 9">
+            <a:extLst>
+              <a:ext uri="{FF2B5EF4-FFF2-40B4-BE49-F238E27FC236}">
+                <a16:creationId xmlns:a16="http://schemas.microsoft.com/office/drawing/2014/main" id="{C8BF2CDB-7998-0F4F-FC06-EAFB2E015F42}"/>
               </a:ext>
             </a:extLst>
           </p:cNvPr>
@@ -4831,24 +3869,30 @@
         </p:nvSpPr>
         <p:spPr>
           <a:xfrm>
-            <a:off x="4812390" y="3002597"/>
-            <a:ext cx="270239" cy="398735"/>
+            <a:off x="10162673" y="430128"/>
+            <a:ext cx="1411705" cy="689811"/>
           </a:xfrm>
-          <a:prstGeom prst="downArrow">
+          <a:prstGeom prst="roundRect">
             <a:avLst/>
           </a:prstGeom>
+          <a:solidFill>
+            <a:schemeClr val="accent4">
+              <a:lumMod val="40000"/>
+              <a:lumOff val="60000"/>
+            </a:schemeClr>
+          </a:solidFill>
         </p:spPr>
         <p:style>
           <a:lnRef idx="2">
-            <a:schemeClr val="accent2">
+            <a:schemeClr val="accent1">
               <a:shade val="15000"/>
             </a:schemeClr>
           </a:lnRef>
           <a:fillRef idx="1">
-            <a:schemeClr val="accent2"/>
+            <a:schemeClr val="accent1"/>
           </a:fillRef>
           <a:effectRef idx="0">
-            <a:schemeClr val="accent2"/>
+            <a:schemeClr val="accent1"/>
           </a:effectRef>
           <a:fontRef idx="minor">
             <a:schemeClr val="lt1"/>
@@ -4859,16 +3903,23 @@
           <a:lstStyle/>
           <a:p>
             <a:pPr algn="ctr"/>
-            <a:endParaRPr lang="en-IN"/>
-          </a:p>
-        </p:txBody>
-      </p:sp>
-      <p:sp>
-        <p:nvSpPr>
-          <p:cNvPr id="24" name="Arrow: Down 23">
-            <a:extLst>
-              <a:ext uri="{FF2B5EF4-FFF2-40B4-BE49-F238E27FC236}">
-                <a16:creationId xmlns:a16="http://schemas.microsoft.com/office/drawing/2014/main" id="{A944E6F5-1C71-BA71-ED6D-B2D70EE6BF35}"/>
+            <a:r>
+              <a:rPr lang="en-IN" b="1" dirty="0">
+                <a:solidFill>
+                  <a:schemeClr val="tx1"/>
+                </a:solidFill>
+              </a:rPr>
+              <a:t>KRAS</a:t>
+            </a:r>
+          </a:p>
+        </p:txBody>
+      </p:sp>
+      <p:sp>
+        <p:nvSpPr>
+          <p:cNvPr id="11" name="Rectangle: Rounded Corners 10">
+            <a:extLst>
+              <a:ext uri="{FF2B5EF4-FFF2-40B4-BE49-F238E27FC236}">
+                <a16:creationId xmlns:a16="http://schemas.microsoft.com/office/drawing/2014/main" id="{1DB2EC3F-A8C3-C43D-7323-D899AA35633E}"/>
               </a:ext>
             </a:extLst>
           </p:cNvPr>
@@ -4877,24 +3928,30 @@
         </p:nvSpPr>
         <p:spPr>
           <a:xfrm>
-            <a:off x="4812389" y="3801469"/>
-            <a:ext cx="270239" cy="398735"/>
+            <a:off x="9176086" y="1371600"/>
+            <a:ext cx="1411705" cy="689811"/>
           </a:xfrm>
-          <a:prstGeom prst="downArrow">
+          <a:prstGeom prst="roundRect">
             <a:avLst/>
           </a:prstGeom>
+          <a:solidFill>
+            <a:schemeClr val="accent4">
+              <a:lumMod val="40000"/>
+              <a:lumOff val="60000"/>
+            </a:schemeClr>
+          </a:solidFill>
         </p:spPr>
         <p:style>
           <a:lnRef idx="2">
-            <a:schemeClr val="accent2">
+            <a:schemeClr val="accent1">
               <a:shade val="15000"/>
             </a:schemeClr>
           </a:lnRef>
           <a:fillRef idx="1">
-            <a:schemeClr val="accent2"/>
+            <a:schemeClr val="accent1"/>
           </a:fillRef>
           <a:effectRef idx="0">
-            <a:schemeClr val="accent2"/>
+            <a:schemeClr val="accent1"/>
           </a:effectRef>
           <a:fontRef idx="minor">
             <a:schemeClr val="lt1"/>
@@ -4905,16 +3962,23 @@
           <a:lstStyle/>
           <a:p>
             <a:pPr algn="ctr"/>
-            <a:endParaRPr lang="en-IN"/>
-          </a:p>
-        </p:txBody>
-      </p:sp>
-      <p:sp>
-        <p:nvSpPr>
-          <p:cNvPr id="25" name="Arrow: Down 24">
-            <a:extLst>
-              <a:ext uri="{FF2B5EF4-FFF2-40B4-BE49-F238E27FC236}">
-                <a16:creationId xmlns:a16="http://schemas.microsoft.com/office/drawing/2014/main" id="{C78A88FE-FE7E-51EC-B5E7-F1D1EF1B3F98}"/>
+            <a:r>
+              <a:rPr lang="en-IN" b="1" dirty="0">
+                <a:solidFill>
+                  <a:schemeClr val="tx1"/>
+                </a:solidFill>
+              </a:rPr>
+              <a:t>RAF</a:t>
+            </a:r>
+          </a:p>
+        </p:txBody>
+      </p:sp>
+      <p:sp>
+        <p:nvSpPr>
+          <p:cNvPr id="12" name="Rectangle: Rounded Corners 11">
+            <a:extLst>
+              <a:ext uri="{FF2B5EF4-FFF2-40B4-BE49-F238E27FC236}">
+                <a16:creationId xmlns:a16="http://schemas.microsoft.com/office/drawing/2014/main" id="{9D854C1D-A282-CBE8-8CBB-B18011815B02}"/>
               </a:ext>
             </a:extLst>
           </p:cNvPr>
@@ -4923,24 +3987,30 @@
         </p:nvSpPr>
         <p:spPr>
           <a:xfrm>
-            <a:off x="4858486" y="4654617"/>
-            <a:ext cx="228113" cy="363953"/>
+            <a:off x="9176085" y="2307051"/>
+            <a:ext cx="1411705" cy="689811"/>
           </a:xfrm>
-          <a:prstGeom prst="downArrow">
+          <a:prstGeom prst="roundRect">
             <a:avLst/>
           </a:prstGeom>
+          <a:solidFill>
+            <a:schemeClr val="accent4">
+              <a:lumMod val="40000"/>
+              <a:lumOff val="60000"/>
+            </a:schemeClr>
+          </a:solidFill>
         </p:spPr>
         <p:style>
           <a:lnRef idx="2">
-            <a:schemeClr val="accent2">
+            <a:schemeClr val="accent1">
               <a:shade val="15000"/>
             </a:schemeClr>
           </a:lnRef>
           <a:fillRef idx="1">
-            <a:schemeClr val="accent2"/>
+            <a:schemeClr val="accent1"/>
           </a:fillRef>
           <a:effectRef idx="0">
-            <a:schemeClr val="accent2"/>
+            <a:schemeClr val="accent1"/>
           </a:effectRef>
           <a:fontRef idx="minor">
             <a:schemeClr val="lt1"/>
@@ -4951,29 +4021,720 @@
           <a:lstStyle/>
           <a:p>
             <a:pPr algn="ctr"/>
+            <a:r>
+              <a:rPr lang="en-IN" b="1" dirty="0">
+                <a:solidFill>
+                  <a:schemeClr val="tx1"/>
+                </a:solidFill>
+              </a:rPr>
+              <a:t>MEK</a:t>
+            </a:r>
+          </a:p>
+        </p:txBody>
+      </p:sp>
+      <p:sp>
+        <p:nvSpPr>
+          <p:cNvPr id="13" name="Rectangle: Rounded Corners 12">
+            <a:extLst>
+              <a:ext uri="{FF2B5EF4-FFF2-40B4-BE49-F238E27FC236}">
+                <a16:creationId xmlns:a16="http://schemas.microsoft.com/office/drawing/2014/main" id="{41A58133-8505-8D3C-5AAF-C107E5B0B973}"/>
+              </a:ext>
+            </a:extLst>
+          </p:cNvPr>
+          <p:cNvSpPr/>
+          <p:nvPr/>
+        </p:nvSpPr>
+        <p:spPr>
+          <a:xfrm>
+            <a:off x="8566485" y="3253533"/>
+            <a:ext cx="2743196" cy="689811"/>
+          </a:xfrm>
+          <a:prstGeom prst="roundRect">
+            <a:avLst/>
+          </a:prstGeom>
+          <a:solidFill>
+            <a:schemeClr val="accent4">
+              <a:lumMod val="40000"/>
+              <a:lumOff val="60000"/>
+            </a:schemeClr>
+          </a:solidFill>
+        </p:spPr>
+        <p:style>
+          <a:lnRef idx="2">
+            <a:schemeClr val="accent1">
+              <a:shade val="15000"/>
+            </a:schemeClr>
+          </a:lnRef>
+          <a:fillRef idx="1">
+            <a:schemeClr val="accent1"/>
+          </a:fillRef>
+          <a:effectRef idx="0">
+            <a:schemeClr val="accent1"/>
+          </a:effectRef>
+          <a:fontRef idx="minor">
+            <a:schemeClr val="lt1"/>
+          </a:fontRef>
+        </p:style>
+        <p:txBody>
+          <a:bodyPr rtlCol="0" anchor="ctr"/>
+          <a:lstStyle/>
+          <a:p>
+            <a:pPr algn="ctr"/>
+            <a:r>
+              <a:rPr lang="en-IN" b="1" dirty="0">
+                <a:solidFill>
+                  <a:schemeClr val="tx1"/>
+                </a:solidFill>
+              </a:rPr>
+              <a:t>Cell Cycle, Metastasis</a:t>
+            </a:r>
+          </a:p>
+        </p:txBody>
+      </p:sp>
+      <p:sp>
+        <p:nvSpPr>
+          <p:cNvPr id="14" name="Rectangle: Rounded Corners 13">
+            <a:extLst>
+              <a:ext uri="{FF2B5EF4-FFF2-40B4-BE49-F238E27FC236}">
+                <a16:creationId xmlns:a16="http://schemas.microsoft.com/office/drawing/2014/main" id="{5CDFA3F9-4F1A-20BC-FCC2-29C42C93B7C0}"/>
+              </a:ext>
+            </a:extLst>
+          </p:cNvPr>
+          <p:cNvSpPr/>
+          <p:nvPr/>
+        </p:nvSpPr>
+        <p:spPr>
+          <a:xfrm>
+            <a:off x="2310061" y="4948989"/>
+            <a:ext cx="1187117" cy="890337"/>
+          </a:xfrm>
+          <a:prstGeom prst="roundRect">
+            <a:avLst/>
+          </a:prstGeom>
+          <a:solidFill>
+            <a:srgbClr val="B751A1"/>
+          </a:solidFill>
+          <a:ln>
+            <a:solidFill>
+              <a:schemeClr val="tx1"/>
+            </a:solidFill>
+          </a:ln>
+        </p:spPr>
+        <p:style>
+          <a:lnRef idx="2">
+            <a:schemeClr val="accent1">
+              <a:shade val="15000"/>
+            </a:schemeClr>
+          </a:lnRef>
+          <a:fillRef idx="1">
+            <a:schemeClr val="accent1"/>
+          </a:fillRef>
+          <a:effectRef idx="0">
+            <a:schemeClr val="accent1"/>
+          </a:effectRef>
+          <a:fontRef idx="minor">
+            <a:schemeClr val="lt1"/>
+          </a:fontRef>
+        </p:style>
+        <p:txBody>
+          <a:bodyPr rtlCol="0" anchor="ctr"/>
+          <a:lstStyle/>
+          <a:p>
+            <a:pPr algn="ctr"/>
+            <a:r>
+              <a:rPr lang="en-IN" b="1" dirty="0">
+                <a:solidFill>
+                  <a:schemeClr val="tx1"/>
+                </a:solidFill>
+              </a:rPr>
+              <a:t>NICD</a:t>
+            </a:r>
+          </a:p>
+        </p:txBody>
+      </p:sp>
+      <p:sp>
+        <p:nvSpPr>
+          <p:cNvPr id="15" name="Rectangle: Rounded Corners 14">
+            <a:extLst>
+              <a:ext uri="{FF2B5EF4-FFF2-40B4-BE49-F238E27FC236}">
+                <a16:creationId xmlns:a16="http://schemas.microsoft.com/office/drawing/2014/main" id="{FFFA94D5-5620-E3FA-3431-1B9AE4731EEB}"/>
+              </a:ext>
+            </a:extLst>
+          </p:cNvPr>
+          <p:cNvSpPr/>
+          <p:nvPr/>
+        </p:nvSpPr>
+        <p:spPr>
+          <a:xfrm>
+            <a:off x="1700462" y="6087979"/>
+            <a:ext cx="2414337" cy="673769"/>
+          </a:xfrm>
+          <a:prstGeom prst="roundRect">
+            <a:avLst/>
+          </a:prstGeom>
+          <a:solidFill>
+            <a:srgbClr val="B751A1"/>
+          </a:solidFill>
+          <a:ln>
+            <a:solidFill>
+              <a:schemeClr val="tx1"/>
+            </a:solidFill>
+          </a:ln>
+        </p:spPr>
+        <p:style>
+          <a:lnRef idx="2">
+            <a:schemeClr val="accent1">
+              <a:shade val="15000"/>
+            </a:schemeClr>
+          </a:lnRef>
+          <a:fillRef idx="1">
+            <a:schemeClr val="accent1"/>
+          </a:fillRef>
+          <a:effectRef idx="0">
+            <a:schemeClr val="accent1"/>
+          </a:effectRef>
+          <a:fontRef idx="minor">
+            <a:schemeClr val="lt1"/>
+          </a:fontRef>
+        </p:style>
+        <p:txBody>
+          <a:bodyPr rtlCol="0" anchor="ctr"/>
+          <a:lstStyle/>
+          <a:p>
+            <a:pPr algn="ctr"/>
+            <a:r>
+              <a:rPr lang="en-IN" b="1" dirty="0">
+                <a:solidFill>
+                  <a:schemeClr val="tx1"/>
+                </a:solidFill>
+              </a:rPr>
+              <a:t>Differentiation</a:t>
+            </a:r>
+          </a:p>
+        </p:txBody>
+      </p:sp>
+      <p:sp>
+        <p:nvSpPr>
+          <p:cNvPr id="16" name="Rectangle: Rounded Corners 15">
+            <a:extLst>
+              <a:ext uri="{FF2B5EF4-FFF2-40B4-BE49-F238E27FC236}">
+                <a16:creationId xmlns:a16="http://schemas.microsoft.com/office/drawing/2014/main" id="{308379B8-80A7-81AC-22C2-088EDDB8B7CC}"/>
+              </a:ext>
+            </a:extLst>
+          </p:cNvPr>
+          <p:cNvSpPr/>
+          <p:nvPr/>
+        </p:nvSpPr>
+        <p:spPr>
+          <a:xfrm>
+            <a:off x="5189619" y="5017167"/>
+            <a:ext cx="1187117" cy="673769"/>
+          </a:xfrm>
+          <a:prstGeom prst="roundRect">
+            <a:avLst/>
+          </a:prstGeom>
+          <a:solidFill>
+            <a:srgbClr val="B751A1"/>
+          </a:solidFill>
+        </p:spPr>
+        <p:style>
+          <a:lnRef idx="2">
+            <a:schemeClr val="accent1">
+              <a:shade val="15000"/>
+            </a:schemeClr>
+          </a:lnRef>
+          <a:fillRef idx="1">
+            <a:schemeClr val="accent1"/>
+          </a:fillRef>
+          <a:effectRef idx="0">
+            <a:schemeClr val="accent1"/>
+          </a:effectRef>
+          <a:fontRef idx="minor">
+            <a:schemeClr val="lt1"/>
+          </a:fontRef>
+        </p:style>
+        <p:txBody>
+          <a:bodyPr rtlCol="0" anchor="ctr"/>
+          <a:lstStyle/>
+          <a:p>
+            <a:pPr algn="ctr"/>
+            <a:r>
+              <a:rPr lang="en-IN" b="1" dirty="0">
+                <a:solidFill>
+                  <a:schemeClr val="tx1"/>
+                </a:solidFill>
+              </a:rPr>
+              <a:t>NICD</a:t>
+            </a:r>
+          </a:p>
+        </p:txBody>
+      </p:sp>
+      <p:sp>
+        <p:nvSpPr>
+          <p:cNvPr id="17" name="Rectangle: Rounded Corners 16">
+            <a:extLst>
+              <a:ext uri="{FF2B5EF4-FFF2-40B4-BE49-F238E27FC236}">
+                <a16:creationId xmlns:a16="http://schemas.microsoft.com/office/drawing/2014/main" id="{0440364B-BDA1-36DF-5D27-B99787517F18}"/>
+              </a:ext>
+            </a:extLst>
+          </p:cNvPr>
+          <p:cNvSpPr/>
+          <p:nvPr/>
+        </p:nvSpPr>
+        <p:spPr>
+          <a:xfrm>
+            <a:off x="4576008" y="6079957"/>
+            <a:ext cx="2414337" cy="673769"/>
+          </a:xfrm>
+          <a:prstGeom prst="roundRect">
+            <a:avLst/>
+          </a:prstGeom>
+          <a:solidFill>
+            <a:srgbClr val="B751A1"/>
+          </a:solidFill>
+        </p:spPr>
+        <p:style>
+          <a:lnRef idx="2">
+            <a:schemeClr val="accent1">
+              <a:shade val="15000"/>
+            </a:schemeClr>
+          </a:lnRef>
+          <a:fillRef idx="1">
+            <a:schemeClr val="accent1"/>
+          </a:fillRef>
+          <a:effectRef idx="0">
+            <a:schemeClr val="accent1"/>
+          </a:effectRef>
+          <a:fontRef idx="minor">
+            <a:schemeClr val="lt1"/>
+          </a:fontRef>
+        </p:style>
+        <p:txBody>
+          <a:bodyPr rtlCol="0" anchor="ctr"/>
+          <a:lstStyle/>
+          <a:p>
+            <a:pPr algn="ctr"/>
+            <a:r>
+              <a:rPr lang="en-IN" b="1" dirty="0">
+                <a:solidFill>
+                  <a:schemeClr val="tx1"/>
+                </a:solidFill>
+              </a:rPr>
+              <a:t>Differentiation</a:t>
+            </a:r>
+          </a:p>
+        </p:txBody>
+      </p:sp>
+      <p:sp>
+        <p:nvSpPr>
+          <p:cNvPr id="18" name="Rectangle: Rounded Corners 17">
+            <a:extLst>
+              <a:ext uri="{FF2B5EF4-FFF2-40B4-BE49-F238E27FC236}">
+                <a16:creationId xmlns:a16="http://schemas.microsoft.com/office/drawing/2014/main" id="{4B367A69-933B-A5A0-DE14-04836CE72F07}"/>
+              </a:ext>
+            </a:extLst>
+          </p:cNvPr>
+          <p:cNvSpPr/>
+          <p:nvPr/>
+        </p:nvSpPr>
+        <p:spPr>
+          <a:xfrm>
+            <a:off x="8225584" y="5149515"/>
+            <a:ext cx="1411705" cy="689811"/>
+          </a:xfrm>
+          <a:prstGeom prst="roundRect">
+            <a:avLst/>
+          </a:prstGeom>
+          <a:solidFill>
+            <a:schemeClr val="accent6">
+              <a:lumMod val="60000"/>
+              <a:lumOff val="40000"/>
+            </a:schemeClr>
+          </a:solidFill>
+        </p:spPr>
+        <p:style>
+          <a:lnRef idx="2">
+            <a:schemeClr val="accent1">
+              <a:shade val="15000"/>
+            </a:schemeClr>
+          </a:lnRef>
+          <a:fillRef idx="1">
+            <a:schemeClr val="accent1"/>
+          </a:fillRef>
+          <a:effectRef idx="0">
+            <a:schemeClr val="accent1"/>
+          </a:effectRef>
+          <a:fontRef idx="minor">
+            <a:schemeClr val="lt1"/>
+          </a:fontRef>
+        </p:style>
+        <p:txBody>
+          <a:bodyPr rtlCol="0" anchor="ctr"/>
+          <a:lstStyle/>
+          <a:p>
+            <a:pPr algn="ctr"/>
+            <a:r>
+              <a:rPr lang="en-IN" b="1" dirty="0">
+                <a:solidFill>
+                  <a:schemeClr val="tx1"/>
+                </a:solidFill>
+              </a:rPr>
+              <a:t>PI3K/AKT</a:t>
+            </a:r>
+          </a:p>
+        </p:txBody>
+      </p:sp>
+      <p:sp>
+        <p:nvSpPr>
+          <p:cNvPr id="19" name="Rectangle: Rounded Corners 18">
+            <a:extLst>
+              <a:ext uri="{FF2B5EF4-FFF2-40B4-BE49-F238E27FC236}">
+                <a16:creationId xmlns:a16="http://schemas.microsoft.com/office/drawing/2014/main" id="{777E7FC2-B87F-FE37-D7FE-577266AEC498}"/>
+              </a:ext>
+            </a:extLst>
+          </p:cNvPr>
+          <p:cNvSpPr/>
+          <p:nvPr/>
+        </p:nvSpPr>
+        <p:spPr>
+          <a:xfrm>
+            <a:off x="8225584" y="4292763"/>
+            <a:ext cx="1411705" cy="689811"/>
+          </a:xfrm>
+          <a:prstGeom prst="roundRect">
+            <a:avLst/>
+          </a:prstGeom>
+          <a:solidFill>
+            <a:schemeClr val="accent6">
+              <a:lumMod val="60000"/>
+              <a:lumOff val="40000"/>
+            </a:schemeClr>
+          </a:solidFill>
+        </p:spPr>
+        <p:style>
+          <a:lnRef idx="2">
+            <a:schemeClr val="accent1">
+              <a:shade val="15000"/>
+            </a:schemeClr>
+          </a:lnRef>
+          <a:fillRef idx="1">
+            <a:schemeClr val="accent1"/>
+          </a:fillRef>
+          <a:effectRef idx="0">
+            <a:schemeClr val="accent1"/>
+          </a:effectRef>
+          <a:fontRef idx="minor">
+            <a:schemeClr val="lt1"/>
+          </a:fontRef>
+        </p:style>
+        <p:txBody>
+          <a:bodyPr rtlCol="0" anchor="ctr"/>
+          <a:lstStyle/>
+          <a:p>
+            <a:pPr algn="ctr"/>
+            <a:r>
+              <a:rPr lang="en-IN" b="1" dirty="0">
+                <a:solidFill>
+                  <a:schemeClr val="tx1"/>
+                </a:solidFill>
+              </a:rPr>
+              <a:t>HPV E6</a:t>
+            </a:r>
+          </a:p>
+        </p:txBody>
+      </p:sp>
+      <p:sp>
+        <p:nvSpPr>
+          <p:cNvPr id="20" name="Oval 19">
+            <a:extLst>
+              <a:ext uri="{FF2B5EF4-FFF2-40B4-BE49-F238E27FC236}">
+                <a16:creationId xmlns:a16="http://schemas.microsoft.com/office/drawing/2014/main" id="{52D4C0DC-9C9F-5A6B-5E28-D3DD29184A9D}"/>
+              </a:ext>
+            </a:extLst>
+          </p:cNvPr>
+          <p:cNvSpPr/>
+          <p:nvPr/>
+        </p:nvSpPr>
+        <p:spPr>
+          <a:xfrm>
+            <a:off x="8225584" y="5957635"/>
+            <a:ext cx="1411705" cy="834191"/>
+          </a:xfrm>
+          <a:prstGeom prst="ellipse">
+            <a:avLst/>
+          </a:prstGeom>
+          <a:solidFill>
+            <a:schemeClr val="accent6">
+              <a:lumMod val="60000"/>
+              <a:lumOff val="40000"/>
+            </a:schemeClr>
+          </a:solidFill>
+        </p:spPr>
+        <p:style>
+          <a:lnRef idx="2">
+            <a:schemeClr val="accent1">
+              <a:shade val="15000"/>
+            </a:schemeClr>
+          </a:lnRef>
+          <a:fillRef idx="1">
+            <a:schemeClr val="accent1"/>
+          </a:fillRef>
+          <a:effectRef idx="0">
+            <a:schemeClr val="accent1"/>
+          </a:effectRef>
+          <a:fontRef idx="minor">
+            <a:schemeClr val="lt1"/>
+          </a:fontRef>
+        </p:style>
+        <p:txBody>
+          <a:bodyPr rtlCol="0" anchor="ctr"/>
+          <a:lstStyle/>
+          <a:p>
+            <a:pPr algn="ctr"/>
+            <a:r>
+              <a:rPr lang="en-IN" b="1" dirty="0">
+                <a:solidFill>
+                  <a:schemeClr val="tx1"/>
+                </a:solidFill>
+              </a:rPr>
+              <a:t>Bcl-2 Family</a:t>
+            </a:r>
+          </a:p>
+        </p:txBody>
+      </p:sp>
+      <p:sp>
+        <p:nvSpPr>
+          <p:cNvPr id="21" name="Oval 20">
+            <a:extLst>
+              <a:ext uri="{FF2B5EF4-FFF2-40B4-BE49-F238E27FC236}">
+                <a16:creationId xmlns:a16="http://schemas.microsoft.com/office/drawing/2014/main" id="{8D1D0A64-4CAE-5A1A-0D46-93FED05CDB91}"/>
+              </a:ext>
+            </a:extLst>
+          </p:cNvPr>
+          <p:cNvSpPr/>
+          <p:nvPr/>
+        </p:nvSpPr>
+        <p:spPr>
+          <a:xfrm>
+            <a:off x="10162673" y="5957634"/>
+            <a:ext cx="1740569" cy="834191"/>
+          </a:xfrm>
+          <a:prstGeom prst="ellipse">
+            <a:avLst/>
+          </a:prstGeom>
+          <a:solidFill>
+            <a:schemeClr val="accent6">
+              <a:lumMod val="60000"/>
+              <a:lumOff val="40000"/>
+            </a:schemeClr>
+          </a:solidFill>
+        </p:spPr>
+        <p:style>
+          <a:lnRef idx="2">
+            <a:schemeClr val="accent1">
+              <a:shade val="15000"/>
+            </a:schemeClr>
+          </a:lnRef>
+          <a:fillRef idx="1">
+            <a:schemeClr val="accent1"/>
+          </a:fillRef>
+          <a:effectRef idx="0">
+            <a:schemeClr val="accent1"/>
+          </a:effectRef>
+          <a:fontRef idx="minor">
+            <a:schemeClr val="lt1"/>
+          </a:fontRef>
+        </p:style>
+        <p:txBody>
+          <a:bodyPr rtlCol="0" anchor="ctr"/>
+          <a:lstStyle/>
+          <a:p>
+            <a:pPr algn="ctr"/>
+            <a:r>
+              <a:rPr lang="en-IN" b="1" dirty="0">
+                <a:solidFill>
+                  <a:schemeClr val="tx1"/>
+                </a:solidFill>
+              </a:rPr>
+              <a:t>Apoptosis</a:t>
+            </a:r>
+          </a:p>
+        </p:txBody>
+      </p:sp>
+      <p:sp>
+        <p:nvSpPr>
+          <p:cNvPr id="22" name="Arrow: Bent 21">
+            <a:extLst>
+              <a:ext uri="{FF2B5EF4-FFF2-40B4-BE49-F238E27FC236}">
+                <a16:creationId xmlns:a16="http://schemas.microsoft.com/office/drawing/2014/main" id="{C9C97C97-ECDA-D869-891D-A92BC3CFF5CA}"/>
+              </a:ext>
+            </a:extLst>
+          </p:cNvPr>
+          <p:cNvSpPr/>
+          <p:nvPr/>
+        </p:nvSpPr>
+        <p:spPr>
+          <a:xfrm flipH="1">
+            <a:off x="10010272" y="4411580"/>
+            <a:ext cx="1892970" cy="1427746"/>
+          </a:xfrm>
+          <a:prstGeom prst="bentArrow">
+            <a:avLst>
+              <a:gd name="adj1" fmla="val 25000"/>
+              <a:gd name="adj2" fmla="val 18997"/>
+              <a:gd name="adj3" fmla="val 25000"/>
+              <a:gd name="adj4" fmla="val 43750"/>
+            </a:avLst>
+          </a:prstGeom>
+          <a:solidFill>
+            <a:schemeClr val="accent6">
+              <a:lumMod val="60000"/>
+              <a:lumOff val="40000"/>
+            </a:schemeClr>
+          </a:solidFill>
+        </p:spPr>
+        <p:style>
+          <a:lnRef idx="2">
+            <a:schemeClr val="accent1">
+              <a:shade val="15000"/>
+            </a:schemeClr>
+          </a:lnRef>
+          <a:fillRef idx="1">
+            <a:schemeClr val="accent1"/>
+          </a:fillRef>
+          <a:effectRef idx="0">
+            <a:schemeClr val="accent1"/>
+          </a:effectRef>
+          <a:fontRef idx="minor">
+            <a:schemeClr val="lt1"/>
+          </a:fontRef>
+        </p:style>
+        <p:txBody>
+          <a:bodyPr rtlCol="0" anchor="ctr"/>
+          <a:lstStyle/>
+          <a:p>
+            <a:pPr algn="ctr"/>
+            <a:endParaRPr lang="en-IN">
+              <a:solidFill>
+                <a:schemeClr val="tx1"/>
+              </a:solidFill>
+            </a:endParaRPr>
+          </a:p>
+        </p:txBody>
+      </p:sp>
+      <p:sp>
+        <p:nvSpPr>
+          <p:cNvPr id="23" name="Arrow: Bent-Up 22">
+            <a:extLst>
+              <a:ext uri="{FF2B5EF4-FFF2-40B4-BE49-F238E27FC236}">
+                <a16:creationId xmlns:a16="http://schemas.microsoft.com/office/drawing/2014/main" id="{57BAF67E-502A-C3F3-6EE4-DC63B9B8B372}"/>
+              </a:ext>
+            </a:extLst>
+          </p:cNvPr>
+          <p:cNvSpPr/>
+          <p:nvPr/>
+        </p:nvSpPr>
+        <p:spPr>
+          <a:xfrm flipV="1">
+            <a:off x="9785684" y="5319965"/>
+            <a:ext cx="1411705" cy="519361"/>
+          </a:xfrm>
+          <a:prstGeom prst="bentUpArrow">
+            <a:avLst/>
+          </a:prstGeom>
+          <a:solidFill>
+            <a:schemeClr val="accent6">
+              <a:lumMod val="60000"/>
+              <a:lumOff val="40000"/>
+            </a:schemeClr>
+          </a:solidFill>
+        </p:spPr>
+        <p:style>
+          <a:lnRef idx="2">
+            <a:schemeClr val="accent1">
+              <a:shade val="15000"/>
+            </a:schemeClr>
+          </a:lnRef>
+          <a:fillRef idx="1">
+            <a:schemeClr val="accent1"/>
+          </a:fillRef>
+          <a:effectRef idx="0">
+            <a:schemeClr val="accent1"/>
+          </a:effectRef>
+          <a:fontRef idx="minor">
+            <a:schemeClr val="lt1"/>
+          </a:fontRef>
+        </p:style>
+        <p:txBody>
+          <a:bodyPr rtlCol="0" anchor="ctr"/>
+          <a:lstStyle/>
+          <a:p>
+            <a:pPr algn="ctr"/>
             <a:endParaRPr lang="en-IN"/>
           </a:p>
         </p:txBody>
       </p:sp>
       <p:cxnSp>
         <p:nvCxnSpPr>
-          <p:cNvPr id="27" name="Straight Arrow Connector 26">
-            <a:extLst>
-              <a:ext uri="{FF2B5EF4-FFF2-40B4-BE49-F238E27FC236}">
-                <a16:creationId xmlns:a16="http://schemas.microsoft.com/office/drawing/2014/main" id="{9F77EFE5-2E82-D441-B7B9-130F4C424E29}"/>
+          <p:cNvPr id="25" name="Straight Arrow Connector 24">
+            <a:extLst>
+              <a:ext uri="{FF2B5EF4-FFF2-40B4-BE49-F238E27FC236}">
+                <a16:creationId xmlns:a16="http://schemas.microsoft.com/office/drawing/2014/main" id="{34917743-5C0F-DC70-96D8-A590A87AF5DE}"/>
               </a:ext>
             </a:extLst>
           </p:cNvPr>
           <p:cNvCxnSpPr>
-            <a:cxnSpLocks/>
-            <a:stCxn id="12" idx="6"/>
+            <a:stCxn id="2" idx="2"/>
+            <a:endCxn id="4" idx="1"/>
           </p:cNvCxnSpPr>
           <p:nvPr/>
         </p:nvCxnSpPr>
         <p:spPr>
-          <a:xfrm flipV="1">
-            <a:off x="3537856" y="2198209"/>
-            <a:ext cx="542710" cy="14313"/>
+          <a:xfrm>
+            <a:off x="2310062" y="1459832"/>
+            <a:ext cx="545433" cy="607594"/>
+          </a:xfrm>
+          <a:prstGeom prst="straightConnector1">
+            <a:avLst/>
+          </a:prstGeom>
+          <a:ln>
+            <a:tailEnd type="triangle"/>
+          </a:ln>
+        </p:spPr>
+        <p:style>
+          <a:lnRef idx="3">
+            <a:schemeClr val="dk1"/>
+          </a:lnRef>
+          <a:fillRef idx="0">
+            <a:schemeClr val="dk1"/>
+          </a:fillRef>
+          <a:effectRef idx="2">
+            <a:schemeClr val="dk1"/>
+          </a:effectRef>
+          <a:fontRef idx="minor">
+            <a:schemeClr val="tx1"/>
+          </a:fontRef>
+        </p:style>
+      </p:cxnSp>
+      <p:cxnSp>
+        <p:nvCxnSpPr>
+          <p:cNvPr id="27" name="Straight Arrow Connector 26">
+            <a:extLst>
+              <a:ext uri="{FF2B5EF4-FFF2-40B4-BE49-F238E27FC236}">
+                <a16:creationId xmlns:a16="http://schemas.microsoft.com/office/drawing/2014/main" id="{43F38E55-CC59-F29F-0A9A-6B5BE2EB3FF3}"/>
+              </a:ext>
+            </a:extLst>
+          </p:cNvPr>
+          <p:cNvCxnSpPr>
+            <a:stCxn id="3" idx="2"/>
+            <a:endCxn id="4" idx="3"/>
+          </p:cNvCxnSpPr>
+          <p:nvPr/>
+        </p:nvCxnSpPr>
+        <p:spPr>
+          <a:xfrm flipH="1">
+            <a:off x="4267200" y="1459832"/>
+            <a:ext cx="505327" cy="607594"/>
           </a:xfrm>
           <a:prstGeom prst="straightConnector1">
             <a:avLst/>
@@ -5002,20 +4763,20 @@
           <p:cNvPr id="29" name="Straight Arrow Connector 28">
             <a:extLst>
               <a:ext uri="{FF2B5EF4-FFF2-40B4-BE49-F238E27FC236}">
-                <a16:creationId xmlns:a16="http://schemas.microsoft.com/office/drawing/2014/main" id="{E2F8F703-54AE-505F-D284-00456B490A49}"/>
+                <a16:creationId xmlns:a16="http://schemas.microsoft.com/office/drawing/2014/main" id="{7E28C196-65E0-4295-EEA7-DFE6FE1BB236}"/>
               </a:ext>
             </a:extLst>
           </p:cNvPr>
           <p:cNvCxnSpPr>
-            <a:cxnSpLocks/>
-            <a:stCxn id="14" idx="6"/>
+            <a:stCxn id="4" idx="2"/>
+            <a:endCxn id="5" idx="0"/>
           </p:cNvCxnSpPr>
           <p:nvPr/>
         </p:nvCxnSpPr>
         <p:spPr>
-          <a:xfrm flipV="1">
-            <a:off x="3537856" y="3192925"/>
-            <a:ext cx="747872" cy="236075"/>
+          <a:xfrm>
+            <a:off x="3561348" y="2412331"/>
+            <a:ext cx="0" cy="314825"/>
           </a:xfrm>
           <a:prstGeom prst="straightConnector1">
             <a:avLst/>
@@ -5041,24 +4802,64 @@
       </p:cxnSp>
       <p:cxnSp>
         <p:nvCxnSpPr>
-          <p:cNvPr id="31" name="Straight Arrow Connector 30">
-            <a:extLst>
-              <a:ext uri="{FF2B5EF4-FFF2-40B4-BE49-F238E27FC236}">
-                <a16:creationId xmlns:a16="http://schemas.microsoft.com/office/drawing/2014/main" id="{20FC3F3A-D2F9-7EC3-F017-999206074AB5}"/>
+          <p:cNvPr id="31" name="Connector: Elbow 30">
+            <a:extLst>
+              <a:ext uri="{FF2B5EF4-FFF2-40B4-BE49-F238E27FC236}">
+                <a16:creationId xmlns:a16="http://schemas.microsoft.com/office/drawing/2014/main" id="{A022F684-7942-49EF-0C29-1D15D35A9BFF}"/>
               </a:ext>
             </a:extLst>
           </p:cNvPr>
           <p:cNvCxnSpPr>
-            <a:cxnSpLocks/>
-            <a:stCxn id="18" idx="6"/>
-            <a:endCxn id="4" idx="3"/>
+            <a:stCxn id="5" idx="2"/>
           </p:cNvCxnSpPr>
           <p:nvPr/>
         </p:nvCxnSpPr>
         <p:spPr>
-          <a:xfrm flipV="1">
-            <a:off x="3749458" y="4574954"/>
-            <a:ext cx="701549" cy="1274604"/>
+          <a:xfrm rot="5400000">
+            <a:off x="2911641" y="3088104"/>
+            <a:ext cx="320844" cy="978570"/>
+          </a:xfrm>
+          <a:prstGeom prst="bentConnector2">
+            <a:avLst/>
+          </a:prstGeom>
+          <a:ln>
+            <a:tailEnd type="triangle"/>
+          </a:ln>
+        </p:spPr>
+        <p:style>
+          <a:lnRef idx="3">
+            <a:schemeClr val="dk1"/>
+          </a:lnRef>
+          <a:fillRef idx="0">
+            <a:schemeClr val="dk1"/>
+          </a:fillRef>
+          <a:effectRef idx="2">
+            <a:schemeClr val="dk1"/>
+          </a:effectRef>
+          <a:fontRef idx="minor">
+            <a:schemeClr val="tx1"/>
+          </a:fontRef>
+        </p:style>
+      </p:cxnSp>
+      <p:cxnSp>
+        <p:nvCxnSpPr>
+          <p:cNvPr id="33" name="Straight Arrow Connector 32">
+            <a:extLst>
+              <a:ext uri="{FF2B5EF4-FFF2-40B4-BE49-F238E27FC236}">
+                <a16:creationId xmlns:a16="http://schemas.microsoft.com/office/drawing/2014/main" id="{891F20AE-CBF0-83B4-70D7-67CDBAD86CCB}"/>
+              </a:ext>
+            </a:extLst>
+          </p:cNvPr>
+          <p:cNvCxnSpPr>
+            <a:stCxn id="14" idx="2"/>
+            <a:endCxn id="15" idx="0"/>
+          </p:cNvCxnSpPr>
+          <p:nvPr/>
+        </p:nvCxnSpPr>
+        <p:spPr>
+          <a:xfrm>
+            <a:off x="2903620" y="5839326"/>
+            <a:ext cx="4011" cy="248653"/>
           </a:xfrm>
           <a:prstGeom prst="straightConnector1">
             <a:avLst/>
@@ -5082,122 +4883,32 @@
           </a:fontRef>
         </p:style>
       </p:cxnSp>
-      <p:sp>
-        <p:nvSpPr>
-          <p:cNvPr id="40" name="Oval 39">
-            <a:extLst>
-              <a:ext uri="{FF2B5EF4-FFF2-40B4-BE49-F238E27FC236}">
-                <a16:creationId xmlns:a16="http://schemas.microsoft.com/office/drawing/2014/main" id="{41EC9950-CDA0-DC34-B54A-BFD7670A9830}"/>
-              </a:ext>
-            </a:extLst>
-          </p:cNvPr>
-          <p:cNvSpPr/>
-          <p:nvPr/>
-        </p:nvSpPr>
-        <p:spPr>
-          <a:xfrm>
-            <a:off x="4336521" y="5029119"/>
-            <a:ext cx="1300058" cy="406931"/>
-          </a:xfrm>
-          <a:prstGeom prst="ellipse">
-            <a:avLst/>
-          </a:prstGeom>
-        </p:spPr>
-        <p:style>
-          <a:lnRef idx="1">
-            <a:schemeClr val="accent6"/>
-          </a:lnRef>
-          <a:fillRef idx="2">
-            <a:schemeClr val="accent6"/>
-          </a:fillRef>
-          <a:effectRef idx="1">
-            <a:schemeClr val="accent6"/>
-          </a:effectRef>
-          <a:fontRef idx="minor">
-            <a:schemeClr val="dk1"/>
-          </a:fontRef>
-        </p:style>
-        <p:txBody>
-          <a:bodyPr rtlCol="0" anchor="ctr"/>
-          <a:lstStyle/>
-          <a:p>
-            <a:pPr algn="ctr"/>
-            <a:r>
-              <a:rPr lang="en-IN" b="1" dirty="0"/>
-              <a:t>mTOR</a:t>
-            </a:r>
-          </a:p>
-        </p:txBody>
-      </p:sp>
-      <p:sp>
-        <p:nvSpPr>
-          <p:cNvPr id="42" name="Arrow: Down 41">
-            <a:extLst>
-              <a:ext uri="{FF2B5EF4-FFF2-40B4-BE49-F238E27FC236}">
-                <a16:creationId xmlns:a16="http://schemas.microsoft.com/office/drawing/2014/main" id="{4A9AEA64-AE5C-520E-2EF7-985972362027}"/>
-              </a:ext>
-            </a:extLst>
-          </p:cNvPr>
-          <p:cNvSpPr/>
-          <p:nvPr/>
-        </p:nvSpPr>
-        <p:spPr>
-          <a:xfrm>
-            <a:off x="4863196" y="5476988"/>
-            <a:ext cx="254216" cy="329170"/>
-          </a:xfrm>
-          <a:prstGeom prst="downArrow">
-            <a:avLst/>
-          </a:prstGeom>
-        </p:spPr>
-        <p:style>
-          <a:lnRef idx="2">
-            <a:schemeClr val="accent2">
-              <a:shade val="15000"/>
-            </a:schemeClr>
-          </a:lnRef>
-          <a:fillRef idx="1">
-            <a:schemeClr val="accent2"/>
-          </a:fillRef>
-          <a:effectRef idx="0">
-            <a:schemeClr val="accent2"/>
-          </a:effectRef>
-          <a:fontRef idx="minor">
-            <a:schemeClr val="lt1"/>
-          </a:fontRef>
-        </p:style>
-        <p:txBody>
-          <a:bodyPr rtlCol="0" anchor="ctr"/>
-          <a:lstStyle/>
-          <a:p>
-            <a:pPr algn="ctr"/>
-            <a:endParaRPr lang="en-IN"/>
-          </a:p>
-        </p:txBody>
-      </p:sp>
       <p:cxnSp>
         <p:nvCxnSpPr>
-          <p:cNvPr id="52" name="Connector: Elbow 51">
-            <a:extLst>
-              <a:ext uri="{FF2B5EF4-FFF2-40B4-BE49-F238E27FC236}">
-                <a16:creationId xmlns:a16="http://schemas.microsoft.com/office/drawing/2014/main" id="{3DC689FB-622D-D445-71AA-FF37E45CE04E}"/>
+          <p:cNvPr id="35" name="Straight Arrow Connector 34">
+            <a:extLst>
+              <a:ext uri="{FF2B5EF4-FFF2-40B4-BE49-F238E27FC236}">
+                <a16:creationId xmlns:a16="http://schemas.microsoft.com/office/drawing/2014/main" id="{DDD560D4-A8DD-5A77-2274-A47733F0D733}"/>
               </a:ext>
             </a:extLst>
           </p:cNvPr>
           <p:cNvCxnSpPr>
-            <a:cxnSpLocks/>
-            <a:stCxn id="4" idx="6"/>
+            <a:stCxn id="16" idx="2"/>
+            <a:endCxn id="17" idx="0"/>
           </p:cNvCxnSpPr>
           <p:nvPr/>
         </p:nvCxnSpPr>
         <p:spPr>
-          <a:xfrm flipV="1">
-            <a:off x="5617767" y="2082891"/>
-            <a:ext cx="1391036" cy="2325207"/>
+          <a:xfrm flipH="1">
+            <a:off x="5783177" y="5690936"/>
+            <a:ext cx="1" cy="389021"/>
           </a:xfrm>
-          <a:prstGeom prst="bentConnector2">
+          <a:prstGeom prst="straightConnector1">
             <a:avLst/>
           </a:prstGeom>
+          <a:ln>
+            <a:tailEnd type="triangle"/>
+          </a:ln>
         </p:spPr>
         <p:style>
           <a:lnRef idx="3">
@@ -5214,226 +4925,66 @@
           </a:fontRef>
         </p:style>
       </p:cxnSp>
-      <p:sp>
-        <p:nvSpPr>
-          <p:cNvPr id="55" name="Oval 54">
-            <a:extLst>
-              <a:ext uri="{FF2B5EF4-FFF2-40B4-BE49-F238E27FC236}">
-                <a16:creationId xmlns:a16="http://schemas.microsoft.com/office/drawing/2014/main" id="{C4E2B462-EB65-BBF6-9BF0-DA7B17D6CDE8}"/>
-              </a:ext>
-            </a:extLst>
-          </p:cNvPr>
-          <p:cNvSpPr/>
-          <p:nvPr/>
-        </p:nvSpPr>
-        <p:spPr>
-          <a:xfrm>
-            <a:off x="7672378" y="1834789"/>
-            <a:ext cx="1393371" cy="544285"/>
-          </a:xfrm>
-          <a:prstGeom prst="ellipse">
-            <a:avLst/>
-          </a:prstGeom>
-          <a:solidFill>
-            <a:srgbClr val="808000"/>
-          </a:solidFill>
-        </p:spPr>
-        <p:style>
-          <a:lnRef idx="1">
-            <a:schemeClr val="accent6"/>
-          </a:lnRef>
-          <a:fillRef idx="2">
-            <a:schemeClr val="accent6"/>
-          </a:fillRef>
-          <a:effectRef idx="1">
-            <a:schemeClr val="accent6"/>
-          </a:effectRef>
-          <a:fontRef idx="minor">
-            <a:schemeClr val="dk1"/>
-          </a:fontRef>
-        </p:style>
-        <p:txBody>
-          <a:bodyPr rtlCol="0" anchor="ctr"/>
-          <a:lstStyle/>
-          <a:p>
-            <a:pPr algn="ctr"/>
-            <a:r>
-              <a:rPr lang="en-IN" sz="1600" b="1" dirty="0"/>
-              <a:t>STAT</a:t>
-            </a:r>
-          </a:p>
-        </p:txBody>
-      </p:sp>
-      <p:sp>
-        <p:nvSpPr>
-          <p:cNvPr id="56" name="Oval 55">
-            <a:extLst>
-              <a:ext uri="{FF2B5EF4-FFF2-40B4-BE49-F238E27FC236}">
-                <a16:creationId xmlns:a16="http://schemas.microsoft.com/office/drawing/2014/main" id="{302C7838-B57D-4C1F-CA0F-F5BBA98912FF}"/>
-              </a:ext>
-            </a:extLst>
-          </p:cNvPr>
-          <p:cNvSpPr/>
-          <p:nvPr/>
-        </p:nvSpPr>
-        <p:spPr>
-          <a:xfrm>
-            <a:off x="7709354" y="2747558"/>
-            <a:ext cx="1393371" cy="544285"/>
-          </a:xfrm>
-          <a:prstGeom prst="ellipse">
-            <a:avLst/>
-          </a:prstGeom>
-          <a:solidFill>
-            <a:srgbClr val="808000"/>
-          </a:solidFill>
-        </p:spPr>
-        <p:style>
-          <a:lnRef idx="1">
-            <a:schemeClr val="accent6"/>
-          </a:lnRef>
-          <a:fillRef idx="2">
-            <a:schemeClr val="accent6"/>
-          </a:fillRef>
-          <a:effectRef idx="1">
-            <a:schemeClr val="accent6"/>
-          </a:effectRef>
-          <a:fontRef idx="minor">
-            <a:schemeClr val="dk1"/>
-          </a:fontRef>
-        </p:style>
-        <p:txBody>
-          <a:bodyPr rtlCol="0" anchor="ctr"/>
-          <a:lstStyle/>
-          <a:p>
-            <a:pPr algn="ctr"/>
-            <a:r>
-              <a:rPr lang="en-IN" sz="1600" b="1" dirty="0"/>
-              <a:t>STAT</a:t>
-            </a:r>
-          </a:p>
-        </p:txBody>
-      </p:sp>
-      <p:sp>
-        <p:nvSpPr>
-          <p:cNvPr id="57" name="Oval 56">
-            <a:extLst>
-              <a:ext uri="{FF2B5EF4-FFF2-40B4-BE49-F238E27FC236}">
-                <a16:creationId xmlns:a16="http://schemas.microsoft.com/office/drawing/2014/main" id="{C5947A18-0CC0-62A3-82DE-9F3BB81F3488}"/>
-              </a:ext>
-            </a:extLst>
-          </p:cNvPr>
-          <p:cNvSpPr/>
-          <p:nvPr/>
-        </p:nvSpPr>
-        <p:spPr>
-          <a:xfrm>
-            <a:off x="7752072" y="3701142"/>
-            <a:ext cx="1393371" cy="544285"/>
-          </a:xfrm>
-          <a:prstGeom prst="ellipse">
-            <a:avLst/>
-          </a:prstGeom>
-          <a:solidFill>
-            <a:schemeClr val="accent2">
-              <a:lumMod val="50000"/>
-            </a:schemeClr>
-          </a:solidFill>
-        </p:spPr>
-        <p:style>
-          <a:lnRef idx="1">
-            <a:schemeClr val="accent6"/>
-          </a:lnRef>
-          <a:fillRef idx="2">
-            <a:schemeClr val="accent6"/>
-          </a:fillRef>
-          <a:effectRef idx="1">
-            <a:schemeClr val="accent6"/>
-          </a:effectRef>
-          <a:fontRef idx="minor">
-            <a:schemeClr val="dk1"/>
-          </a:fontRef>
-        </p:style>
-        <p:txBody>
-          <a:bodyPr rtlCol="0" anchor="ctr"/>
-          <a:lstStyle/>
-          <a:p>
-            <a:pPr algn="ctr"/>
-            <a:r>
-              <a:rPr lang="en-IN" sz="1600" b="1" dirty="0"/>
-              <a:t>SRC</a:t>
-            </a:r>
-          </a:p>
-        </p:txBody>
-      </p:sp>
-      <p:sp>
-        <p:nvSpPr>
-          <p:cNvPr id="58" name="Oval 57">
-            <a:extLst>
-              <a:ext uri="{FF2B5EF4-FFF2-40B4-BE49-F238E27FC236}">
-                <a16:creationId xmlns:a16="http://schemas.microsoft.com/office/drawing/2014/main" id="{8BBF043E-696E-43FB-5CA6-7C9D9BCAA3E2}"/>
-              </a:ext>
-            </a:extLst>
-          </p:cNvPr>
-          <p:cNvSpPr/>
-          <p:nvPr/>
-        </p:nvSpPr>
-        <p:spPr>
-          <a:xfrm>
-            <a:off x="7749304" y="4739917"/>
-            <a:ext cx="1393371" cy="544285"/>
-          </a:xfrm>
-          <a:prstGeom prst="ellipse">
-            <a:avLst/>
-          </a:prstGeom>
-          <a:solidFill>
-            <a:schemeClr val="accent2">
-              <a:lumMod val="50000"/>
-            </a:schemeClr>
-          </a:solidFill>
-        </p:spPr>
-        <p:style>
-          <a:lnRef idx="1">
-            <a:schemeClr val="accent6"/>
-          </a:lnRef>
-          <a:fillRef idx="2">
-            <a:schemeClr val="accent6"/>
-          </a:fillRef>
-          <a:effectRef idx="1">
-            <a:schemeClr val="accent6"/>
-          </a:effectRef>
-          <a:fontRef idx="minor">
-            <a:schemeClr val="dk1"/>
-          </a:fontRef>
-        </p:style>
-        <p:txBody>
-          <a:bodyPr rtlCol="0" anchor="ctr"/>
-          <a:lstStyle/>
-          <a:p>
-            <a:pPr algn="ctr"/>
-            <a:r>
-              <a:rPr lang="en-IN" sz="1600" b="1" dirty="0"/>
-              <a:t>SRC</a:t>
-            </a:r>
-          </a:p>
-        </p:txBody>
-      </p:sp>
       <p:cxnSp>
         <p:nvCxnSpPr>
-          <p:cNvPr id="60" name="Straight Connector 59">
-            <a:extLst>
-              <a:ext uri="{FF2B5EF4-FFF2-40B4-BE49-F238E27FC236}">
-                <a16:creationId xmlns:a16="http://schemas.microsoft.com/office/drawing/2014/main" id="{6BCEA5DC-DDBF-9302-9492-8366FEE257D5}"/>
-              </a:ext>
-            </a:extLst>
-          </p:cNvPr>
-          <p:cNvCxnSpPr/>
+          <p:cNvPr id="37" name="Straight Arrow Connector 36">
+            <a:extLst>
+              <a:ext uri="{FF2B5EF4-FFF2-40B4-BE49-F238E27FC236}">
+                <a16:creationId xmlns:a16="http://schemas.microsoft.com/office/drawing/2014/main" id="{2F972171-BE5F-7A0B-339C-CDD9A83ED199}"/>
+              </a:ext>
+            </a:extLst>
+          </p:cNvPr>
+          <p:cNvCxnSpPr>
+            <a:stCxn id="19" idx="2"/>
+            <a:endCxn id="18" idx="0"/>
+          </p:cNvCxnSpPr>
           <p:nvPr/>
         </p:nvCxnSpPr>
         <p:spPr>
           <a:xfrm>
-            <a:off x="6986515" y="2106931"/>
-            <a:ext cx="712383" cy="0"/>
+            <a:off x="8931437" y="4982574"/>
+            <a:ext cx="0" cy="166941"/>
+          </a:xfrm>
+          <a:prstGeom prst="straightConnector1">
+            <a:avLst/>
+          </a:prstGeom>
+          <a:ln>
+            <a:tailEnd type="triangle"/>
+          </a:ln>
+        </p:spPr>
+        <p:style>
+          <a:lnRef idx="3">
+            <a:schemeClr val="dk1"/>
+          </a:lnRef>
+          <a:fillRef idx="0">
+            <a:schemeClr val="dk1"/>
+          </a:fillRef>
+          <a:effectRef idx="2">
+            <a:schemeClr val="dk1"/>
+          </a:effectRef>
+          <a:fontRef idx="minor">
+            <a:schemeClr val="tx1"/>
+          </a:fontRef>
+        </p:style>
+      </p:cxnSp>
+      <p:cxnSp>
+        <p:nvCxnSpPr>
+          <p:cNvPr id="39" name="Straight Connector 38">
+            <a:extLst>
+              <a:ext uri="{FF2B5EF4-FFF2-40B4-BE49-F238E27FC236}">
+                <a16:creationId xmlns:a16="http://schemas.microsoft.com/office/drawing/2014/main" id="{8A10A6CF-13E5-21BA-B707-8F171646D3FC}"/>
+              </a:ext>
+            </a:extLst>
+          </p:cNvPr>
+          <p:cNvCxnSpPr>
+            <a:stCxn id="5" idx="3"/>
+          </p:cNvCxnSpPr>
+          <p:nvPr/>
+        </p:nvCxnSpPr>
+        <p:spPr>
+          <a:xfrm flipV="1">
+            <a:off x="4267200" y="3072061"/>
+            <a:ext cx="505325" cy="1"/>
           </a:xfrm>
           <a:prstGeom prst="line">
             <a:avLst/>
@@ -5454,649 +5005,435 @@
           </a:fontRef>
         </p:style>
       </p:cxnSp>
-      <p:sp>
-        <p:nvSpPr>
-          <p:cNvPr id="63" name="Arrow: Bent 62">
-            <a:extLst>
-              <a:ext uri="{FF2B5EF4-FFF2-40B4-BE49-F238E27FC236}">
-                <a16:creationId xmlns:a16="http://schemas.microsoft.com/office/drawing/2014/main" id="{8FFE34F1-9C1C-7532-D1D5-52F1072AEDC6}"/>
-              </a:ext>
-            </a:extLst>
-          </p:cNvPr>
-          <p:cNvSpPr/>
+      <p:cxnSp>
+        <p:nvCxnSpPr>
+          <p:cNvPr id="41" name="Straight Connector 40">
+            <a:extLst>
+              <a:ext uri="{FF2B5EF4-FFF2-40B4-BE49-F238E27FC236}">
+                <a16:creationId xmlns:a16="http://schemas.microsoft.com/office/drawing/2014/main" id="{9F0602A2-2F00-D35A-DC71-2CA3C0240D32}"/>
+              </a:ext>
+            </a:extLst>
+          </p:cNvPr>
+          <p:cNvCxnSpPr>
+            <a:stCxn id="7" idx="4"/>
+          </p:cNvCxnSpPr>
           <p:nvPr/>
-        </p:nvSpPr>
+        </p:nvCxnSpPr>
         <p:spPr>
-          <a:xfrm flipV="1">
-            <a:off x="5082629" y="6236117"/>
-            <a:ext cx="2312782" cy="424812"/>
+          <a:xfrm flipH="1">
+            <a:off x="5783176" y="3416967"/>
+            <a:ext cx="3" cy="320844"/>
           </a:xfrm>
-          <a:prstGeom prst="bentArrow">
-            <a:avLst>
-              <a:gd name="adj1" fmla="val 25000"/>
-              <a:gd name="adj2" fmla="val 33213"/>
-              <a:gd name="adj3" fmla="val 25000"/>
-              <a:gd name="adj4" fmla="val 43750"/>
-            </a:avLst>
-          </a:prstGeom>
-        </p:spPr>
-        <p:style>
-          <a:lnRef idx="1">
-            <a:schemeClr val="accent4"/>
-          </a:lnRef>
-          <a:fillRef idx="3">
-            <a:schemeClr val="accent4"/>
-          </a:fillRef>
-          <a:effectRef idx="2">
-            <a:schemeClr val="accent4"/>
-          </a:effectRef>
-          <a:fontRef idx="minor">
-            <a:schemeClr val="lt1"/>
-          </a:fontRef>
-        </p:style>
-        <p:txBody>
-          <a:bodyPr rtlCol="0" anchor="ctr"/>
-          <a:lstStyle/>
-          <a:p>
-            <a:pPr algn="ctr"/>
-            <a:endParaRPr lang="en-IN">
-              <a:solidFill>
-                <a:schemeClr val="tx1"/>
-              </a:solidFill>
-            </a:endParaRPr>
-          </a:p>
-        </p:txBody>
-      </p:sp>
-      <p:sp>
-        <p:nvSpPr>
-          <p:cNvPr id="64" name="Rectangle: Rounded Corners 63">
-            <a:extLst>
-              <a:ext uri="{FF2B5EF4-FFF2-40B4-BE49-F238E27FC236}">
-                <a16:creationId xmlns:a16="http://schemas.microsoft.com/office/drawing/2014/main" id="{5548BEC9-7410-2B44-3CDC-667473E5388F}"/>
-              </a:ext>
-            </a:extLst>
-          </p:cNvPr>
-          <p:cNvSpPr/>
-          <p:nvPr/>
-        </p:nvSpPr>
-        <p:spPr>
-          <a:xfrm>
-            <a:off x="7429963" y="6332510"/>
-            <a:ext cx="2470484" cy="399766"/>
-          </a:xfrm>
-          <a:prstGeom prst="roundRect">
-            <a:avLst/>
-          </a:prstGeom>
-          <a:solidFill>
-            <a:srgbClr val="7030A0"/>
-          </a:solidFill>
-        </p:spPr>
-        <p:style>
-          <a:lnRef idx="2">
-            <a:schemeClr val="accent1">
-              <a:shade val="15000"/>
-            </a:schemeClr>
-          </a:lnRef>
-          <a:fillRef idx="1">
-            <a:schemeClr val="accent1"/>
-          </a:fillRef>
-          <a:effectRef idx="0">
-            <a:schemeClr val="accent1"/>
-          </a:effectRef>
-          <a:fontRef idx="minor">
-            <a:schemeClr val="lt1"/>
-          </a:fontRef>
-        </p:style>
-        <p:txBody>
-          <a:bodyPr rtlCol="0" anchor="ctr"/>
-          <a:lstStyle/>
-          <a:p>
-            <a:pPr algn="ctr"/>
-            <a:r>
-              <a:rPr lang="en-IN" b="1" dirty="0"/>
-              <a:t>Angiogenesis</a:t>
-            </a:r>
-          </a:p>
-        </p:txBody>
-      </p:sp>
-      <p:sp>
-        <p:nvSpPr>
-          <p:cNvPr id="65" name="Oval 64">
-            <a:extLst>
-              <a:ext uri="{FF2B5EF4-FFF2-40B4-BE49-F238E27FC236}">
-                <a16:creationId xmlns:a16="http://schemas.microsoft.com/office/drawing/2014/main" id="{45D7A32A-85A2-E936-11D0-B65C148D412C}"/>
-              </a:ext>
-            </a:extLst>
-          </p:cNvPr>
-          <p:cNvSpPr/>
-          <p:nvPr/>
-        </p:nvSpPr>
-        <p:spPr>
-          <a:xfrm>
-            <a:off x="9934372" y="1302888"/>
-            <a:ext cx="1393371" cy="544285"/>
-          </a:xfrm>
-          <a:prstGeom prst="ellipse">
-            <a:avLst/>
-          </a:prstGeom>
-          <a:solidFill>
-            <a:srgbClr val="CC0066"/>
-          </a:solidFill>
-        </p:spPr>
-        <p:style>
-          <a:lnRef idx="1">
-            <a:schemeClr val="accent6"/>
-          </a:lnRef>
-          <a:fillRef idx="2">
-            <a:schemeClr val="accent6"/>
-          </a:fillRef>
-          <a:effectRef idx="1">
-            <a:schemeClr val="accent6"/>
-          </a:effectRef>
-          <a:fontRef idx="minor">
-            <a:schemeClr val="dk1"/>
-          </a:fontRef>
-        </p:style>
-        <p:txBody>
-          <a:bodyPr rtlCol="0" anchor="ctr"/>
-          <a:lstStyle/>
-          <a:p>
-            <a:pPr algn="ctr"/>
-            <a:r>
-              <a:rPr lang="en-IN" sz="1600" b="1" dirty="0"/>
-              <a:t>JAK</a:t>
-            </a:r>
-          </a:p>
-        </p:txBody>
-      </p:sp>
-      <p:sp>
-        <p:nvSpPr>
-          <p:cNvPr id="66" name="Arrow: Down 65">
-            <a:extLst>
-              <a:ext uri="{FF2B5EF4-FFF2-40B4-BE49-F238E27FC236}">
-                <a16:creationId xmlns:a16="http://schemas.microsoft.com/office/drawing/2014/main" id="{E74962CE-BBF6-E894-C77D-4047372DF133}"/>
-              </a:ext>
-            </a:extLst>
-          </p:cNvPr>
-          <p:cNvSpPr/>
-          <p:nvPr/>
-        </p:nvSpPr>
-        <p:spPr>
-          <a:xfrm>
-            <a:off x="10457299" y="1847173"/>
-            <a:ext cx="269454" cy="2952785"/>
-          </a:xfrm>
-          <a:prstGeom prst="downArrow">
+          <a:prstGeom prst="line">
             <a:avLst/>
           </a:prstGeom>
         </p:spPr>
         <p:style>
-          <a:lnRef idx="2">
-            <a:schemeClr val="accent1">
-              <a:shade val="15000"/>
-            </a:schemeClr>
+          <a:lnRef idx="3">
+            <a:schemeClr val="dk1"/>
           </a:lnRef>
-          <a:fillRef idx="1">
-            <a:schemeClr val="accent1"/>
+          <a:fillRef idx="0">
+            <a:schemeClr val="dk1"/>
           </a:fillRef>
-          <a:effectRef idx="0">
-            <a:schemeClr val="accent1"/>
+          <a:effectRef idx="2">
+            <a:schemeClr val="dk1"/>
           </a:effectRef>
           <a:fontRef idx="minor">
-            <a:schemeClr val="lt1"/>
+            <a:schemeClr val="tx1"/>
           </a:fontRef>
         </p:style>
-        <p:txBody>
-          <a:bodyPr rtlCol="0" anchor="ctr"/>
-          <a:lstStyle/>
-          <a:p>
-            <a:pPr algn="ctr"/>
-            <a:endParaRPr lang="en-IN"/>
-          </a:p>
-        </p:txBody>
-      </p:sp>
-      <p:sp>
-        <p:nvSpPr>
-          <p:cNvPr id="67" name="Rectangle: Rounded Corners 66">
-            <a:extLst>
-              <a:ext uri="{FF2B5EF4-FFF2-40B4-BE49-F238E27FC236}">
-                <a16:creationId xmlns:a16="http://schemas.microsoft.com/office/drawing/2014/main" id="{4C3825DC-CE5A-E9D7-E19E-5DDA51D0134B}"/>
-              </a:ext>
-            </a:extLst>
-          </p:cNvPr>
-          <p:cNvSpPr/>
+      </p:cxnSp>
+      <p:cxnSp>
+        <p:nvCxnSpPr>
+          <p:cNvPr id="43" name="Straight Connector 42">
+            <a:extLst>
+              <a:ext uri="{FF2B5EF4-FFF2-40B4-BE49-F238E27FC236}">
+                <a16:creationId xmlns:a16="http://schemas.microsoft.com/office/drawing/2014/main" id="{8A587600-FED2-1029-D418-FA440D0AE24D}"/>
+              </a:ext>
+            </a:extLst>
+          </p:cNvPr>
+          <p:cNvCxnSpPr>
+            <a:stCxn id="18" idx="2"/>
+            <a:endCxn id="20" idx="0"/>
+          </p:cNvCxnSpPr>
           <p:nvPr/>
-        </p:nvSpPr>
+        </p:nvCxnSpPr>
         <p:spPr>
           <a:xfrm>
-            <a:off x="9334896" y="4818687"/>
-            <a:ext cx="2470484" cy="399766"/>
+            <a:off x="8931437" y="5839326"/>
+            <a:ext cx="0" cy="118309"/>
           </a:xfrm>
-          <a:prstGeom prst="roundRect">
-            <a:avLst/>
-          </a:prstGeom>
-          <a:solidFill>
-            <a:schemeClr val="accent6">
-              <a:lumMod val="50000"/>
-            </a:schemeClr>
-          </a:solidFill>
-        </p:spPr>
-        <p:style>
-          <a:lnRef idx="2">
-            <a:schemeClr val="accent1">
-              <a:shade val="15000"/>
-            </a:schemeClr>
-          </a:lnRef>
-          <a:fillRef idx="1">
-            <a:schemeClr val="accent1"/>
-          </a:fillRef>
-          <a:effectRef idx="0">
-            <a:schemeClr val="accent1"/>
-          </a:effectRef>
-          <a:fontRef idx="minor">
-            <a:schemeClr val="lt1"/>
-          </a:fontRef>
-        </p:style>
-        <p:txBody>
-          <a:bodyPr rtlCol="0" anchor="ctr"/>
-          <a:lstStyle/>
-          <a:p>
-            <a:pPr algn="ctr"/>
-            <a:r>
-              <a:rPr lang="en-IN" b="1" dirty="0"/>
-              <a:t>Cell Survival</a:t>
-            </a:r>
-          </a:p>
-        </p:txBody>
-      </p:sp>
-      <p:sp>
-        <p:nvSpPr>
-          <p:cNvPr id="68" name="Arrow: Down 67">
-            <a:extLst>
-              <a:ext uri="{FF2B5EF4-FFF2-40B4-BE49-F238E27FC236}">
-                <a16:creationId xmlns:a16="http://schemas.microsoft.com/office/drawing/2014/main" id="{87ACAFFE-0677-1BE1-EB3D-1190D7B42612}"/>
-              </a:ext>
-            </a:extLst>
-          </p:cNvPr>
-          <p:cNvSpPr/>
-          <p:nvPr/>
-        </p:nvSpPr>
-        <p:spPr>
-          <a:xfrm>
-            <a:off x="8206090" y="2376532"/>
-            <a:ext cx="269998" cy="371026"/>
-          </a:xfrm>
-          <a:prstGeom prst="downArrow">
+          <a:prstGeom prst="line">
             <a:avLst/>
           </a:prstGeom>
         </p:spPr>
         <p:style>
-          <a:lnRef idx="2">
-            <a:schemeClr val="accent2">
-              <a:shade val="15000"/>
-            </a:schemeClr>
+          <a:lnRef idx="3">
+            <a:schemeClr val="dk1"/>
           </a:lnRef>
-          <a:fillRef idx="1">
-            <a:schemeClr val="accent2"/>
+          <a:fillRef idx="0">
+            <a:schemeClr val="dk1"/>
           </a:fillRef>
-          <a:effectRef idx="0">
-            <a:schemeClr val="accent2"/>
+          <a:effectRef idx="2">
+            <a:schemeClr val="dk1"/>
           </a:effectRef>
           <a:fontRef idx="minor">
-            <a:schemeClr val="lt1"/>
+            <a:schemeClr val="tx1"/>
           </a:fontRef>
         </p:style>
-        <p:txBody>
-          <a:bodyPr rtlCol="0" anchor="ctr"/>
-          <a:lstStyle/>
-          <a:p>
-            <a:pPr algn="ctr"/>
-            <a:endParaRPr lang="en-IN"/>
-          </a:p>
-        </p:txBody>
-      </p:sp>
-      <p:sp>
-        <p:nvSpPr>
-          <p:cNvPr id="69" name="Arrow: Down 68">
-            <a:extLst>
-              <a:ext uri="{FF2B5EF4-FFF2-40B4-BE49-F238E27FC236}">
-                <a16:creationId xmlns:a16="http://schemas.microsoft.com/office/drawing/2014/main" id="{01A49A0B-DC9D-5F40-3647-532146ED3E69}"/>
-              </a:ext>
-            </a:extLst>
-          </p:cNvPr>
-          <p:cNvSpPr/>
+      </p:cxnSp>
+      <p:sp>
+        <p:nvSpPr>
+          <p:cNvPr id="44" name="TextBox 43">
+            <a:extLst>
+              <a:ext uri="{FF2B5EF4-FFF2-40B4-BE49-F238E27FC236}">
+                <a16:creationId xmlns:a16="http://schemas.microsoft.com/office/drawing/2014/main" id="{EDD741C2-BE5C-875D-B348-33F20AC59D47}"/>
+              </a:ext>
+            </a:extLst>
+          </p:cNvPr>
+          <p:cNvSpPr txBox="1"/>
           <p:nvPr/>
         </p:nvSpPr>
         <p:spPr>
           <a:xfrm>
-            <a:off x="8206090" y="3304425"/>
-            <a:ext cx="269998" cy="371026"/>
+            <a:off x="2462464" y="276182"/>
+            <a:ext cx="3015915" cy="369332"/>
           </a:xfrm>
-          <a:prstGeom prst="downArrow">
+          <a:prstGeom prst="rect">
+            <a:avLst/>
+          </a:prstGeom>
+          <a:noFill/>
+        </p:spPr>
+        <p:txBody>
+          <a:bodyPr wrap="square" rtlCol="0">
+            <a:spAutoFit/>
+          </a:bodyPr>
+          <a:lstStyle/>
+          <a:p>
+            <a:r>
+              <a:rPr lang="en-IN" b="1" dirty="0"/>
+              <a:t>Wnt/</a:t>
+            </a:r>
+            <a:r>
+              <a:rPr lang="el-GR" b="1" dirty="0"/>
+              <a:t>β</a:t>
+            </a:r>
+            <a:r>
+              <a:rPr lang="en-IN" b="1" dirty="0"/>
+              <a:t>- catenin Pathway</a:t>
+            </a:r>
+          </a:p>
+        </p:txBody>
+      </p:sp>
+      <p:sp>
+        <p:nvSpPr>
+          <p:cNvPr id="45" name="TextBox 44">
+            <a:extLst>
+              <a:ext uri="{FF2B5EF4-FFF2-40B4-BE49-F238E27FC236}">
+                <a16:creationId xmlns:a16="http://schemas.microsoft.com/office/drawing/2014/main" id="{F0A1BEED-0595-EFEA-4915-50E61F7BE592}"/>
+              </a:ext>
+            </a:extLst>
+          </p:cNvPr>
+          <p:cNvSpPr txBox="1"/>
+          <p:nvPr/>
+        </p:nvSpPr>
+        <p:spPr>
+          <a:xfrm>
+            <a:off x="8293766" y="41932"/>
+            <a:ext cx="3015915" cy="369332"/>
+          </a:xfrm>
+          <a:prstGeom prst="rect">
+            <a:avLst/>
+          </a:prstGeom>
+          <a:noFill/>
+        </p:spPr>
+        <p:txBody>
+          <a:bodyPr wrap="square" rtlCol="0">
+            <a:spAutoFit/>
+          </a:bodyPr>
+          <a:lstStyle/>
+          <a:p>
+            <a:r>
+              <a:rPr lang="en-IN" b="1" dirty="0"/>
+              <a:t>RAF/MEK/ERK Pathway</a:t>
+            </a:r>
+          </a:p>
+        </p:txBody>
+      </p:sp>
+      <p:sp>
+        <p:nvSpPr>
+          <p:cNvPr id="46" name="TextBox 45">
+            <a:extLst>
+              <a:ext uri="{FF2B5EF4-FFF2-40B4-BE49-F238E27FC236}">
+                <a16:creationId xmlns:a16="http://schemas.microsoft.com/office/drawing/2014/main" id="{8E5CCC5A-0A6E-49FB-6E8D-216841355997}"/>
+              </a:ext>
+            </a:extLst>
+          </p:cNvPr>
+          <p:cNvSpPr txBox="1"/>
+          <p:nvPr/>
+        </p:nvSpPr>
+        <p:spPr>
+          <a:xfrm>
+            <a:off x="2590798" y="4461530"/>
+            <a:ext cx="3015915" cy="369332"/>
+          </a:xfrm>
+          <a:prstGeom prst="rect">
+            <a:avLst/>
+          </a:prstGeom>
+          <a:noFill/>
+        </p:spPr>
+        <p:txBody>
+          <a:bodyPr wrap="square" rtlCol="0">
+            <a:spAutoFit/>
+          </a:bodyPr>
+          <a:lstStyle/>
+          <a:p>
+            <a:r>
+              <a:rPr lang="en-IN" b="1" dirty="0"/>
+              <a:t>RAF/MEK Pathway</a:t>
+            </a:r>
+          </a:p>
+        </p:txBody>
+      </p:sp>
+      <p:sp>
+        <p:nvSpPr>
+          <p:cNvPr id="47" name="TextBox 46">
+            <a:extLst>
+              <a:ext uri="{FF2B5EF4-FFF2-40B4-BE49-F238E27FC236}">
+                <a16:creationId xmlns:a16="http://schemas.microsoft.com/office/drawing/2014/main" id="{618FDFBF-B1E3-8DEA-E50B-CAD78517BD52}"/>
+              </a:ext>
+            </a:extLst>
+          </p:cNvPr>
+          <p:cNvSpPr txBox="1"/>
+          <p:nvPr/>
+        </p:nvSpPr>
+        <p:spPr>
+          <a:xfrm>
+            <a:off x="8819142" y="3963717"/>
+            <a:ext cx="3015915" cy="369332"/>
+          </a:xfrm>
+          <a:prstGeom prst="rect">
+            <a:avLst/>
+          </a:prstGeom>
+          <a:noFill/>
+        </p:spPr>
+        <p:txBody>
+          <a:bodyPr wrap="square" rtlCol="0">
+            <a:spAutoFit/>
+          </a:bodyPr>
+          <a:lstStyle/>
+          <a:p>
+            <a:r>
+              <a:rPr lang="en-IN" b="1" dirty="0"/>
+              <a:t>Apoptosis Pathway</a:t>
+            </a:r>
+          </a:p>
+        </p:txBody>
+      </p:sp>
+      <p:sp>
+        <p:nvSpPr>
+          <p:cNvPr id="48" name="TextBox 47">
+            <a:extLst>
+              <a:ext uri="{FF2B5EF4-FFF2-40B4-BE49-F238E27FC236}">
+                <a16:creationId xmlns:a16="http://schemas.microsoft.com/office/drawing/2014/main" id="{5234AFDC-D712-8774-FF1E-454E2F2C35EE}"/>
+              </a:ext>
+            </a:extLst>
+          </p:cNvPr>
+          <p:cNvSpPr txBox="1"/>
+          <p:nvPr/>
+        </p:nvSpPr>
+        <p:spPr>
+          <a:xfrm>
+            <a:off x="5303921" y="4579657"/>
+            <a:ext cx="978568" cy="369332"/>
+          </a:xfrm>
+          <a:prstGeom prst="rect">
+            <a:avLst/>
+          </a:prstGeom>
+          <a:noFill/>
+        </p:spPr>
+        <p:txBody>
+          <a:bodyPr wrap="square" rtlCol="0">
+            <a:spAutoFit/>
+          </a:bodyPr>
+          <a:lstStyle/>
+          <a:p>
+            <a:r>
+              <a:rPr lang="en-IN" b="1" dirty="0"/>
+              <a:t>NOTCH</a:t>
+            </a:r>
+          </a:p>
+        </p:txBody>
+      </p:sp>
+      <p:cxnSp>
+        <p:nvCxnSpPr>
+          <p:cNvPr id="50" name="Straight Arrow Connector 49">
+            <a:extLst>
+              <a:ext uri="{FF2B5EF4-FFF2-40B4-BE49-F238E27FC236}">
+                <a16:creationId xmlns:a16="http://schemas.microsoft.com/office/drawing/2014/main" id="{6F43AE3F-2551-CD27-10A5-6185CA523E20}"/>
+              </a:ext>
+            </a:extLst>
+          </p:cNvPr>
+          <p:cNvCxnSpPr>
+            <a:stCxn id="9" idx="2"/>
+            <a:endCxn id="11" idx="1"/>
+          </p:cNvCxnSpPr>
+          <p:nvPr/>
+        </p:nvCxnSpPr>
+        <p:spPr>
+          <a:xfrm>
+            <a:off x="8526379" y="1173080"/>
+            <a:ext cx="649707" cy="543426"/>
+          </a:xfrm>
+          <a:prstGeom prst="straightConnector1">
+            <a:avLst/>
+          </a:prstGeom>
+          <a:ln>
+            <a:tailEnd type="triangle"/>
+          </a:ln>
+        </p:spPr>
+        <p:style>
+          <a:lnRef idx="3">
+            <a:schemeClr val="dk1"/>
+          </a:lnRef>
+          <a:fillRef idx="0">
+            <a:schemeClr val="dk1"/>
+          </a:fillRef>
+          <a:effectRef idx="2">
+            <a:schemeClr val="dk1"/>
+          </a:effectRef>
+          <a:fontRef idx="minor">
+            <a:schemeClr val="tx1"/>
+          </a:fontRef>
+        </p:style>
+      </p:cxnSp>
+      <p:cxnSp>
+        <p:nvCxnSpPr>
+          <p:cNvPr id="52" name="Straight Arrow Connector 51">
+            <a:extLst>
+              <a:ext uri="{FF2B5EF4-FFF2-40B4-BE49-F238E27FC236}">
+                <a16:creationId xmlns:a16="http://schemas.microsoft.com/office/drawing/2014/main" id="{C8FD95B4-7F0B-44DD-0A53-8B6E39884988}"/>
+              </a:ext>
+            </a:extLst>
+          </p:cNvPr>
+          <p:cNvCxnSpPr>
+            <a:stCxn id="10" idx="2"/>
+            <a:endCxn id="11" idx="3"/>
+          </p:cNvCxnSpPr>
+          <p:nvPr/>
+        </p:nvCxnSpPr>
+        <p:spPr>
+          <a:xfrm flipH="1">
+            <a:off x="10587791" y="1119939"/>
+            <a:ext cx="280735" cy="596567"/>
+          </a:xfrm>
+          <a:prstGeom prst="straightConnector1">
+            <a:avLst/>
+          </a:prstGeom>
+          <a:ln>
+            <a:tailEnd type="triangle"/>
+          </a:ln>
+        </p:spPr>
+        <p:style>
+          <a:lnRef idx="3">
+            <a:schemeClr val="dk1"/>
+          </a:lnRef>
+          <a:fillRef idx="0">
+            <a:schemeClr val="dk1"/>
+          </a:fillRef>
+          <a:effectRef idx="2">
+            <a:schemeClr val="dk1"/>
+          </a:effectRef>
+          <a:fontRef idx="minor">
+            <a:schemeClr val="tx1"/>
+          </a:fontRef>
+        </p:style>
+      </p:cxnSp>
+      <p:cxnSp>
+        <p:nvCxnSpPr>
+          <p:cNvPr id="54" name="Straight Arrow Connector 53">
+            <a:extLst>
+              <a:ext uri="{FF2B5EF4-FFF2-40B4-BE49-F238E27FC236}">
+                <a16:creationId xmlns:a16="http://schemas.microsoft.com/office/drawing/2014/main" id="{C095867E-704D-A26D-5CED-4E19917FF610}"/>
+              </a:ext>
+            </a:extLst>
+          </p:cNvPr>
+          <p:cNvCxnSpPr>
+            <a:stCxn id="11" idx="2"/>
+            <a:endCxn id="12" idx="0"/>
+          </p:cNvCxnSpPr>
+          <p:nvPr/>
+        </p:nvCxnSpPr>
+        <p:spPr>
+          <a:xfrm flipH="1">
+            <a:off x="9881938" y="2061411"/>
+            <a:ext cx="1" cy="245640"/>
+          </a:xfrm>
+          <a:prstGeom prst="straightConnector1">
+            <a:avLst/>
+          </a:prstGeom>
+          <a:ln>
+            <a:tailEnd type="triangle"/>
+          </a:ln>
+        </p:spPr>
+        <p:style>
+          <a:lnRef idx="3">
+            <a:schemeClr val="dk1"/>
+          </a:lnRef>
+          <a:fillRef idx="0">
+            <a:schemeClr val="dk1"/>
+          </a:fillRef>
+          <a:effectRef idx="2">
+            <a:schemeClr val="dk1"/>
+          </a:effectRef>
+          <a:fontRef idx="minor">
+            <a:schemeClr val="tx1"/>
+          </a:fontRef>
+        </p:style>
+      </p:cxnSp>
+      <p:cxnSp>
+        <p:nvCxnSpPr>
+          <p:cNvPr id="56" name="Straight Connector 55">
+            <a:extLst>
+              <a:ext uri="{FF2B5EF4-FFF2-40B4-BE49-F238E27FC236}">
+                <a16:creationId xmlns:a16="http://schemas.microsoft.com/office/drawing/2014/main" id="{E4DBCC81-FAD1-0BC3-5837-F445EECE24A8}"/>
+              </a:ext>
+            </a:extLst>
+          </p:cNvPr>
+          <p:cNvCxnSpPr>
+            <a:stCxn id="12" idx="2"/>
+            <a:endCxn id="13" idx="0"/>
+          </p:cNvCxnSpPr>
+          <p:nvPr/>
+        </p:nvCxnSpPr>
+        <p:spPr>
+          <a:xfrm>
+            <a:off x="9881938" y="2996862"/>
+            <a:ext cx="56145" cy="256671"/>
+          </a:xfrm>
+          <a:prstGeom prst="line">
             <a:avLst/>
           </a:prstGeom>
         </p:spPr>
         <p:style>
-          <a:lnRef idx="2">
-            <a:schemeClr val="accent2">
-              <a:shade val="15000"/>
-            </a:schemeClr>
+          <a:lnRef idx="3">
+            <a:schemeClr val="dk1"/>
           </a:lnRef>
-          <a:fillRef idx="1">
-            <a:schemeClr val="accent2"/>
+          <a:fillRef idx="0">
+            <a:schemeClr val="dk1"/>
           </a:fillRef>
-          <a:effectRef idx="0">
-            <a:schemeClr val="accent2"/>
+          <a:effectRef idx="2">
+            <a:schemeClr val="dk1"/>
           </a:effectRef>
           <a:fontRef idx="minor">
-            <a:schemeClr val="lt1"/>
+            <a:schemeClr val="tx1"/>
           </a:fontRef>
         </p:style>
-        <p:txBody>
-          <a:bodyPr rtlCol="0" anchor="ctr"/>
-          <a:lstStyle/>
-          <a:p>
-            <a:pPr algn="ctr"/>
-            <a:endParaRPr lang="en-IN"/>
-          </a:p>
-        </p:txBody>
-      </p:sp>
-      <p:sp>
-        <p:nvSpPr>
-          <p:cNvPr id="70" name="Arrow: Down 69">
-            <a:extLst>
-              <a:ext uri="{FF2B5EF4-FFF2-40B4-BE49-F238E27FC236}">
-                <a16:creationId xmlns:a16="http://schemas.microsoft.com/office/drawing/2014/main" id="{7084D4BF-B8D6-FB0F-FA55-8AB0A35E37A9}"/>
-              </a:ext>
-            </a:extLst>
-          </p:cNvPr>
-          <p:cNvSpPr/>
-          <p:nvPr/>
-        </p:nvSpPr>
-        <p:spPr>
-          <a:xfrm>
-            <a:off x="8243066" y="4327415"/>
-            <a:ext cx="269998" cy="371026"/>
-          </a:xfrm>
-          <a:prstGeom prst="downArrow">
-            <a:avLst/>
-          </a:prstGeom>
-        </p:spPr>
-        <p:style>
-          <a:lnRef idx="2">
-            <a:schemeClr val="accent2">
-              <a:shade val="15000"/>
-            </a:schemeClr>
-          </a:lnRef>
-          <a:fillRef idx="1">
-            <a:schemeClr val="accent2"/>
-          </a:fillRef>
-          <a:effectRef idx="0">
-            <a:schemeClr val="accent2"/>
-          </a:effectRef>
-          <a:fontRef idx="minor">
-            <a:schemeClr val="lt1"/>
-          </a:fontRef>
-        </p:style>
-        <p:txBody>
-          <a:bodyPr rtlCol="0" anchor="ctr"/>
-          <a:lstStyle/>
-          <a:p>
-            <a:pPr algn="ctr"/>
-            <a:endParaRPr lang="en-IN"/>
-          </a:p>
-        </p:txBody>
-      </p:sp>
-      <p:sp>
-        <p:nvSpPr>
-          <p:cNvPr id="71" name="Arrow: Down 70">
-            <a:extLst>
-              <a:ext uri="{FF2B5EF4-FFF2-40B4-BE49-F238E27FC236}">
-                <a16:creationId xmlns:a16="http://schemas.microsoft.com/office/drawing/2014/main" id="{E311BC38-34E1-E364-F042-2C78EF5F1F4D}"/>
-              </a:ext>
-            </a:extLst>
-          </p:cNvPr>
-          <p:cNvSpPr/>
-          <p:nvPr/>
-        </p:nvSpPr>
-        <p:spPr>
-          <a:xfrm>
-            <a:off x="8243066" y="5324005"/>
-            <a:ext cx="387588" cy="1008505"/>
-          </a:xfrm>
-          <a:prstGeom prst="downArrow">
-            <a:avLst/>
-          </a:prstGeom>
-        </p:spPr>
-        <p:style>
-          <a:lnRef idx="1">
-            <a:schemeClr val="accent4"/>
-          </a:lnRef>
-          <a:fillRef idx="3">
-            <a:schemeClr val="accent4"/>
-          </a:fillRef>
-          <a:effectRef idx="2">
-            <a:schemeClr val="accent4"/>
-          </a:effectRef>
-          <a:fontRef idx="minor">
-            <a:schemeClr val="lt1"/>
-          </a:fontRef>
-        </p:style>
-        <p:txBody>
-          <a:bodyPr rtlCol="0" anchor="ctr"/>
-          <a:lstStyle/>
-          <a:p>
-            <a:pPr algn="ctr"/>
-            <a:endParaRPr lang="en-IN"/>
-          </a:p>
-        </p:txBody>
-      </p:sp>
-      <p:sp>
-        <p:nvSpPr>
-          <p:cNvPr id="72" name="Arrow: Down 71">
-            <a:extLst>
-              <a:ext uri="{FF2B5EF4-FFF2-40B4-BE49-F238E27FC236}">
-                <a16:creationId xmlns:a16="http://schemas.microsoft.com/office/drawing/2014/main" id="{B94F614B-190F-8B55-A822-FE0D6527E390}"/>
-              </a:ext>
-            </a:extLst>
-          </p:cNvPr>
-          <p:cNvSpPr/>
-          <p:nvPr/>
-        </p:nvSpPr>
-        <p:spPr>
-          <a:xfrm>
-            <a:off x="8209109" y="1236899"/>
-            <a:ext cx="266979" cy="581911"/>
-          </a:xfrm>
-          <a:prstGeom prst="downArrow">
-            <a:avLst/>
-          </a:prstGeom>
-        </p:spPr>
-        <p:style>
-          <a:lnRef idx="2">
-            <a:schemeClr val="accent2">
-              <a:shade val="15000"/>
-            </a:schemeClr>
-          </a:lnRef>
-          <a:fillRef idx="1">
-            <a:schemeClr val="accent2"/>
-          </a:fillRef>
-          <a:effectRef idx="0">
-            <a:schemeClr val="accent2"/>
-          </a:effectRef>
-          <a:fontRef idx="minor">
-            <a:schemeClr val="lt1"/>
-          </a:fontRef>
-        </p:style>
-        <p:txBody>
-          <a:bodyPr rtlCol="0" anchor="ctr"/>
-          <a:lstStyle/>
-          <a:p>
-            <a:pPr algn="ctr"/>
-            <a:endParaRPr lang="en-IN"/>
-          </a:p>
-        </p:txBody>
-      </p:sp>
-      <p:sp>
-        <p:nvSpPr>
-          <p:cNvPr id="76" name="Rectangle: Rounded Corners 75">
-            <a:extLst>
-              <a:ext uri="{FF2B5EF4-FFF2-40B4-BE49-F238E27FC236}">
-                <a16:creationId xmlns:a16="http://schemas.microsoft.com/office/drawing/2014/main" id="{DD98C7F6-A751-0CA4-3E59-7D94F5ADB172}"/>
-              </a:ext>
-            </a:extLst>
-          </p:cNvPr>
-          <p:cNvSpPr/>
-          <p:nvPr/>
-        </p:nvSpPr>
-        <p:spPr>
-          <a:xfrm>
-            <a:off x="737937" y="60236"/>
-            <a:ext cx="1406548" cy="349399"/>
-          </a:xfrm>
-          <a:prstGeom prst="roundRect">
-            <a:avLst/>
-          </a:prstGeom>
-          <a:solidFill>
-            <a:srgbClr val="20E825"/>
-          </a:solidFill>
-        </p:spPr>
-        <p:style>
-          <a:lnRef idx="2">
-            <a:schemeClr val="accent1">
-              <a:shade val="15000"/>
-            </a:schemeClr>
-          </a:lnRef>
-          <a:fillRef idx="1">
-            <a:schemeClr val="accent1"/>
-          </a:fillRef>
-          <a:effectRef idx="0">
-            <a:schemeClr val="accent1"/>
-          </a:effectRef>
-          <a:fontRef idx="minor">
-            <a:schemeClr val="lt1"/>
-          </a:fontRef>
-        </p:style>
-        <p:txBody>
-          <a:bodyPr rtlCol="0" anchor="ctr"/>
-          <a:lstStyle/>
-          <a:p>
-            <a:pPr algn="ctr"/>
-            <a:r>
-              <a:rPr lang="en-IN" dirty="0"/>
-              <a:t>EGFR</a:t>
-            </a:r>
-          </a:p>
-        </p:txBody>
-      </p:sp>
-      <p:sp>
-        <p:nvSpPr>
-          <p:cNvPr id="77" name="Rectangle: Rounded Corners 76">
-            <a:extLst>
-              <a:ext uri="{FF2B5EF4-FFF2-40B4-BE49-F238E27FC236}">
-                <a16:creationId xmlns:a16="http://schemas.microsoft.com/office/drawing/2014/main" id="{57B40861-0852-DC70-81B3-2EA7B92DDEAC}"/>
-              </a:ext>
-            </a:extLst>
-          </p:cNvPr>
-          <p:cNvSpPr/>
-          <p:nvPr/>
-        </p:nvSpPr>
-        <p:spPr>
-          <a:xfrm>
-            <a:off x="6425838" y="37316"/>
-            <a:ext cx="1406548" cy="349399"/>
-          </a:xfrm>
-          <a:prstGeom prst="roundRect">
-            <a:avLst/>
-          </a:prstGeom>
-          <a:solidFill>
-            <a:srgbClr val="20E825"/>
-          </a:solidFill>
-        </p:spPr>
-        <p:style>
-          <a:lnRef idx="2">
-            <a:schemeClr val="accent1">
-              <a:shade val="15000"/>
-            </a:schemeClr>
-          </a:lnRef>
-          <a:fillRef idx="1">
-            <a:schemeClr val="accent1"/>
-          </a:fillRef>
-          <a:effectRef idx="0">
-            <a:schemeClr val="accent1"/>
-          </a:effectRef>
-          <a:fontRef idx="minor">
-            <a:schemeClr val="lt1"/>
-          </a:fontRef>
-        </p:style>
-        <p:txBody>
-          <a:bodyPr rtlCol="0" anchor="ctr"/>
-          <a:lstStyle/>
-          <a:p>
-            <a:pPr algn="ctr"/>
-            <a:r>
-              <a:rPr lang="en-IN" dirty="0"/>
-              <a:t>HER2</a:t>
-            </a:r>
-          </a:p>
-        </p:txBody>
-      </p:sp>
-      <p:sp>
-        <p:nvSpPr>
-          <p:cNvPr id="78" name="Rectangle: Rounded Corners 77">
-            <a:extLst>
-              <a:ext uri="{FF2B5EF4-FFF2-40B4-BE49-F238E27FC236}">
-                <a16:creationId xmlns:a16="http://schemas.microsoft.com/office/drawing/2014/main" id="{B4773C46-C5B7-27C5-CD78-4EB017BC2CEF}"/>
-              </a:ext>
-            </a:extLst>
-          </p:cNvPr>
-          <p:cNvSpPr/>
-          <p:nvPr/>
-        </p:nvSpPr>
-        <p:spPr>
-          <a:xfrm>
-            <a:off x="9294819" y="37315"/>
-            <a:ext cx="1406548" cy="349399"/>
-          </a:xfrm>
-          <a:prstGeom prst="roundRect">
-            <a:avLst/>
-          </a:prstGeom>
-          <a:solidFill>
-            <a:srgbClr val="20E825"/>
-          </a:solidFill>
-        </p:spPr>
-        <p:style>
-          <a:lnRef idx="2">
-            <a:schemeClr val="accent1">
-              <a:shade val="15000"/>
-            </a:schemeClr>
-          </a:lnRef>
-          <a:fillRef idx="1">
-            <a:schemeClr val="accent1"/>
-          </a:fillRef>
-          <a:effectRef idx="0">
-            <a:schemeClr val="accent1"/>
-          </a:effectRef>
-          <a:fontRef idx="minor">
-            <a:schemeClr val="lt1"/>
-          </a:fontRef>
-        </p:style>
-        <p:txBody>
-          <a:bodyPr rtlCol="0" anchor="ctr"/>
-          <a:lstStyle/>
-          <a:p>
-            <a:pPr algn="ctr"/>
-            <a:r>
-              <a:rPr lang="en-IN" dirty="0"/>
-              <a:t>IGF-1R</a:t>
-            </a:r>
-          </a:p>
-        </p:txBody>
-      </p:sp>
+      </p:cxnSp>
     </p:spTree>
     <p:extLst>
       <p:ext uri="{BB962C8B-B14F-4D97-AF65-F5344CB8AC3E}">
-        <p14:creationId xmlns:p14="http://schemas.microsoft.com/office/powerpoint/2010/main" val="3017863055"/>
+        <p14:creationId xmlns:p14="http://schemas.microsoft.com/office/powerpoint/2010/main" val="185403967"/>
       </p:ext>
     </p:extLst>
   </p:cSld>
@@ -6115,9 +5452,6 @@
                     <p:cTn id="3" fill="hold">
                       <p:stCondLst>
                         <p:cond delay="indefinite"/>
-                        <p:cond evt="onBegin" delay="0">
-                          <p:tn val="2"/>
-                        </p:cond>
                       </p:stCondLst>
                       <p:childTnLst>
                         <p:par>
@@ -6127,7 +5461,7 @@
                             </p:stCondLst>
                             <p:childTnLst>
                               <p:par>
-                                <p:cTn id="5" presetID="10" presetClass="entr" presetSubtype="0" fill="hold" nodeType="withEffect">
+                                <p:cTn id="5" presetID="10" presetClass="entr" presetSubtype="0" fill="hold" grpId="0" nodeType="clickEffect">
                                   <p:stCondLst>
                                     <p:cond delay="0"/>
                                   </p:stCondLst>
@@ -6140,7 +5474,7 @@
                                           </p:stCondLst>
                                         </p:cTn>
                                         <p:tgtEl>
-                                          <p:spTgt spid="5"/>
+                                          <p:spTgt spid="44"/>
                                         </p:tgtEl>
                                         <p:attrNameLst>
                                           <p:attrName>style.visibility</p:attrName>
@@ -6154,213 +5488,7 @@
                                       <p:cBhvr>
                                         <p:cTn id="7" dur="500"/>
                                         <p:tgtEl>
-                                          <p:spTgt spid="5"/>
-                                        </p:tgtEl>
-                                      </p:cBhvr>
-                                    </p:animEffect>
-                                  </p:childTnLst>
-                                </p:cTn>
-                              </p:par>
-                            </p:childTnLst>
-                          </p:cTn>
-                        </p:par>
-                        <p:par>
-                          <p:cTn id="8" fill="hold">
-                            <p:stCondLst>
-                              <p:cond delay="500"/>
-                            </p:stCondLst>
-                            <p:childTnLst>
-                              <p:par>
-                                <p:cTn id="9" presetID="53" presetClass="entr" presetSubtype="16" fill="hold" nodeType="afterEffect">
-                                  <p:stCondLst>
-                                    <p:cond delay="0"/>
-                                  </p:stCondLst>
-                                  <p:childTnLst>
-                                    <p:set>
-                                      <p:cBhvr>
-                                        <p:cTn id="10" dur="1" fill="hold">
-                                          <p:stCondLst>
-                                            <p:cond delay="0"/>
-                                          </p:stCondLst>
-                                        </p:cTn>
-                                        <p:tgtEl>
-                                          <p:spTgt spid="9"/>
-                                        </p:tgtEl>
-                                        <p:attrNameLst>
-                                          <p:attrName>style.visibility</p:attrName>
-                                        </p:attrNameLst>
-                                      </p:cBhvr>
-                                      <p:to>
-                                        <p:strVal val="visible"/>
-                                      </p:to>
-                                    </p:set>
-                                    <p:anim calcmode="lin" valueType="num">
-                                      <p:cBhvr>
-                                        <p:cTn id="11" dur="500" fill="hold"/>
-                                        <p:tgtEl>
-                                          <p:spTgt spid="9"/>
-                                        </p:tgtEl>
-                                        <p:attrNameLst>
-                                          <p:attrName>ppt_w</p:attrName>
-                                        </p:attrNameLst>
-                                      </p:cBhvr>
-                                      <p:tavLst>
-                                        <p:tav tm="0">
-                                          <p:val>
-                                            <p:fltVal val="0"/>
-                                          </p:val>
-                                        </p:tav>
-                                        <p:tav tm="100000">
-                                          <p:val>
-                                            <p:strVal val="#ppt_w"/>
-                                          </p:val>
-                                        </p:tav>
-                                      </p:tavLst>
-                                    </p:anim>
-                                    <p:anim calcmode="lin" valueType="num">
-                                      <p:cBhvr>
-                                        <p:cTn id="12" dur="500" fill="hold"/>
-                                        <p:tgtEl>
-                                          <p:spTgt spid="9"/>
-                                        </p:tgtEl>
-                                        <p:attrNameLst>
-                                          <p:attrName>ppt_h</p:attrName>
-                                        </p:attrNameLst>
-                                      </p:cBhvr>
-                                      <p:tavLst>
-                                        <p:tav tm="0">
-                                          <p:val>
-                                            <p:fltVal val="0"/>
-                                          </p:val>
-                                        </p:tav>
-                                        <p:tav tm="100000">
-                                          <p:val>
-                                            <p:strVal val="#ppt_h"/>
-                                          </p:val>
-                                        </p:tav>
-                                      </p:tavLst>
-                                    </p:anim>
-                                    <p:animEffect transition="in" filter="fade">
-                                      <p:cBhvr>
-                                        <p:cTn id="13" dur="500"/>
-                                        <p:tgtEl>
-                                          <p:spTgt spid="9"/>
-                                        </p:tgtEl>
-                                      </p:cBhvr>
-                                    </p:animEffect>
-                                  </p:childTnLst>
-                                </p:cTn>
-                              </p:par>
-                              <p:par>
-                                <p:cTn id="14" presetID="53" presetClass="entr" presetSubtype="16" fill="hold" nodeType="withEffect">
-                                  <p:stCondLst>
-                                    <p:cond delay="0"/>
-                                  </p:stCondLst>
-                                  <p:childTnLst>
-                                    <p:set>
-                                      <p:cBhvr>
-                                        <p:cTn id="15" dur="1" fill="hold">
-                                          <p:stCondLst>
-                                            <p:cond delay="0"/>
-                                          </p:stCondLst>
-                                        </p:cTn>
-                                        <p:tgtEl>
-                                          <p:spTgt spid="10"/>
-                                        </p:tgtEl>
-                                        <p:attrNameLst>
-                                          <p:attrName>style.visibility</p:attrName>
-                                        </p:attrNameLst>
-                                      </p:cBhvr>
-                                      <p:to>
-                                        <p:strVal val="visible"/>
-                                      </p:to>
-                                    </p:set>
-                                    <p:anim calcmode="lin" valueType="num">
-                                      <p:cBhvr>
-                                        <p:cTn id="16" dur="500" fill="hold"/>
-                                        <p:tgtEl>
-                                          <p:spTgt spid="10"/>
-                                        </p:tgtEl>
-                                        <p:attrNameLst>
-                                          <p:attrName>ppt_w</p:attrName>
-                                        </p:attrNameLst>
-                                      </p:cBhvr>
-                                      <p:tavLst>
-                                        <p:tav tm="0">
-                                          <p:val>
-                                            <p:fltVal val="0"/>
-                                          </p:val>
-                                        </p:tav>
-                                        <p:tav tm="100000">
-                                          <p:val>
-                                            <p:strVal val="#ppt_w"/>
-                                          </p:val>
-                                        </p:tav>
-                                      </p:tavLst>
-                                    </p:anim>
-                                    <p:anim calcmode="lin" valueType="num">
-                                      <p:cBhvr>
-                                        <p:cTn id="17" dur="500" fill="hold"/>
-                                        <p:tgtEl>
-                                          <p:spTgt spid="10"/>
-                                        </p:tgtEl>
-                                        <p:attrNameLst>
-                                          <p:attrName>ppt_h</p:attrName>
-                                        </p:attrNameLst>
-                                      </p:cBhvr>
-                                      <p:tavLst>
-                                        <p:tav tm="0">
-                                          <p:val>
-                                            <p:fltVal val="0"/>
-                                          </p:val>
-                                        </p:tav>
-                                        <p:tav tm="100000">
-                                          <p:val>
-                                            <p:strVal val="#ppt_h"/>
-                                          </p:val>
-                                        </p:tav>
-                                      </p:tavLst>
-                                    </p:anim>
-                                    <p:animEffect transition="in" filter="fade">
-                                      <p:cBhvr>
-                                        <p:cTn id="18" dur="500"/>
-                                        <p:tgtEl>
-                                          <p:spTgt spid="10"/>
-                                        </p:tgtEl>
-                                      </p:cBhvr>
-                                    </p:animEffect>
-                                  </p:childTnLst>
-                                </p:cTn>
-                              </p:par>
-                              <p:par>
-                                <p:cTn id="19" presetID="22" presetClass="entr" presetSubtype="4" fill="hold" grpId="0" nodeType="withEffect">
-                                  <p:stCondLst>
-                                    <p:cond delay="0"/>
-                                  </p:stCondLst>
-                                  <p:childTnLst>
-                                    <p:set>
-                                      <p:cBhvr>
-                                        <p:cTn id="20" dur="1" fill="hold">
-                                          <p:stCondLst>
-                                            <p:cond delay="0"/>
-                                          </p:stCondLst>
-                                        </p:cTn>
-                                        <p:tgtEl>
-                                          <p:spTgt spid="11"/>
-                                        </p:tgtEl>
-                                        <p:attrNameLst>
-                                          <p:attrName>style.visibility</p:attrName>
-                                        </p:attrNameLst>
-                                      </p:cBhvr>
-                                      <p:to>
-                                        <p:strVal val="visible"/>
-                                      </p:to>
-                                    </p:set>
-                                    <p:animEffect transition="in" filter="wipe(down)">
-                                      <p:cBhvr>
-                                        <p:cTn id="21" dur="500"/>
-                                        <p:tgtEl>
-                                          <p:spTgt spid="11"/>
+                                          <p:spTgt spid="44"/>
                                         </p:tgtEl>
                                       </p:cBhvr>
                                     </p:animEffect>
@@ -6374,307 +5502,32 @@
                     </p:cTn>
                   </p:par>
                   <p:par>
-                    <p:cTn id="22" fill="hold">
+                    <p:cTn id="8" fill="hold">
                       <p:stCondLst>
                         <p:cond delay="indefinite"/>
                       </p:stCondLst>
                       <p:childTnLst>
                         <p:par>
-                          <p:cTn id="23" fill="hold">
+                          <p:cTn id="9" fill="hold">
                             <p:stCondLst>
                               <p:cond delay="0"/>
                             </p:stCondLst>
                             <p:childTnLst>
                               <p:par>
-                                <p:cTn id="24" presetID="26" presetClass="emph" presetSubtype="0" fill="hold" grpId="0" nodeType="clickEffect">
-                                  <p:stCondLst>
-                                    <p:cond delay="0"/>
-                                  </p:stCondLst>
-                                  <p:childTnLst>
-                                    <p:animEffect transition="out" filter="fade">
-                                      <p:cBhvr>
-                                        <p:cTn id="25" dur="500" tmFilter="0, 0; .2, .5; .8, .5; 1, 0"/>
-                                        <p:tgtEl>
-                                          <p:spTgt spid="12"/>
-                                        </p:tgtEl>
-                                      </p:cBhvr>
-                                    </p:animEffect>
-                                    <p:animScale>
-                                      <p:cBhvr>
-                                        <p:cTn id="26" dur="250" autoRev="1" fill="hold"/>
-                                        <p:tgtEl>
-                                          <p:spTgt spid="12"/>
-                                        </p:tgtEl>
-                                      </p:cBhvr>
-                                      <p:by x="105000" y="105000"/>
-                                    </p:animScale>
-                                  </p:childTnLst>
-                                </p:cTn>
-                              </p:par>
-                              <p:par>
-                                <p:cTn id="27" presetID="27" presetClass="emph" presetSubtype="0" fill="remove" grpId="0" nodeType="withEffect">
-                                  <p:stCondLst>
-                                    <p:cond delay="0"/>
-                                  </p:stCondLst>
-                                  <p:childTnLst>
-                                    <p:animClr clrSpc="rgb" dir="cw">
-                                      <p:cBhvr override="childStyle">
-                                        <p:cTn id="28" dur="250" autoRev="1" fill="remove"/>
-                                        <p:tgtEl>
-                                          <p:spTgt spid="76"/>
-                                        </p:tgtEl>
-                                        <p:attrNameLst>
-                                          <p:attrName>style.color</p:attrName>
-                                        </p:attrNameLst>
-                                      </p:cBhvr>
-                                      <p:to>
-                                        <a:schemeClr val="bg1"/>
-                                      </p:to>
-                                    </p:animClr>
-                                    <p:animClr clrSpc="rgb" dir="cw">
-                                      <p:cBhvr>
-                                        <p:cTn id="29" dur="250" autoRev="1" fill="remove"/>
-                                        <p:tgtEl>
-                                          <p:spTgt spid="76"/>
-                                        </p:tgtEl>
-                                        <p:attrNameLst>
-                                          <p:attrName>fillcolor</p:attrName>
-                                        </p:attrNameLst>
-                                      </p:cBhvr>
-                                      <p:to>
-                                        <a:schemeClr val="bg1"/>
-                                      </p:to>
-                                    </p:animClr>
-                                    <p:set>
-                                      <p:cBhvr>
-                                        <p:cTn id="30" dur="250" autoRev="1" fill="remove"/>
-                                        <p:tgtEl>
-                                          <p:spTgt spid="76"/>
-                                        </p:tgtEl>
-                                        <p:attrNameLst>
-                                          <p:attrName>fill.type</p:attrName>
-                                        </p:attrNameLst>
-                                      </p:cBhvr>
-                                      <p:to>
-                                        <p:strVal val="solid"/>
-                                      </p:to>
-                                    </p:set>
-                                    <p:set>
-                                      <p:cBhvr>
-                                        <p:cTn id="31" dur="250" autoRev="1" fill="remove"/>
-                                        <p:tgtEl>
-                                          <p:spTgt spid="76"/>
-                                        </p:tgtEl>
-                                        <p:attrNameLst>
-                                          <p:attrName>fill.on</p:attrName>
-                                        </p:attrNameLst>
-                                      </p:cBhvr>
-                                      <p:to>
-                                        <p:strVal val="true"/>
-                                      </p:to>
-                                    </p:set>
-                                  </p:childTnLst>
-                                </p:cTn>
-                              </p:par>
-                            </p:childTnLst>
-                          </p:cTn>
-                        </p:par>
-                      </p:childTnLst>
-                    </p:cTn>
-                  </p:par>
-                  <p:par>
-                    <p:cTn id="32" fill="hold">
-                      <p:stCondLst>
-                        <p:cond delay="indefinite"/>
-                      </p:stCondLst>
-                      <p:childTnLst>
-                        <p:par>
-                          <p:cTn id="33" fill="hold">
-                            <p:stCondLst>
-                              <p:cond delay="0"/>
-                            </p:stCondLst>
-                            <p:childTnLst>
-                              <p:par>
-                                <p:cTn id="34" presetID="27" presetClass="emph" presetSubtype="0" fill="remove" grpId="0" nodeType="clickEffect">
-                                  <p:stCondLst>
-                                    <p:cond delay="0"/>
-                                  </p:stCondLst>
-                                  <p:childTnLst>
-                                    <p:animClr clrSpc="rgb" dir="cw">
-                                      <p:cBhvr override="childStyle">
-                                        <p:cTn id="35" dur="250" autoRev="1" fill="remove"/>
-                                        <p:tgtEl>
-                                          <p:spTgt spid="77"/>
-                                        </p:tgtEl>
-                                        <p:attrNameLst>
-                                          <p:attrName>style.color</p:attrName>
-                                        </p:attrNameLst>
-                                      </p:cBhvr>
-                                      <p:to>
-                                        <a:schemeClr val="bg1"/>
-                                      </p:to>
-                                    </p:animClr>
-                                    <p:animClr clrSpc="rgb" dir="cw">
-                                      <p:cBhvr>
-                                        <p:cTn id="36" dur="250" autoRev="1" fill="remove"/>
-                                        <p:tgtEl>
-                                          <p:spTgt spid="77"/>
-                                        </p:tgtEl>
-                                        <p:attrNameLst>
-                                          <p:attrName>fillcolor</p:attrName>
-                                        </p:attrNameLst>
-                                      </p:cBhvr>
-                                      <p:to>
-                                        <a:schemeClr val="bg1"/>
-                                      </p:to>
-                                    </p:animClr>
-                                    <p:set>
-                                      <p:cBhvr>
-                                        <p:cTn id="37" dur="250" autoRev="1" fill="remove"/>
-                                        <p:tgtEl>
-                                          <p:spTgt spid="77"/>
-                                        </p:tgtEl>
-                                        <p:attrNameLst>
-                                          <p:attrName>fill.type</p:attrName>
-                                        </p:attrNameLst>
-                                      </p:cBhvr>
-                                      <p:to>
-                                        <p:strVal val="solid"/>
-                                      </p:to>
-                                    </p:set>
-                                    <p:set>
-                                      <p:cBhvr>
-                                        <p:cTn id="38" dur="250" autoRev="1" fill="remove"/>
-                                        <p:tgtEl>
-                                          <p:spTgt spid="77"/>
-                                        </p:tgtEl>
-                                        <p:attrNameLst>
-                                          <p:attrName>fill.on</p:attrName>
-                                        </p:attrNameLst>
-                                      </p:cBhvr>
-                                      <p:to>
-                                        <p:strVal val="true"/>
-                                      </p:to>
-                                    </p:set>
-                                  </p:childTnLst>
-                                </p:cTn>
-                              </p:par>
-                            </p:childTnLst>
-                          </p:cTn>
-                        </p:par>
-                      </p:childTnLst>
-                    </p:cTn>
-                  </p:par>
-                  <p:par>
-                    <p:cTn id="39" fill="hold">
-                      <p:stCondLst>
-                        <p:cond delay="indefinite"/>
-                      </p:stCondLst>
-                      <p:childTnLst>
-                        <p:par>
-                          <p:cTn id="40" fill="hold">
-                            <p:stCondLst>
-                              <p:cond delay="0"/>
-                            </p:stCondLst>
-                            <p:childTnLst>
-                              <p:par>
-                                <p:cTn id="41" presetID="27" presetClass="emph" presetSubtype="0" fill="remove" grpId="0" nodeType="clickEffect">
-                                  <p:stCondLst>
-                                    <p:cond delay="0"/>
-                                  </p:stCondLst>
-                                  <p:childTnLst>
-                                    <p:animClr clrSpc="rgb" dir="cw">
-                                      <p:cBhvr override="childStyle">
-                                        <p:cTn id="42" dur="250" autoRev="1" fill="remove"/>
-                                        <p:tgtEl>
-                                          <p:spTgt spid="78"/>
-                                        </p:tgtEl>
-                                        <p:attrNameLst>
-                                          <p:attrName>style.color</p:attrName>
-                                        </p:attrNameLst>
-                                      </p:cBhvr>
-                                      <p:to>
-                                        <a:schemeClr val="bg1"/>
-                                      </p:to>
-                                    </p:animClr>
-                                    <p:animClr clrSpc="rgb" dir="cw">
-                                      <p:cBhvr>
-                                        <p:cTn id="43" dur="250" autoRev="1" fill="remove"/>
-                                        <p:tgtEl>
-                                          <p:spTgt spid="78"/>
-                                        </p:tgtEl>
-                                        <p:attrNameLst>
-                                          <p:attrName>fillcolor</p:attrName>
-                                        </p:attrNameLst>
-                                      </p:cBhvr>
-                                      <p:to>
-                                        <a:schemeClr val="bg1"/>
-                                      </p:to>
-                                    </p:animClr>
-                                    <p:set>
-                                      <p:cBhvr>
-                                        <p:cTn id="44" dur="250" autoRev="1" fill="remove"/>
-                                        <p:tgtEl>
-                                          <p:spTgt spid="78"/>
-                                        </p:tgtEl>
-                                        <p:attrNameLst>
-                                          <p:attrName>fill.type</p:attrName>
-                                        </p:attrNameLst>
-                                      </p:cBhvr>
-                                      <p:to>
-                                        <p:strVal val="solid"/>
-                                      </p:to>
-                                    </p:set>
-                                    <p:set>
-                                      <p:cBhvr>
-                                        <p:cTn id="45" dur="250" autoRev="1" fill="remove"/>
-                                        <p:tgtEl>
-                                          <p:spTgt spid="78"/>
-                                        </p:tgtEl>
-                                        <p:attrNameLst>
-                                          <p:attrName>fill.on</p:attrName>
-                                        </p:attrNameLst>
-                                      </p:cBhvr>
-                                      <p:to>
-                                        <p:strVal val="true"/>
-                                      </p:to>
-                                    </p:set>
-                                  </p:childTnLst>
-                                </p:cTn>
-                              </p:par>
-                            </p:childTnLst>
-                          </p:cTn>
-                        </p:par>
-                      </p:childTnLst>
-                    </p:cTn>
-                  </p:par>
-                  <p:par>
-                    <p:cTn id="46" fill="hold">
-                      <p:stCondLst>
-                        <p:cond delay="indefinite"/>
-                      </p:stCondLst>
-                      <p:childTnLst>
-                        <p:par>
-                          <p:cTn id="47" fill="hold">
-                            <p:stCondLst>
-                              <p:cond delay="0"/>
-                            </p:stCondLst>
-                            <p:childTnLst>
-                              <p:par>
-                                <p:cTn id="48" presetID="22" presetClass="entr" presetSubtype="4" fill="hold" grpId="0" nodeType="clickEffect">
+                                <p:cTn id="10" presetID="10" presetClass="entr" presetSubtype="0" fill="hold" grpId="0" nodeType="clickEffect">
                                   <p:stCondLst>
                                     <p:cond delay="0"/>
                                   </p:stCondLst>
                                   <p:childTnLst>
                                     <p:set>
                                       <p:cBhvr>
-                                        <p:cTn id="49" dur="1" fill="hold">
+                                        <p:cTn id="11" dur="1" fill="hold">
                                           <p:stCondLst>
                                             <p:cond delay="0"/>
                                           </p:stCondLst>
                                         </p:cTn>
                                         <p:tgtEl>
-                                          <p:spTgt spid="13"/>
+                                          <p:spTgt spid="2"/>
                                         </p:tgtEl>
                                         <p:attrNameLst>
                                           <p:attrName>style.visibility</p:attrName>
@@ -6684,11 +5537,11 @@
                                         <p:strVal val="visible"/>
                                       </p:to>
                                     </p:set>
-                                    <p:animEffect transition="in" filter="wipe(down)">
-                                      <p:cBhvr>
-                                        <p:cTn id="50" dur="500"/>
-                                        <p:tgtEl>
-                                          <p:spTgt spid="13"/>
+                                    <p:animEffect transition="in" filter="fade">
+                                      <p:cBhvr>
+                                        <p:cTn id="12" dur="500"/>
+                                        <p:tgtEl>
+                                          <p:spTgt spid="2"/>
                                         </p:tgtEl>
                                       </p:cBhvr>
                                     </p:animEffect>
@@ -6702,76 +5555,32 @@
                     </p:cTn>
                   </p:par>
                   <p:par>
-                    <p:cTn id="51" fill="hold">
+                    <p:cTn id="13" fill="hold">
                       <p:stCondLst>
                         <p:cond delay="indefinite"/>
                       </p:stCondLst>
                       <p:childTnLst>
                         <p:par>
-                          <p:cTn id="52" fill="hold">
+                          <p:cTn id="14" fill="hold">
                             <p:stCondLst>
                               <p:cond delay="0"/>
                             </p:stCondLst>
                             <p:childTnLst>
                               <p:par>
-                                <p:cTn id="53" presetID="26" presetClass="emph" presetSubtype="0" fill="hold" grpId="0" nodeType="clickEffect">
-                                  <p:stCondLst>
-                                    <p:cond delay="0"/>
-                                  </p:stCondLst>
-                                  <p:childTnLst>
-                                    <p:animEffect transition="out" filter="fade">
-                                      <p:cBhvr>
-                                        <p:cTn id="54" dur="500" tmFilter="0, 0; .2, .5; .8, .5; 1, 0"/>
-                                        <p:tgtEl>
-                                          <p:spTgt spid="14"/>
-                                        </p:tgtEl>
-                                      </p:cBhvr>
-                                    </p:animEffect>
-                                    <p:animScale>
-                                      <p:cBhvr>
-                                        <p:cTn id="55" dur="250" autoRev="1" fill="hold"/>
-                                        <p:tgtEl>
-                                          <p:spTgt spid="14"/>
-                                        </p:tgtEl>
-                                      </p:cBhvr>
-                                      <p:by x="105000" y="105000"/>
-                                    </p:animScale>
-                                  </p:childTnLst>
-                                </p:cTn>
-                              </p:par>
-                            </p:childTnLst>
-                          </p:cTn>
-                        </p:par>
-                      </p:childTnLst>
-                    </p:cTn>
-                  </p:par>
-                  <p:par>
-                    <p:cTn id="56" fill="hold">
-                      <p:stCondLst>
-                        <p:cond delay="indefinite"/>
-                      </p:stCondLst>
-                      <p:childTnLst>
-                        <p:par>
-                          <p:cTn id="57" fill="hold">
-                            <p:stCondLst>
-                              <p:cond delay="0"/>
-                            </p:stCondLst>
-                            <p:childTnLst>
-                              <p:par>
-                                <p:cTn id="58" presetID="22" presetClass="entr" presetSubtype="4" fill="hold" grpId="0" nodeType="clickEffect">
+                                <p:cTn id="15" presetID="10" presetClass="entr" presetSubtype="0" fill="hold" grpId="0" nodeType="clickEffect">
                                   <p:stCondLst>
                                     <p:cond delay="0"/>
                                   </p:stCondLst>
                                   <p:childTnLst>
                                     <p:set>
                                       <p:cBhvr>
-                                        <p:cTn id="59" dur="1" fill="hold">
+                                        <p:cTn id="16" dur="1" fill="hold">
                                           <p:stCondLst>
                                             <p:cond delay="0"/>
                                           </p:stCondLst>
                                         </p:cTn>
                                         <p:tgtEl>
-                                          <p:spTgt spid="15"/>
+                                          <p:spTgt spid="3"/>
                                         </p:tgtEl>
                                         <p:attrNameLst>
                                           <p:attrName>style.visibility</p:attrName>
@@ -6781,46 +5590,11 @@
                                         <p:strVal val="visible"/>
                                       </p:to>
                                     </p:set>
-                                    <p:animEffect transition="in" filter="wipe(down)">
-                                      <p:cBhvr>
-                                        <p:cTn id="60" dur="500"/>
-                                        <p:tgtEl>
-                                          <p:spTgt spid="15"/>
-                                        </p:tgtEl>
-                                      </p:cBhvr>
-                                    </p:animEffect>
-                                  </p:childTnLst>
-                                </p:cTn>
-                              </p:par>
-                              <p:par>
-                                <p:cTn id="61" presetID="22" presetClass="entr" presetSubtype="4" fill="hold" nodeType="withEffect">
-                                  <p:stCondLst>
-                                    <p:cond delay="0"/>
-                                  </p:stCondLst>
-                                  <p:childTnLst>
-                                    <p:set>
-                                      <p:cBhvr>
-                                        <p:cTn id="62" dur="1" fill="hold">
-                                          <p:stCondLst>
-                                            <p:cond delay="0"/>
-                                          </p:stCondLst>
-                                        </p:cTn>
-                                        <p:tgtEl>
-                                          <p:spTgt spid="27"/>
-                                        </p:tgtEl>
-                                        <p:attrNameLst>
-                                          <p:attrName>style.visibility</p:attrName>
-                                        </p:attrNameLst>
-                                      </p:cBhvr>
-                                      <p:to>
-                                        <p:strVal val="visible"/>
-                                      </p:to>
-                                    </p:set>
-                                    <p:animEffect transition="in" filter="wipe(down)">
-                                      <p:cBhvr>
-                                        <p:cTn id="63" dur="500"/>
-                                        <p:tgtEl>
-                                          <p:spTgt spid="27"/>
+                                    <p:animEffect transition="in" filter="fade">
+                                      <p:cBhvr>
+                                        <p:cTn id="17" dur="500"/>
+                                        <p:tgtEl>
+                                          <p:spTgt spid="3"/>
                                         </p:tgtEl>
                                       </p:cBhvr>
                                     </p:animEffect>
@@ -6834,58 +5608,32 @@
                     </p:cTn>
                   </p:par>
                   <p:par>
-                    <p:cTn id="64" fill="hold">
+                    <p:cTn id="18" fill="hold">
                       <p:stCondLst>
                         <p:cond delay="indefinite"/>
                       </p:stCondLst>
                       <p:childTnLst>
                         <p:par>
-                          <p:cTn id="65" fill="hold">
+                          <p:cTn id="19" fill="hold">
                             <p:stCondLst>
                               <p:cond delay="0"/>
                             </p:stCondLst>
                             <p:childTnLst>
                               <p:par>
-                                <p:cTn id="66" presetID="26" presetClass="emph" presetSubtype="0" fill="hold" grpId="0" nodeType="clickEffect">
-                                  <p:stCondLst>
-                                    <p:cond delay="0"/>
-                                  </p:stCondLst>
-                                  <p:childTnLst>
-                                    <p:animEffect transition="out" filter="fade">
-                                      <p:cBhvr>
-                                        <p:cTn id="67" dur="500" tmFilter="0, 0; .2, .5; .8, .5; 1, 0"/>
-                                        <p:tgtEl>
-                                          <p:spTgt spid="16"/>
-                                        </p:tgtEl>
-                                      </p:cBhvr>
-                                    </p:animEffect>
-                                    <p:animScale>
-                                      <p:cBhvr>
-                                        <p:cTn id="68" dur="250" autoRev="1" fill="hold"/>
-                                        <p:tgtEl>
-                                          <p:spTgt spid="16"/>
-                                        </p:tgtEl>
-                                      </p:cBhvr>
-                                      <p:by x="105000" y="105000"/>
-                                    </p:animScale>
-                                  </p:childTnLst>
-                                </p:cTn>
-                              </p:par>
-                              <p:par>
-                                <p:cTn id="69" presetID="22" presetClass="entr" presetSubtype="4" fill="hold" nodeType="withEffect">
+                                <p:cTn id="20" presetID="22" presetClass="entr" presetSubtype="1" fill="hold" nodeType="clickEffect">
                                   <p:stCondLst>
                                     <p:cond delay="0"/>
                                   </p:stCondLst>
                                   <p:childTnLst>
                                     <p:set>
                                       <p:cBhvr>
-                                        <p:cTn id="70" dur="1" fill="hold">
+                                        <p:cTn id="21" dur="1" fill="hold">
                                           <p:stCondLst>
                                             <p:cond delay="0"/>
                                           </p:stCondLst>
                                         </p:cTn>
                                         <p:tgtEl>
-                                          <p:spTgt spid="29"/>
+                                          <p:spTgt spid="25"/>
                                         </p:tgtEl>
                                         <p:attrNameLst>
                                           <p:attrName>style.visibility</p:attrName>
@@ -6895,11 +5643,11 @@
                                         <p:strVal val="visible"/>
                                       </p:to>
                                     </p:set>
-                                    <p:animEffect transition="in" filter="wipe(down)">
-                                      <p:cBhvr>
-                                        <p:cTn id="71" dur="500"/>
-                                        <p:tgtEl>
-                                          <p:spTgt spid="29"/>
+                                    <p:animEffect transition="in" filter="wipe(up)">
+                                      <p:cBhvr>
+                                        <p:cTn id="22" dur="500"/>
+                                        <p:tgtEl>
+                                          <p:spTgt spid="25"/>
                                         </p:tgtEl>
                                       </p:cBhvr>
                                     </p:animEffect>
@@ -6913,32 +5661,32 @@
                     </p:cTn>
                   </p:par>
                   <p:par>
-                    <p:cTn id="72" fill="hold">
+                    <p:cTn id="23" fill="hold">
                       <p:stCondLst>
                         <p:cond delay="indefinite"/>
                       </p:stCondLst>
                       <p:childTnLst>
                         <p:par>
-                          <p:cTn id="73" fill="hold">
+                          <p:cTn id="24" fill="hold">
                             <p:stCondLst>
                               <p:cond delay="0"/>
                             </p:stCondLst>
                             <p:childTnLst>
                               <p:par>
-                                <p:cTn id="74" presetID="22" presetClass="entr" presetSubtype="4" fill="hold" grpId="0" nodeType="clickEffect">
+                                <p:cTn id="25" presetID="22" presetClass="entr" presetSubtype="1" fill="hold" nodeType="clickEffect">
                                   <p:stCondLst>
                                     <p:cond delay="0"/>
                                   </p:stCondLst>
                                   <p:childTnLst>
                                     <p:set>
                                       <p:cBhvr>
-                                        <p:cTn id="75" dur="1" fill="hold">
+                                        <p:cTn id="26" dur="1" fill="hold">
                                           <p:stCondLst>
                                             <p:cond delay="0"/>
                                           </p:stCondLst>
                                         </p:cTn>
                                         <p:tgtEl>
-                                          <p:spTgt spid="17"/>
+                                          <p:spTgt spid="27"/>
                                         </p:tgtEl>
                                         <p:attrNameLst>
                                           <p:attrName>style.visibility</p:attrName>
@@ -6948,11 +5696,11 @@
                                         <p:strVal val="visible"/>
                                       </p:to>
                                     </p:set>
-                                    <p:animEffect transition="in" filter="wipe(down)">
-                                      <p:cBhvr>
-                                        <p:cTn id="76" dur="500"/>
-                                        <p:tgtEl>
-                                          <p:spTgt spid="17"/>
+                                    <p:animEffect transition="in" filter="wipe(up)">
+                                      <p:cBhvr>
+                                        <p:cTn id="27" dur="500"/>
+                                        <p:tgtEl>
+                                          <p:spTgt spid="27"/>
                                         </p:tgtEl>
                                       </p:cBhvr>
                                     </p:animEffect>
@@ -6966,66 +5714,49 @@
                     </p:cTn>
                   </p:par>
                   <p:par>
-                    <p:cTn id="77" fill="hold">
+                    <p:cTn id="28" fill="hold">
                       <p:stCondLst>
                         <p:cond delay="indefinite"/>
                       </p:stCondLst>
                       <p:childTnLst>
                         <p:par>
-                          <p:cTn id="78" fill="hold">
+                          <p:cTn id="29" fill="hold">
                             <p:stCondLst>
                               <p:cond delay="0"/>
                             </p:stCondLst>
                             <p:childTnLst>
                               <p:par>
-                                <p:cTn id="79" presetID="26" presetClass="emph" presetSubtype="0" fill="hold" grpId="0" nodeType="clickEffect">
+                                <p:cTn id="30" presetID="10" presetClass="entr" presetSubtype="0" fill="hold" grpId="0" nodeType="clickEffect">
                                   <p:stCondLst>
                                     <p:cond delay="0"/>
                                   </p:stCondLst>
                                   <p:childTnLst>
-                                    <p:animEffect transition="out" filter="fade">
-                                      <p:cBhvr>
-                                        <p:cTn id="80" dur="500" tmFilter="0, 0; .2, .5; .8, .5; 1, 0"/>
-                                        <p:tgtEl>
-                                          <p:spTgt spid="18"/>
+                                    <p:set>
+                                      <p:cBhvr>
+                                        <p:cTn id="31" dur="1" fill="hold">
+                                          <p:stCondLst>
+                                            <p:cond delay="0"/>
+                                          </p:stCondLst>
+                                        </p:cTn>
+                                        <p:tgtEl>
+                                          <p:spTgt spid="4"/>
+                                        </p:tgtEl>
+                                        <p:attrNameLst>
+                                          <p:attrName>style.visibility</p:attrName>
+                                        </p:attrNameLst>
+                                      </p:cBhvr>
+                                      <p:to>
+                                        <p:strVal val="visible"/>
+                                      </p:to>
+                                    </p:set>
+                                    <p:animEffect transition="in" filter="fade">
+                                      <p:cBhvr>
+                                        <p:cTn id="32" dur="500"/>
+                                        <p:tgtEl>
+                                          <p:spTgt spid="4"/>
                                         </p:tgtEl>
                                       </p:cBhvr>
                                     </p:animEffect>
-                                    <p:animScale>
-                                      <p:cBhvr>
-                                        <p:cTn id="81" dur="250" autoRev="1" fill="hold"/>
-                                        <p:tgtEl>
-                                          <p:spTgt spid="18"/>
-                                        </p:tgtEl>
-                                      </p:cBhvr>
-                                      <p:by x="105000" y="105000"/>
-                                    </p:animScale>
-                                  </p:childTnLst>
-                                </p:cTn>
-                              </p:par>
-                              <p:par>
-                                <p:cTn id="82" presetID="26" presetClass="emph" presetSubtype="0" fill="hold" grpId="0" nodeType="withEffect">
-                                  <p:stCondLst>
-                                    <p:cond delay="0"/>
-                                  </p:stCondLst>
-                                  <p:childTnLst>
-                                    <p:animEffect transition="out" filter="fade">
-                                      <p:cBhvr>
-                                        <p:cTn id="83" dur="500" tmFilter="0, 0; .2, .5; .8, .5; 1, 0"/>
-                                        <p:tgtEl>
-                                          <p:spTgt spid="7"/>
-                                        </p:tgtEl>
-                                      </p:cBhvr>
-                                    </p:animEffect>
-                                    <p:animScale>
-                                      <p:cBhvr>
-                                        <p:cTn id="84" dur="250" autoRev="1" fill="hold"/>
-                                        <p:tgtEl>
-                                          <p:spTgt spid="7"/>
-                                        </p:tgtEl>
-                                      </p:cBhvr>
-                                      <p:by x="105000" y="105000"/>
-                                    </p:animScale>
                                   </p:childTnLst>
                                 </p:cTn>
                               </p:par>
@@ -7036,32 +5767,32 @@
                     </p:cTn>
                   </p:par>
                   <p:par>
-                    <p:cTn id="85" fill="hold">
+                    <p:cTn id="33" fill="hold">
                       <p:stCondLst>
                         <p:cond delay="indefinite"/>
                       </p:stCondLst>
                       <p:childTnLst>
                         <p:par>
-                          <p:cTn id="86" fill="hold">
+                          <p:cTn id="34" fill="hold">
                             <p:stCondLst>
                               <p:cond delay="0"/>
                             </p:stCondLst>
                             <p:childTnLst>
                               <p:par>
-                                <p:cTn id="87" presetID="22" presetClass="entr" presetSubtype="4" fill="hold" grpId="0" nodeType="clickEffect">
+                                <p:cTn id="35" presetID="22" presetClass="entr" presetSubtype="1" fill="hold" nodeType="clickEffect">
                                   <p:stCondLst>
                                     <p:cond delay="0"/>
                                   </p:stCondLst>
                                   <p:childTnLst>
                                     <p:set>
                                       <p:cBhvr>
-                                        <p:cTn id="88" dur="1" fill="hold">
+                                        <p:cTn id="36" dur="1" fill="hold">
                                           <p:stCondLst>
                                             <p:cond delay="0"/>
                                           </p:stCondLst>
                                         </p:cTn>
                                         <p:tgtEl>
-                                          <p:spTgt spid="8"/>
+                                          <p:spTgt spid="29"/>
                                         </p:tgtEl>
                                         <p:attrNameLst>
                                           <p:attrName>style.visibility</p:attrName>
@@ -7071,32 +5802,580 @@
                                         <p:strVal val="visible"/>
                                       </p:to>
                                     </p:set>
-                                    <p:animEffect transition="in" filter="wipe(down)">
-                                      <p:cBhvr>
-                                        <p:cTn id="89" dur="500"/>
-                                        <p:tgtEl>
-                                          <p:spTgt spid="8"/>
+                                    <p:animEffect transition="in" filter="wipe(up)">
+                                      <p:cBhvr>
+                                        <p:cTn id="37" dur="500"/>
+                                        <p:tgtEl>
+                                          <p:spTgt spid="29"/>
                                         </p:tgtEl>
                                       </p:cBhvr>
                                     </p:animEffect>
                                   </p:childTnLst>
                                 </p:cTn>
                               </p:par>
+                            </p:childTnLst>
+                          </p:cTn>
+                        </p:par>
+                      </p:childTnLst>
+                    </p:cTn>
+                  </p:par>
+                  <p:par>
+                    <p:cTn id="38" fill="hold">
+                      <p:stCondLst>
+                        <p:cond delay="indefinite"/>
+                      </p:stCondLst>
+                      <p:childTnLst>
+                        <p:par>
+                          <p:cTn id="39" fill="hold">
+                            <p:stCondLst>
+                              <p:cond delay="0"/>
+                            </p:stCondLst>
+                            <p:childTnLst>
                               <p:par>
-                                <p:cTn id="90" presetID="22" presetClass="entr" presetSubtype="4" fill="hold" nodeType="withEffect">
+                                <p:cTn id="40" presetID="10" presetClass="entr" presetSubtype="0" fill="hold" grpId="0" nodeType="clickEffect">
                                   <p:stCondLst>
                                     <p:cond delay="0"/>
                                   </p:stCondLst>
                                   <p:childTnLst>
                                     <p:set>
                                       <p:cBhvr>
+                                        <p:cTn id="41" dur="1" fill="hold">
+                                          <p:stCondLst>
+                                            <p:cond delay="0"/>
+                                          </p:stCondLst>
+                                        </p:cTn>
+                                        <p:tgtEl>
+                                          <p:spTgt spid="5"/>
+                                        </p:tgtEl>
+                                        <p:attrNameLst>
+                                          <p:attrName>style.visibility</p:attrName>
+                                        </p:attrNameLst>
+                                      </p:cBhvr>
+                                      <p:to>
+                                        <p:strVal val="visible"/>
+                                      </p:to>
+                                    </p:set>
+                                    <p:animEffect transition="in" filter="fade">
+                                      <p:cBhvr>
+                                        <p:cTn id="42" dur="500"/>
+                                        <p:tgtEl>
+                                          <p:spTgt spid="5"/>
+                                        </p:tgtEl>
+                                      </p:cBhvr>
+                                    </p:animEffect>
+                                  </p:childTnLst>
+                                </p:cTn>
+                              </p:par>
+                            </p:childTnLst>
+                          </p:cTn>
+                        </p:par>
+                      </p:childTnLst>
+                    </p:cTn>
+                  </p:par>
+                  <p:par>
+                    <p:cTn id="43" fill="hold">
+                      <p:stCondLst>
+                        <p:cond delay="indefinite"/>
+                      </p:stCondLst>
+                      <p:childTnLst>
+                        <p:par>
+                          <p:cTn id="44" fill="hold">
+                            <p:stCondLst>
+                              <p:cond delay="0"/>
+                            </p:stCondLst>
+                            <p:childTnLst>
+                              <p:par>
+                                <p:cTn id="45" presetID="22" presetClass="entr" presetSubtype="2" fill="hold" nodeType="clickEffect">
+                                  <p:stCondLst>
+                                    <p:cond delay="0"/>
+                                  </p:stCondLst>
+                                  <p:childTnLst>
+                                    <p:set>
+                                      <p:cBhvr>
+                                        <p:cTn id="46" dur="1" fill="hold">
+                                          <p:stCondLst>
+                                            <p:cond delay="0"/>
+                                          </p:stCondLst>
+                                        </p:cTn>
+                                        <p:tgtEl>
+                                          <p:spTgt spid="31"/>
+                                        </p:tgtEl>
+                                        <p:attrNameLst>
+                                          <p:attrName>style.visibility</p:attrName>
+                                        </p:attrNameLst>
+                                      </p:cBhvr>
+                                      <p:to>
+                                        <p:strVal val="visible"/>
+                                      </p:to>
+                                    </p:set>
+                                    <p:animEffect transition="in" filter="wipe(right)">
+                                      <p:cBhvr>
+                                        <p:cTn id="47" dur="500"/>
+                                        <p:tgtEl>
+                                          <p:spTgt spid="31"/>
+                                        </p:tgtEl>
+                                      </p:cBhvr>
+                                    </p:animEffect>
+                                  </p:childTnLst>
+                                </p:cTn>
+                              </p:par>
+                            </p:childTnLst>
+                          </p:cTn>
+                        </p:par>
+                      </p:childTnLst>
+                    </p:cTn>
+                  </p:par>
+                  <p:par>
+                    <p:cTn id="48" fill="hold">
+                      <p:stCondLst>
+                        <p:cond delay="indefinite"/>
+                      </p:stCondLst>
+                      <p:childTnLst>
+                        <p:par>
+                          <p:cTn id="49" fill="hold">
+                            <p:stCondLst>
+                              <p:cond delay="0"/>
+                            </p:stCondLst>
+                            <p:childTnLst>
+                              <p:par>
+                                <p:cTn id="50" presetID="10" presetClass="entr" presetSubtype="0" fill="hold" grpId="0" nodeType="clickEffect">
+                                  <p:stCondLst>
+                                    <p:cond delay="0"/>
+                                  </p:stCondLst>
+                                  <p:childTnLst>
+                                    <p:set>
+                                      <p:cBhvr>
+                                        <p:cTn id="51" dur="1" fill="hold">
+                                          <p:stCondLst>
+                                            <p:cond delay="0"/>
+                                          </p:stCondLst>
+                                        </p:cTn>
+                                        <p:tgtEl>
+                                          <p:spTgt spid="6"/>
+                                        </p:tgtEl>
+                                        <p:attrNameLst>
+                                          <p:attrName>style.visibility</p:attrName>
+                                        </p:attrNameLst>
+                                      </p:cBhvr>
+                                      <p:to>
+                                        <p:strVal val="visible"/>
+                                      </p:to>
+                                    </p:set>
+                                    <p:animEffect transition="in" filter="fade">
+                                      <p:cBhvr>
+                                        <p:cTn id="52" dur="500"/>
+                                        <p:tgtEl>
+                                          <p:spTgt spid="6"/>
+                                        </p:tgtEl>
+                                      </p:cBhvr>
+                                    </p:animEffect>
+                                  </p:childTnLst>
+                                </p:cTn>
+                              </p:par>
+                            </p:childTnLst>
+                          </p:cTn>
+                        </p:par>
+                      </p:childTnLst>
+                    </p:cTn>
+                  </p:par>
+                  <p:par>
+                    <p:cTn id="53" fill="hold">
+                      <p:stCondLst>
+                        <p:cond delay="indefinite"/>
+                      </p:stCondLst>
+                      <p:childTnLst>
+                        <p:par>
+                          <p:cTn id="54" fill="hold">
+                            <p:stCondLst>
+                              <p:cond delay="0"/>
+                            </p:stCondLst>
+                            <p:childTnLst>
+                              <p:par>
+                                <p:cTn id="55" presetID="22" presetClass="entr" presetSubtype="8" fill="hold" nodeType="clickEffect">
+                                  <p:stCondLst>
+                                    <p:cond delay="0"/>
+                                  </p:stCondLst>
+                                  <p:childTnLst>
+                                    <p:set>
+                                      <p:cBhvr>
+                                        <p:cTn id="56" dur="1" fill="hold">
+                                          <p:stCondLst>
+                                            <p:cond delay="0"/>
+                                          </p:stCondLst>
+                                        </p:cTn>
+                                        <p:tgtEl>
+                                          <p:spTgt spid="39"/>
+                                        </p:tgtEl>
+                                        <p:attrNameLst>
+                                          <p:attrName>style.visibility</p:attrName>
+                                        </p:attrNameLst>
+                                      </p:cBhvr>
+                                      <p:to>
+                                        <p:strVal val="visible"/>
+                                      </p:to>
+                                    </p:set>
+                                    <p:animEffect transition="in" filter="wipe(left)">
+                                      <p:cBhvr>
+                                        <p:cTn id="57" dur="500"/>
+                                        <p:tgtEl>
+                                          <p:spTgt spid="39"/>
+                                        </p:tgtEl>
+                                      </p:cBhvr>
+                                    </p:animEffect>
+                                  </p:childTnLst>
+                                </p:cTn>
+                              </p:par>
+                            </p:childTnLst>
+                          </p:cTn>
+                        </p:par>
+                      </p:childTnLst>
+                    </p:cTn>
+                  </p:par>
+                  <p:par>
+                    <p:cTn id="58" fill="hold">
+                      <p:stCondLst>
+                        <p:cond delay="indefinite"/>
+                      </p:stCondLst>
+                      <p:childTnLst>
+                        <p:par>
+                          <p:cTn id="59" fill="hold">
+                            <p:stCondLst>
+                              <p:cond delay="0"/>
+                            </p:stCondLst>
+                            <p:childTnLst>
+                              <p:par>
+                                <p:cTn id="60" presetID="10" presetClass="entr" presetSubtype="0" fill="hold" grpId="0" nodeType="clickEffect">
+                                  <p:stCondLst>
+                                    <p:cond delay="0"/>
+                                  </p:stCondLst>
+                                  <p:childTnLst>
+                                    <p:set>
+                                      <p:cBhvr>
+                                        <p:cTn id="61" dur="1" fill="hold">
+                                          <p:stCondLst>
+                                            <p:cond delay="0"/>
+                                          </p:stCondLst>
+                                        </p:cTn>
+                                        <p:tgtEl>
+                                          <p:spTgt spid="7"/>
+                                        </p:tgtEl>
+                                        <p:attrNameLst>
+                                          <p:attrName>style.visibility</p:attrName>
+                                        </p:attrNameLst>
+                                      </p:cBhvr>
+                                      <p:to>
+                                        <p:strVal val="visible"/>
+                                      </p:to>
+                                    </p:set>
+                                    <p:animEffect transition="in" filter="fade">
+                                      <p:cBhvr>
+                                        <p:cTn id="62" dur="500"/>
+                                        <p:tgtEl>
+                                          <p:spTgt spid="7"/>
+                                        </p:tgtEl>
+                                      </p:cBhvr>
+                                    </p:animEffect>
+                                  </p:childTnLst>
+                                </p:cTn>
+                              </p:par>
+                            </p:childTnLst>
+                          </p:cTn>
+                        </p:par>
+                      </p:childTnLst>
+                    </p:cTn>
+                  </p:par>
+                  <p:par>
+                    <p:cTn id="63" fill="hold">
+                      <p:stCondLst>
+                        <p:cond delay="indefinite"/>
+                      </p:stCondLst>
+                      <p:childTnLst>
+                        <p:par>
+                          <p:cTn id="64" fill="hold">
+                            <p:stCondLst>
+                              <p:cond delay="0"/>
+                            </p:stCondLst>
+                            <p:childTnLst>
+                              <p:par>
+                                <p:cTn id="65" presetID="22" presetClass="entr" presetSubtype="1" fill="hold" nodeType="clickEffect">
+                                  <p:stCondLst>
+                                    <p:cond delay="0"/>
+                                  </p:stCondLst>
+                                  <p:childTnLst>
+                                    <p:set>
+                                      <p:cBhvr>
+                                        <p:cTn id="66" dur="1" fill="hold">
+                                          <p:stCondLst>
+                                            <p:cond delay="0"/>
+                                          </p:stCondLst>
+                                        </p:cTn>
+                                        <p:tgtEl>
+                                          <p:spTgt spid="41"/>
+                                        </p:tgtEl>
+                                        <p:attrNameLst>
+                                          <p:attrName>style.visibility</p:attrName>
+                                        </p:attrNameLst>
+                                      </p:cBhvr>
+                                      <p:to>
+                                        <p:strVal val="visible"/>
+                                      </p:to>
+                                    </p:set>
+                                    <p:animEffect transition="in" filter="wipe(up)">
+                                      <p:cBhvr>
+                                        <p:cTn id="67" dur="500"/>
+                                        <p:tgtEl>
+                                          <p:spTgt spid="41"/>
+                                        </p:tgtEl>
+                                      </p:cBhvr>
+                                    </p:animEffect>
+                                  </p:childTnLst>
+                                </p:cTn>
+                              </p:par>
+                            </p:childTnLst>
+                          </p:cTn>
+                        </p:par>
+                      </p:childTnLst>
+                    </p:cTn>
+                  </p:par>
+                  <p:par>
+                    <p:cTn id="68" fill="hold">
+                      <p:stCondLst>
+                        <p:cond delay="indefinite"/>
+                      </p:stCondLst>
+                      <p:childTnLst>
+                        <p:par>
+                          <p:cTn id="69" fill="hold">
+                            <p:stCondLst>
+                              <p:cond delay="0"/>
+                            </p:stCondLst>
+                            <p:childTnLst>
+                              <p:par>
+                                <p:cTn id="70" presetID="10" presetClass="entr" presetSubtype="0" fill="hold" grpId="0" nodeType="clickEffect">
+                                  <p:stCondLst>
+                                    <p:cond delay="0"/>
+                                  </p:stCondLst>
+                                  <p:childTnLst>
+                                    <p:set>
+                                      <p:cBhvr>
+                                        <p:cTn id="71" dur="1" fill="hold">
+                                          <p:stCondLst>
+                                            <p:cond delay="0"/>
+                                          </p:stCondLst>
+                                        </p:cTn>
+                                        <p:tgtEl>
+                                          <p:spTgt spid="8"/>
+                                        </p:tgtEl>
+                                        <p:attrNameLst>
+                                          <p:attrName>style.visibility</p:attrName>
+                                        </p:attrNameLst>
+                                      </p:cBhvr>
+                                      <p:to>
+                                        <p:strVal val="visible"/>
+                                      </p:to>
+                                    </p:set>
+                                    <p:animEffect transition="in" filter="fade">
+                                      <p:cBhvr>
+                                        <p:cTn id="72" dur="500"/>
+                                        <p:tgtEl>
+                                          <p:spTgt spid="8"/>
+                                        </p:tgtEl>
+                                      </p:cBhvr>
+                                    </p:animEffect>
+                                  </p:childTnLst>
+                                </p:cTn>
+                              </p:par>
+                            </p:childTnLst>
+                          </p:cTn>
+                        </p:par>
+                      </p:childTnLst>
+                    </p:cTn>
+                  </p:par>
+                  <p:par>
+                    <p:cTn id="73" fill="hold">
+                      <p:stCondLst>
+                        <p:cond delay="indefinite"/>
+                      </p:stCondLst>
+                      <p:childTnLst>
+                        <p:par>
+                          <p:cTn id="74" fill="hold">
+                            <p:stCondLst>
+                              <p:cond delay="0"/>
+                            </p:stCondLst>
+                            <p:childTnLst>
+                              <p:par>
+                                <p:cTn id="75" presetID="10" presetClass="entr" presetSubtype="0" fill="hold" grpId="0" nodeType="clickEffect">
+                                  <p:stCondLst>
+                                    <p:cond delay="0"/>
+                                  </p:stCondLst>
+                                  <p:childTnLst>
+                                    <p:set>
+                                      <p:cBhvr>
+                                        <p:cTn id="76" dur="1" fill="hold">
+                                          <p:stCondLst>
+                                            <p:cond delay="0"/>
+                                          </p:stCondLst>
+                                        </p:cTn>
+                                        <p:tgtEl>
+                                          <p:spTgt spid="45"/>
+                                        </p:tgtEl>
+                                        <p:attrNameLst>
+                                          <p:attrName>style.visibility</p:attrName>
+                                        </p:attrNameLst>
+                                      </p:cBhvr>
+                                      <p:to>
+                                        <p:strVal val="visible"/>
+                                      </p:to>
+                                    </p:set>
+                                    <p:animEffect transition="in" filter="fade">
+                                      <p:cBhvr>
+                                        <p:cTn id="77" dur="500"/>
+                                        <p:tgtEl>
+                                          <p:spTgt spid="45"/>
+                                        </p:tgtEl>
+                                      </p:cBhvr>
+                                    </p:animEffect>
+                                  </p:childTnLst>
+                                </p:cTn>
+                              </p:par>
+                            </p:childTnLst>
+                          </p:cTn>
+                        </p:par>
+                      </p:childTnLst>
+                    </p:cTn>
+                  </p:par>
+                  <p:par>
+                    <p:cTn id="78" fill="hold">
+                      <p:stCondLst>
+                        <p:cond delay="indefinite"/>
+                      </p:stCondLst>
+                      <p:childTnLst>
+                        <p:par>
+                          <p:cTn id="79" fill="hold">
+                            <p:stCondLst>
+                              <p:cond delay="0"/>
+                            </p:stCondLst>
+                            <p:childTnLst>
+                              <p:par>
+                                <p:cTn id="80" presetID="10" presetClass="entr" presetSubtype="0" fill="hold" grpId="0" nodeType="clickEffect">
+                                  <p:stCondLst>
+                                    <p:cond delay="0"/>
+                                  </p:stCondLst>
+                                  <p:childTnLst>
+                                    <p:set>
+                                      <p:cBhvr>
+                                        <p:cTn id="81" dur="1" fill="hold">
+                                          <p:stCondLst>
+                                            <p:cond delay="0"/>
+                                          </p:stCondLst>
+                                        </p:cTn>
+                                        <p:tgtEl>
+                                          <p:spTgt spid="9"/>
+                                        </p:tgtEl>
+                                        <p:attrNameLst>
+                                          <p:attrName>style.visibility</p:attrName>
+                                        </p:attrNameLst>
+                                      </p:cBhvr>
+                                      <p:to>
+                                        <p:strVal val="visible"/>
+                                      </p:to>
+                                    </p:set>
+                                    <p:animEffect transition="in" filter="fade">
+                                      <p:cBhvr>
+                                        <p:cTn id="82" dur="500"/>
+                                        <p:tgtEl>
+                                          <p:spTgt spid="9"/>
+                                        </p:tgtEl>
+                                      </p:cBhvr>
+                                    </p:animEffect>
+                                  </p:childTnLst>
+                                </p:cTn>
+                              </p:par>
+                            </p:childTnLst>
+                          </p:cTn>
+                        </p:par>
+                      </p:childTnLst>
+                    </p:cTn>
+                  </p:par>
+                  <p:par>
+                    <p:cTn id="83" fill="hold">
+                      <p:stCondLst>
+                        <p:cond delay="indefinite"/>
+                      </p:stCondLst>
+                      <p:childTnLst>
+                        <p:par>
+                          <p:cTn id="84" fill="hold">
+                            <p:stCondLst>
+                              <p:cond delay="0"/>
+                            </p:stCondLst>
+                            <p:childTnLst>
+                              <p:par>
+                                <p:cTn id="85" presetID="10" presetClass="entr" presetSubtype="0" fill="hold" grpId="0" nodeType="clickEffect">
+                                  <p:stCondLst>
+                                    <p:cond delay="0"/>
+                                  </p:stCondLst>
+                                  <p:childTnLst>
+                                    <p:set>
+                                      <p:cBhvr>
+                                        <p:cTn id="86" dur="1" fill="hold">
+                                          <p:stCondLst>
+                                            <p:cond delay="0"/>
+                                          </p:stCondLst>
+                                        </p:cTn>
+                                        <p:tgtEl>
+                                          <p:spTgt spid="10"/>
+                                        </p:tgtEl>
+                                        <p:attrNameLst>
+                                          <p:attrName>style.visibility</p:attrName>
+                                        </p:attrNameLst>
+                                      </p:cBhvr>
+                                      <p:to>
+                                        <p:strVal val="visible"/>
+                                      </p:to>
+                                    </p:set>
+                                    <p:animEffect transition="in" filter="fade">
+                                      <p:cBhvr>
+                                        <p:cTn id="87" dur="500"/>
+                                        <p:tgtEl>
+                                          <p:spTgt spid="10"/>
+                                        </p:tgtEl>
+                                      </p:cBhvr>
+                                    </p:animEffect>
+                                  </p:childTnLst>
+                                </p:cTn>
+                              </p:par>
+                            </p:childTnLst>
+                          </p:cTn>
+                        </p:par>
+                      </p:childTnLst>
+                    </p:cTn>
+                  </p:par>
+                  <p:par>
+                    <p:cTn id="88" fill="hold">
+                      <p:stCondLst>
+                        <p:cond delay="indefinite"/>
+                      </p:stCondLst>
+                      <p:childTnLst>
+                        <p:par>
+                          <p:cTn id="89" fill="hold">
+                            <p:stCondLst>
+                              <p:cond delay="0"/>
+                            </p:stCondLst>
+                            <p:childTnLst>
+                              <p:par>
+                                <p:cTn id="90" presetID="22" presetClass="entr" presetSubtype="8" fill="hold" nodeType="clickEffect">
+                                  <p:stCondLst>
+                                    <p:cond delay="0"/>
+                                  </p:stCondLst>
+                                  <p:childTnLst>
+                                    <p:set>
+                                      <p:cBhvr>
                                         <p:cTn id="91" dur="1" fill="hold">
                                           <p:stCondLst>
                                             <p:cond delay="0"/>
                                           </p:stCondLst>
                                         </p:cTn>
                                         <p:tgtEl>
-                                          <p:spTgt spid="31"/>
+                                          <p:spTgt spid="50"/>
                                         </p:tgtEl>
                                         <p:attrNameLst>
                                           <p:attrName>style.visibility</p:attrName>
@@ -7106,11 +6385,11 @@
                                         <p:strVal val="visible"/>
                                       </p:to>
                                     </p:set>
-                                    <p:animEffect transition="in" filter="wipe(down)">
+                                    <p:animEffect transition="in" filter="wipe(left)">
                                       <p:cBhvr>
                                         <p:cTn id="92" dur="500"/>
                                         <p:tgtEl>
-                                          <p:spTgt spid="31"/>
+                                          <p:spTgt spid="50"/>
                                         </p:tgtEl>
                                       </p:cBhvr>
                                     </p:animEffect>
@@ -7136,28 +6415,37 @@
                             </p:stCondLst>
                             <p:childTnLst>
                               <p:par>
-                                <p:cTn id="95" presetID="26" presetClass="emph" presetSubtype="0" fill="hold" grpId="0" nodeType="clickEffect">
+                                <p:cTn id="95" presetID="22" presetClass="entr" presetSubtype="2" fill="hold" nodeType="clickEffect">
                                   <p:stCondLst>
                                     <p:cond delay="0"/>
                                   </p:stCondLst>
                                   <p:childTnLst>
-                                    <p:animEffect transition="out" filter="fade">
-                                      <p:cBhvr>
-                                        <p:cTn id="96" dur="500" tmFilter="0, 0; .2, .5; .8, .5; 1, 0"/>
-                                        <p:tgtEl>
-                                          <p:spTgt spid="3"/>
+                                    <p:set>
+                                      <p:cBhvr>
+                                        <p:cTn id="96" dur="1" fill="hold">
+                                          <p:stCondLst>
+                                            <p:cond delay="0"/>
+                                          </p:stCondLst>
+                                        </p:cTn>
+                                        <p:tgtEl>
+                                          <p:spTgt spid="52"/>
+                                        </p:tgtEl>
+                                        <p:attrNameLst>
+                                          <p:attrName>style.visibility</p:attrName>
+                                        </p:attrNameLst>
+                                      </p:cBhvr>
+                                      <p:to>
+                                        <p:strVal val="visible"/>
+                                      </p:to>
+                                    </p:set>
+                                    <p:animEffect transition="in" filter="wipe(right)">
+                                      <p:cBhvr>
+                                        <p:cTn id="97" dur="500"/>
+                                        <p:tgtEl>
+                                          <p:spTgt spid="52"/>
                                         </p:tgtEl>
                                       </p:cBhvr>
                                     </p:animEffect>
-                                    <p:animScale>
-                                      <p:cBhvr>
-                                        <p:cTn id="97" dur="250" autoRev="1" fill="hold"/>
-                                        <p:tgtEl>
-                                          <p:spTgt spid="3"/>
-                                        </p:tgtEl>
-                                      </p:cBhvr>
-                                      <p:by x="105000" y="105000"/>
-                                    </p:animScale>
                                   </p:childTnLst>
                                 </p:cTn>
                               </p:par>
@@ -7180,7 +6468,7 @@
                             </p:stCondLst>
                             <p:childTnLst>
                               <p:par>
-                                <p:cTn id="100" presetID="22" presetClass="entr" presetSubtype="4" fill="hold" grpId="0" nodeType="clickEffect">
+                                <p:cTn id="100" presetID="10" presetClass="entr" presetSubtype="0" fill="hold" grpId="0" nodeType="clickEffect">
                                   <p:stCondLst>
                                     <p:cond delay="0"/>
                                   </p:stCondLst>
@@ -7193,7 +6481,7 @@
                                           </p:stCondLst>
                                         </p:cTn>
                                         <p:tgtEl>
-                                          <p:spTgt spid="21"/>
+                                          <p:spTgt spid="11"/>
                                         </p:tgtEl>
                                         <p:attrNameLst>
                                           <p:attrName>style.visibility</p:attrName>
@@ -7203,11 +6491,11 @@
                                         <p:strVal val="visible"/>
                                       </p:to>
                                     </p:set>
-                                    <p:animEffect transition="in" filter="wipe(down)">
+                                    <p:animEffect transition="in" filter="fade">
                                       <p:cBhvr>
                                         <p:cTn id="102" dur="500"/>
                                         <p:tgtEl>
-                                          <p:spTgt spid="21"/>
+                                          <p:spTgt spid="11"/>
                                         </p:tgtEl>
                                       </p:cBhvr>
                                     </p:animEffect>
@@ -7233,28 +6521,37 @@
                             </p:stCondLst>
                             <p:childTnLst>
                               <p:par>
-                                <p:cTn id="105" presetID="26" presetClass="emph" presetSubtype="0" fill="hold" grpId="0" nodeType="clickEffect">
+                                <p:cTn id="105" presetID="22" presetClass="entr" presetSubtype="1" fill="hold" nodeType="clickEffect">
                                   <p:stCondLst>
                                     <p:cond delay="0"/>
                                   </p:stCondLst>
                                   <p:childTnLst>
-                                    <p:animEffect transition="out" filter="fade">
-                                      <p:cBhvr>
-                                        <p:cTn id="106" dur="500" tmFilter="0, 0; .2, .5; .8, .5; 1, 0"/>
-                                        <p:tgtEl>
-                                          <p:spTgt spid="19"/>
+                                    <p:set>
+                                      <p:cBhvr>
+                                        <p:cTn id="106" dur="1" fill="hold">
+                                          <p:stCondLst>
+                                            <p:cond delay="0"/>
+                                          </p:stCondLst>
+                                        </p:cTn>
+                                        <p:tgtEl>
+                                          <p:spTgt spid="54"/>
+                                        </p:tgtEl>
+                                        <p:attrNameLst>
+                                          <p:attrName>style.visibility</p:attrName>
+                                        </p:attrNameLst>
+                                      </p:cBhvr>
+                                      <p:to>
+                                        <p:strVal val="visible"/>
+                                      </p:to>
+                                    </p:set>
+                                    <p:animEffect transition="in" filter="wipe(up)">
+                                      <p:cBhvr>
+                                        <p:cTn id="107" dur="500"/>
+                                        <p:tgtEl>
+                                          <p:spTgt spid="54"/>
                                         </p:tgtEl>
                                       </p:cBhvr>
                                     </p:animEffect>
-                                    <p:animScale>
-                                      <p:cBhvr>
-                                        <p:cTn id="107" dur="250" autoRev="1" fill="hold"/>
-                                        <p:tgtEl>
-                                          <p:spTgt spid="19"/>
-                                        </p:tgtEl>
-                                      </p:cBhvr>
-                                      <p:by x="105000" y="105000"/>
-                                    </p:animScale>
                                   </p:childTnLst>
                                 </p:cTn>
                               </p:par>
@@ -7277,7 +6574,7 @@
                             </p:stCondLst>
                             <p:childTnLst>
                               <p:par>
-                                <p:cTn id="110" presetID="22" presetClass="entr" presetSubtype="4" fill="hold" grpId="0" nodeType="clickEffect">
+                                <p:cTn id="110" presetID="10" presetClass="entr" presetSubtype="0" fill="hold" grpId="0" nodeType="clickEffect">
                                   <p:stCondLst>
                                     <p:cond delay="0"/>
                                   </p:stCondLst>
@@ -7290,7 +6587,7 @@
                                           </p:stCondLst>
                                         </p:cTn>
                                         <p:tgtEl>
-                                          <p:spTgt spid="22"/>
+                                          <p:spTgt spid="12"/>
                                         </p:tgtEl>
                                         <p:attrNameLst>
                                           <p:attrName>style.visibility</p:attrName>
@@ -7300,11 +6597,11 @@
                                         <p:strVal val="visible"/>
                                       </p:to>
                                     </p:set>
-                                    <p:animEffect transition="in" filter="wipe(down)">
+                                    <p:animEffect transition="in" filter="fade">
                                       <p:cBhvr>
                                         <p:cTn id="112" dur="500"/>
                                         <p:tgtEl>
-                                          <p:spTgt spid="22"/>
+                                          <p:spTgt spid="12"/>
                                         </p:tgtEl>
                                       </p:cBhvr>
                                     </p:animEffect>
@@ -7330,28 +6627,37 @@
                             </p:stCondLst>
                             <p:childTnLst>
                               <p:par>
-                                <p:cTn id="115" presetID="26" presetClass="emph" presetSubtype="0" fill="hold" grpId="0" nodeType="clickEffect">
+                                <p:cTn id="115" presetID="22" presetClass="entr" presetSubtype="1" fill="hold" nodeType="clickEffect">
                                   <p:stCondLst>
                                     <p:cond delay="0"/>
                                   </p:stCondLst>
                                   <p:childTnLst>
-                                    <p:animEffect transition="out" filter="fade">
-                                      <p:cBhvr>
-                                        <p:cTn id="116" dur="500" tmFilter="0, 0; .2, .5; .8, .5; 1, 0"/>
-                                        <p:tgtEl>
-                                          <p:spTgt spid="20"/>
+                                    <p:set>
+                                      <p:cBhvr>
+                                        <p:cTn id="116" dur="1" fill="hold">
+                                          <p:stCondLst>
+                                            <p:cond delay="0"/>
+                                          </p:stCondLst>
+                                        </p:cTn>
+                                        <p:tgtEl>
+                                          <p:spTgt spid="56"/>
+                                        </p:tgtEl>
+                                        <p:attrNameLst>
+                                          <p:attrName>style.visibility</p:attrName>
+                                        </p:attrNameLst>
+                                      </p:cBhvr>
+                                      <p:to>
+                                        <p:strVal val="visible"/>
+                                      </p:to>
+                                    </p:set>
+                                    <p:animEffect transition="in" filter="wipe(up)">
+                                      <p:cBhvr>
+                                        <p:cTn id="117" dur="500"/>
+                                        <p:tgtEl>
+                                          <p:spTgt spid="56"/>
                                         </p:tgtEl>
                                       </p:cBhvr>
                                     </p:animEffect>
-                                    <p:animScale>
-                                      <p:cBhvr>
-                                        <p:cTn id="117" dur="250" autoRev="1" fill="hold"/>
-                                        <p:tgtEl>
-                                          <p:spTgt spid="20"/>
-                                        </p:tgtEl>
-                                      </p:cBhvr>
-                                      <p:by x="105000" y="105000"/>
-                                    </p:animScale>
                                   </p:childTnLst>
                                 </p:cTn>
                               </p:par>
@@ -7374,7 +6680,7 @@
                             </p:stCondLst>
                             <p:childTnLst>
                               <p:par>
-                                <p:cTn id="120" presetID="22" presetClass="entr" presetSubtype="4" fill="hold" grpId="0" nodeType="clickEffect">
+                                <p:cTn id="120" presetID="10" presetClass="entr" presetSubtype="0" fill="hold" grpId="0" nodeType="clickEffect">
                                   <p:stCondLst>
                                     <p:cond delay="0"/>
                                   </p:stCondLst>
@@ -7387,7 +6693,7 @@
                                           </p:stCondLst>
                                         </p:cTn>
                                         <p:tgtEl>
-                                          <p:spTgt spid="23"/>
+                                          <p:spTgt spid="13"/>
                                         </p:tgtEl>
                                         <p:attrNameLst>
                                           <p:attrName>style.visibility</p:attrName>
@@ -7397,11 +6703,11 @@
                                         <p:strVal val="visible"/>
                                       </p:to>
                                     </p:set>
-                                    <p:animEffect transition="in" filter="wipe(down)">
+                                    <p:animEffect transition="in" filter="fade">
                                       <p:cBhvr>
                                         <p:cTn id="122" dur="500"/>
                                         <p:tgtEl>
-                                          <p:spTgt spid="23"/>
+                                          <p:spTgt spid="13"/>
                                         </p:tgtEl>
                                       </p:cBhvr>
                                     </p:animEffect>
@@ -7427,28 +6733,37 @@
                             </p:stCondLst>
                             <p:childTnLst>
                               <p:par>
-                                <p:cTn id="125" presetID="26" presetClass="emph" presetSubtype="0" fill="hold" grpId="0" nodeType="clickEffect">
+                                <p:cTn id="125" presetID="10" presetClass="entr" presetSubtype="0" fill="hold" grpId="0" nodeType="clickEffect">
                                   <p:stCondLst>
                                     <p:cond delay="0"/>
                                   </p:stCondLst>
                                   <p:childTnLst>
-                                    <p:animEffect transition="out" filter="fade">
-                                      <p:cBhvr>
-                                        <p:cTn id="126" dur="500" tmFilter="0, 0; .2, .5; .8, .5; 1, 0"/>
-                                        <p:tgtEl>
-                                          <p:spTgt spid="2"/>
+                                    <p:set>
+                                      <p:cBhvr>
+                                        <p:cTn id="126" dur="1" fill="hold">
+                                          <p:stCondLst>
+                                            <p:cond delay="0"/>
+                                          </p:stCondLst>
+                                        </p:cTn>
+                                        <p:tgtEl>
+                                          <p:spTgt spid="46"/>
+                                        </p:tgtEl>
+                                        <p:attrNameLst>
+                                          <p:attrName>style.visibility</p:attrName>
+                                        </p:attrNameLst>
+                                      </p:cBhvr>
+                                      <p:to>
+                                        <p:strVal val="visible"/>
+                                      </p:to>
+                                    </p:set>
+                                    <p:animEffect transition="in" filter="fade">
+                                      <p:cBhvr>
+                                        <p:cTn id="127" dur="500"/>
+                                        <p:tgtEl>
+                                          <p:spTgt spid="46"/>
                                         </p:tgtEl>
                                       </p:cBhvr>
                                     </p:animEffect>
-                                    <p:animScale>
-                                      <p:cBhvr>
-                                        <p:cTn id="127" dur="250" autoRev="1" fill="hold"/>
-                                        <p:tgtEl>
-                                          <p:spTgt spid="2"/>
-                                        </p:tgtEl>
-                                      </p:cBhvr>
-                                      <p:by x="105000" y="105000"/>
-                                    </p:animScale>
                                   </p:childTnLst>
                                 </p:cTn>
                               </p:par>
@@ -7471,7 +6786,7 @@
                             </p:stCondLst>
                             <p:childTnLst>
                               <p:par>
-                                <p:cTn id="130" presetID="22" presetClass="entr" presetSubtype="4" fill="hold" grpId="0" nodeType="clickEffect">
+                                <p:cTn id="130" presetID="10" presetClass="entr" presetSubtype="0" fill="hold" grpId="0" nodeType="clickEffect">
                                   <p:stCondLst>
                                     <p:cond delay="0"/>
                                   </p:stCondLst>
@@ -7484,7 +6799,7 @@
                                           </p:stCondLst>
                                         </p:cTn>
                                         <p:tgtEl>
-                                          <p:spTgt spid="24"/>
+                                          <p:spTgt spid="14"/>
                                         </p:tgtEl>
                                         <p:attrNameLst>
                                           <p:attrName>style.visibility</p:attrName>
@@ -7494,11 +6809,11 @@
                                         <p:strVal val="visible"/>
                                       </p:to>
                                     </p:set>
-                                    <p:animEffect transition="in" filter="wipe(down)">
+                                    <p:animEffect transition="in" filter="fade">
                                       <p:cBhvr>
                                         <p:cTn id="132" dur="500"/>
                                         <p:tgtEl>
-                                          <p:spTgt spid="24"/>
+                                          <p:spTgt spid="14"/>
                                         </p:tgtEl>
                                       </p:cBhvr>
                                     </p:animEffect>
@@ -7524,28 +6839,37 @@
                             </p:stCondLst>
                             <p:childTnLst>
                               <p:par>
-                                <p:cTn id="135" presetID="26" presetClass="emph" presetSubtype="0" fill="hold" grpId="0" nodeType="clickEffect">
+                                <p:cTn id="135" presetID="22" presetClass="entr" presetSubtype="1" fill="hold" nodeType="clickEffect">
                                   <p:stCondLst>
                                     <p:cond delay="0"/>
                                   </p:stCondLst>
                                   <p:childTnLst>
-                                    <p:animEffect transition="out" filter="fade">
-                                      <p:cBhvr>
-                                        <p:cTn id="136" dur="500" tmFilter="0, 0; .2, .5; .8, .5; 1, 0"/>
-                                        <p:tgtEl>
-                                          <p:spTgt spid="4"/>
+                                    <p:set>
+                                      <p:cBhvr>
+                                        <p:cTn id="136" dur="1" fill="hold">
+                                          <p:stCondLst>
+                                            <p:cond delay="0"/>
+                                          </p:stCondLst>
+                                        </p:cTn>
+                                        <p:tgtEl>
+                                          <p:spTgt spid="33"/>
+                                        </p:tgtEl>
+                                        <p:attrNameLst>
+                                          <p:attrName>style.visibility</p:attrName>
+                                        </p:attrNameLst>
+                                      </p:cBhvr>
+                                      <p:to>
+                                        <p:strVal val="visible"/>
+                                      </p:to>
+                                    </p:set>
+                                    <p:animEffect transition="in" filter="wipe(up)">
+                                      <p:cBhvr>
+                                        <p:cTn id="137" dur="500"/>
+                                        <p:tgtEl>
+                                          <p:spTgt spid="33"/>
                                         </p:tgtEl>
                                       </p:cBhvr>
                                     </p:animEffect>
-                                    <p:animScale>
-                                      <p:cBhvr>
-                                        <p:cTn id="137" dur="250" autoRev="1" fill="hold"/>
-                                        <p:tgtEl>
-                                          <p:spTgt spid="4"/>
-                                        </p:tgtEl>
-                                      </p:cBhvr>
-                                      <p:by x="105000" y="105000"/>
-                                    </p:animScale>
                                   </p:childTnLst>
                                 </p:cTn>
                               </p:par>
@@ -7568,7 +6892,7 @@
                             </p:stCondLst>
                             <p:childTnLst>
                               <p:par>
-                                <p:cTn id="140" presetID="22" presetClass="entr" presetSubtype="4" fill="hold" grpId="0" nodeType="clickEffect">
+                                <p:cTn id="140" presetID="10" presetClass="entr" presetSubtype="0" fill="hold" grpId="0" nodeType="clickEffect">
                                   <p:stCondLst>
                                     <p:cond delay="0"/>
                                   </p:stCondLst>
@@ -7581,7 +6905,7 @@
                                           </p:stCondLst>
                                         </p:cTn>
                                         <p:tgtEl>
-                                          <p:spTgt spid="25"/>
+                                          <p:spTgt spid="15"/>
                                         </p:tgtEl>
                                         <p:attrNameLst>
                                           <p:attrName>style.visibility</p:attrName>
@@ -7591,11 +6915,11 @@
                                         <p:strVal val="visible"/>
                                       </p:to>
                                     </p:set>
-                                    <p:animEffect transition="in" filter="wipe(down)">
+                                    <p:animEffect transition="in" filter="fade">
                                       <p:cBhvr>
                                         <p:cTn id="142" dur="500"/>
                                         <p:tgtEl>
-                                          <p:spTgt spid="25"/>
+                                          <p:spTgt spid="15"/>
                                         </p:tgtEl>
                                       </p:cBhvr>
                                     </p:animEffect>
@@ -7621,28 +6945,37 @@
                             </p:stCondLst>
                             <p:childTnLst>
                               <p:par>
-                                <p:cTn id="145" presetID="26" presetClass="emph" presetSubtype="0" fill="hold" grpId="0" nodeType="clickEffect">
+                                <p:cTn id="145" presetID="10" presetClass="entr" presetSubtype="0" fill="hold" grpId="0" nodeType="clickEffect">
                                   <p:stCondLst>
                                     <p:cond delay="0"/>
                                   </p:stCondLst>
                                   <p:childTnLst>
-                                    <p:animEffect transition="out" filter="fade">
-                                      <p:cBhvr>
-                                        <p:cTn id="146" dur="500" tmFilter="0, 0; .2, .5; .8, .5; 1, 0"/>
-                                        <p:tgtEl>
-                                          <p:spTgt spid="40"/>
+                                    <p:set>
+                                      <p:cBhvr>
+                                        <p:cTn id="146" dur="1" fill="hold">
+                                          <p:stCondLst>
+                                            <p:cond delay="0"/>
+                                          </p:stCondLst>
+                                        </p:cTn>
+                                        <p:tgtEl>
+                                          <p:spTgt spid="48"/>
+                                        </p:tgtEl>
+                                        <p:attrNameLst>
+                                          <p:attrName>style.visibility</p:attrName>
+                                        </p:attrNameLst>
+                                      </p:cBhvr>
+                                      <p:to>
+                                        <p:strVal val="visible"/>
+                                      </p:to>
+                                    </p:set>
+                                    <p:animEffect transition="in" filter="fade">
+                                      <p:cBhvr>
+                                        <p:cTn id="147" dur="500"/>
+                                        <p:tgtEl>
+                                          <p:spTgt spid="48"/>
                                         </p:tgtEl>
                                       </p:cBhvr>
                                     </p:animEffect>
-                                    <p:animScale>
-                                      <p:cBhvr>
-                                        <p:cTn id="147" dur="250" autoRev="1" fill="hold"/>
-                                        <p:tgtEl>
-                                          <p:spTgt spid="40"/>
-                                        </p:tgtEl>
-                                      </p:cBhvr>
-                                      <p:by x="105000" y="105000"/>
-                                    </p:animScale>
                                   </p:childTnLst>
                                 </p:cTn>
                               </p:par>
@@ -7665,7 +6998,7 @@
                             </p:stCondLst>
                             <p:childTnLst>
                               <p:par>
-                                <p:cTn id="150" presetID="22" presetClass="entr" presetSubtype="4" fill="hold" grpId="0" nodeType="clickEffect">
+                                <p:cTn id="150" presetID="10" presetClass="entr" presetSubtype="0" fill="hold" grpId="0" nodeType="clickEffect">
                                   <p:stCondLst>
                                     <p:cond delay="0"/>
                                   </p:stCondLst>
@@ -7678,7 +7011,7 @@
                                           </p:stCondLst>
                                         </p:cTn>
                                         <p:tgtEl>
-                                          <p:spTgt spid="42"/>
+                                          <p:spTgt spid="16"/>
                                         </p:tgtEl>
                                         <p:attrNameLst>
                                           <p:attrName>style.visibility</p:attrName>
@@ -7688,11 +7021,11 @@
                                         <p:strVal val="visible"/>
                                       </p:to>
                                     </p:set>
-                                    <p:animEffect transition="in" filter="wipe(down)">
+                                    <p:animEffect transition="in" filter="fade">
                                       <p:cBhvr>
                                         <p:cTn id="152" dur="500"/>
                                         <p:tgtEl>
-                                          <p:spTgt spid="42"/>
+                                          <p:spTgt spid="16"/>
                                         </p:tgtEl>
                                       </p:cBhvr>
                                     </p:animEffect>
@@ -7718,7 +7051,7 @@
                             </p:stCondLst>
                             <p:childTnLst>
                               <p:par>
-                                <p:cTn id="155" presetID="31" presetClass="entr" presetSubtype="0" fill="hold" grpId="0" nodeType="clickEffect">
+                                <p:cTn id="155" presetID="22" presetClass="entr" presetSubtype="1" fill="hold" nodeType="clickEffect">
                                   <p:stCondLst>
                                     <p:cond delay="0"/>
                                   </p:stCondLst>
@@ -7731,7 +7064,7 @@
                                           </p:stCondLst>
                                         </p:cTn>
                                         <p:tgtEl>
-                                          <p:spTgt spid="6"/>
+                                          <p:spTgt spid="35"/>
                                         </p:tgtEl>
                                         <p:attrNameLst>
                                           <p:attrName>style.visibility</p:attrName>
@@ -7741,80 +7074,11 @@
                                         <p:strVal val="visible"/>
                                       </p:to>
                                     </p:set>
-                                    <p:anim calcmode="lin" valueType="num">
-                                      <p:cBhvr>
-                                        <p:cTn id="157" dur="1000" fill="hold"/>
-                                        <p:tgtEl>
-                                          <p:spTgt spid="6"/>
-                                        </p:tgtEl>
-                                        <p:attrNameLst>
-                                          <p:attrName>ppt_w</p:attrName>
-                                        </p:attrNameLst>
-                                      </p:cBhvr>
-                                      <p:tavLst>
-                                        <p:tav tm="0">
-                                          <p:val>
-                                            <p:fltVal val="0"/>
-                                          </p:val>
-                                        </p:tav>
-                                        <p:tav tm="100000">
-                                          <p:val>
-                                            <p:strVal val="#ppt_w"/>
-                                          </p:val>
-                                        </p:tav>
-                                      </p:tavLst>
-                                    </p:anim>
-                                    <p:anim calcmode="lin" valueType="num">
-                                      <p:cBhvr>
-                                        <p:cTn id="158" dur="1000" fill="hold"/>
-                                        <p:tgtEl>
-                                          <p:spTgt spid="6"/>
-                                        </p:tgtEl>
-                                        <p:attrNameLst>
-                                          <p:attrName>ppt_h</p:attrName>
-                                        </p:attrNameLst>
-                                      </p:cBhvr>
-                                      <p:tavLst>
-                                        <p:tav tm="0">
-                                          <p:val>
-                                            <p:fltVal val="0"/>
-                                          </p:val>
-                                        </p:tav>
-                                        <p:tav tm="100000">
-                                          <p:val>
-                                            <p:strVal val="#ppt_h"/>
-                                          </p:val>
-                                        </p:tav>
-                                      </p:tavLst>
-                                    </p:anim>
-                                    <p:anim calcmode="lin" valueType="num">
-                                      <p:cBhvr>
-                                        <p:cTn id="159" dur="1000" fill="hold"/>
-                                        <p:tgtEl>
-                                          <p:spTgt spid="6"/>
-                                        </p:tgtEl>
-                                        <p:attrNameLst>
-                                          <p:attrName>style.rotation</p:attrName>
-                                        </p:attrNameLst>
-                                      </p:cBhvr>
-                                      <p:tavLst>
-                                        <p:tav tm="0">
-                                          <p:val>
-                                            <p:fltVal val="90"/>
-                                          </p:val>
-                                        </p:tav>
-                                        <p:tav tm="100000">
-                                          <p:val>
-                                            <p:fltVal val="0"/>
-                                          </p:val>
-                                        </p:tav>
-                                      </p:tavLst>
-                                    </p:anim>
-                                    <p:animEffect transition="in" filter="fade">
-                                      <p:cBhvr>
-                                        <p:cTn id="160" dur="1000"/>
-                                        <p:tgtEl>
-                                          <p:spTgt spid="6"/>
+                                    <p:animEffect transition="in" filter="wipe(up)">
+                                      <p:cBhvr>
+                                        <p:cTn id="157" dur="500"/>
+                                        <p:tgtEl>
+                                          <p:spTgt spid="35"/>
                                         </p:tgtEl>
                                       </p:cBhvr>
                                     </p:animEffect>
@@ -7828,32 +7092,32 @@
                     </p:cTn>
                   </p:par>
                   <p:par>
-                    <p:cTn id="161" fill="hold">
+                    <p:cTn id="158" fill="hold">
                       <p:stCondLst>
                         <p:cond delay="indefinite"/>
                       </p:stCondLst>
                       <p:childTnLst>
                         <p:par>
-                          <p:cTn id="162" fill="hold">
+                          <p:cTn id="159" fill="hold">
                             <p:stCondLst>
                               <p:cond delay="0"/>
                             </p:stCondLst>
                             <p:childTnLst>
                               <p:par>
-                                <p:cTn id="163" presetID="22" presetClass="entr" presetSubtype="4" fill="hold" grpId="0" nodeType="clickEffect">
+                                <p:cTn id="160" presetID="10" presetClass="entr" presetSubtype="0" fill="hold" grpId="0" nodeType="clickEffect">
                                   <p:stCondLst>
                                     <p:cond delay="0"/>
                                   </p:stCondLst>
                                   <p:childTnLst>
                                     <p:set>
                                       <p:cBhvr>
-                                        <p:cTn id="164" dur="1" fill="hold">
+                                        <p:cTn id="161" dur="1" fill="hold">
                                           <p:stCondLst>
                                             <p:cond delay="0"/>
                                           </p:stCondLst>
                                         </p:cTn>
                                         <p:tgtEl>
-                                          <p:spTgt spid="63"/>
+                                          <p:spTgt spid="17"/>
                                         </p:tgtEl>
                                         <p:attrNameLst>
                                           <p:attrName>style.visibility</p:attrName>
@@ -7863,11 +7127,11 @@
                                         <p:strVal val="visible"/>
                                       </p:to>
                                     </p:set>
-                                    <p:animEffect transition="in" filter="wipe(down)">
-                                      <p:cBhvr>
-                                        <p:cTn id="165" dur="500"/>
-                                        <p:tgtEl>
-                                          <p:spTgt spid="63"/>
+                                    <p:animEffect transition="in" filter="fade">
+                                      <p:cBhvr>
+                                        <p:cTn id="162" dur="500"/>
+                                        <p:tgtEl>
+                                          <p:spTgt spid="17"/>
                                         </p:tgtEl>
                                       </p:cBhvr>
                                     </p:animEffect>
@@ -7881,32 +7145,32 @@
                     </p:cTn>
                   </p:par>
                   <p:par>
-                    <p:cTn id="166" fill="hold">
+                    <p:cTn id="163" fill="hold">
                       <p:stCondLst>
                         <p:cond delay="indefinite"/>
                       </p:stCondLst>
                       <p:childTnLst>
                         <p:par>
-                          <p:cTn id="167" fill="hold">
+                          <p:cTn id="164" fill="hold">
                             <p:stCondLst>
                               <p:cond delay="0"/>
                             </p:stCondLst>
                             <p:childTnLst>
                               <p:par>
-                                <p:cTn id="168" presetID="31" presetClass="entr" presetSubtype="0" fill="hold" grpId="0" nodeType="clickEffect">
+                                <p:cTn id="165" presetID="10" presetClass="entr" presetSubtype="0" fill="hold" grpId="0" nodeType="clickEffect">
                                   <p:stCondLst>
                                     <p:cond delay="0"/>
                                   </p:stCondLst>
                                   <p:childTnLst>
                                     <p:set>
                                       <p:cBhvr>
-                                        <p:cTn id="169" dur="1" fill="hold">
+                                        <p:cTn id="166" dur="1" fill="hold">
                                           <p:stCondLst>
                                             <p:cond delay="0"/>
                                           </p:stCondLst>
                                         </p:cTn>
                                         <p:tgtEl>
-                                          <p:spTgt spid="64"/>
+                                          <p:spTgt spid="47"/>
                                         </p:tgtEl>
                                         <p:attrNameLst>
                                           <p:attrName>style.visibility</p:attrName>
@@ -7916,80 +7180,11 @@
                                         <p:strVal val="visible"/>
                                       </p:to>
                                     </p:set>
-                                    <p:anim calcmode="lin" valueType="num">
-                                      <p:cBhvr>
-                                        <p:cTn id="170" dur="1000" fill="hold"/>
-                                        <p:tgtEl>
-                                          <p:spTgt spid="64"/>
-                                        </p:tgtEl>
-                                        <p:attrNameLst>
-                                          <p:attrName>ppt_w</p:attrName>
-                                        </p:attrNameLst>
-                                      </p:cBhvr>
-                                      <p:tavLst>
-                                        <p:tav tm="0">
-                                          <p:val>
-                                            <p:fltVal val="0"/>
-                                          </p:val>
-                                        </p:tav>
-                                        <p:tav tm="100000">
-                                          <p:val>
-                                            <p:strVal val="#ppt_w"/>
-                                          </p:val>
-                                        </p:tav>
-                                      </p:tavLst>
-                                    </p:anim>
-                                    <p:anim calcmode="lin" valueType="num">
-                                      <p:cBhvr>
-                                        <p:cTn id="171" dur="1000" fill="hold"/>
-                                        <p:tgtEl>
-                                          <p:spTgt spid="64"/>
-                                        </p:tgtEl>
-                                        <p:attrNameLst>
-                                          <p:attrName>ppt_h</p:attrName>
-                                        </p:attrNameLst>
-                                      </p:cBhvr>
-                                      <p:tavLst>
-                                        <p:tav tm="0">
-                                          <p:val>
-                                            <p:fltVal val="0"/>
-                                          </p:val>
-                                        </p:tav>
-                                        <p:tav tm="100000">
-                                          <p:val>
-                                            <p:strVal val="#ppt_h"/>
-                                          </p:val>
-                                        </p:tav>
-                                      </p:tavLst>
-                                    </p:anim>
-                                    <p:anim calcmode="lin" valueType="num">
-                                      <p:cBhvr>
-                                        <p:cTn id="172" dur="1000" fill="hold"/>
-                                        <p:tgtEl>
-                                          <p:spTgt spid="64"/>
-                                        </p:tgtEl>
-                                        <p:attrNameLst>
-                                          <p:attrName>style.rotation</p:attrName>
-                                        </p:attrNameLst>
-                                      </p:cBhvr>
-                                      <p:tavLst>
-                                        <p:tav tm="0">
-                                          <p:val>
-                                            <p:fltVal val="90"/>
-                                          </p:val>
-                                        </p:tav>
-                                        <p:tav tm="100000">
-                                          <p:val>
-                                            <p:fltVal val="0"/>
-                                          </p:val>
-                                        </p:tav>
-                                      </p:tavLst>
-                                    </p:anim>
                                     <p:animEffect transition="in" filter="fade">
                                       <p:cBhvr>
-                                        <p:cTn id="173" dur="1000"/>
-                                        <p:tgtEl>
-                                          <p:spTgt spid="64"/>
+                                        <p:cTn id="167" dur="500"/>
+                                        <p:tgtEl>
+                                          <p:spTgt spid="47"/>
                                         </p:tgtEl>
                                       </p:cBhvr>
                                     </p:animEffect>
@@ -8003,32 +7198,32 @@
                     </p:cTn>
                   </p:par>
                   <p:par>
-                    <p:cTn id="174" fill="hold">
+                    <p:cTn id="168" fill="hold">
                       <p:stCondLst>
                         <p:cond delay="indefinite"/>
                       </p:stCondLst>
                       <p:childTnLst>
                         <p:par>
-                          <p:cTn id="175" fill="hold">
+                          <p:cTn id="169" fill="hold">
                             <p:stCondLst>
                               <p:cond delay="0"/>
                             </p:stCondLst>
                             <p:childTnLst>
                               <p:par>
-                                <p:cTn id="176" presetID="22" presetClass="entr" presetSubtype="4" fill="hold" grpId="0" nodeType="clickEffect">
+                                <p:cTn id="170" presetID="10" presetClass="entr" presetSubtype="0" fill="hold" grpId="0" nodeType="clickEffect">
                                   <p:stCondLst>
                                     <p:cond delay="0"/>
                                   </p:stCondLst>
                                   <p:childTnLst>
                                     <p:set>
                                       <p:cBhvr>
-                                        <p:cTn id="177" dur="1" fill="hold">
+                                        <p:cTn id="171" dur="1" fill="hold">
                                           <p:stCondLst>
                                             <p:cond delay="0"/>
                                           </p:stCondLst>
                                         </p:cTn>
                                         <p:tgtEl>
-                                          <p:spTgt spid="72"/>
+                                          <p:spTgt spid="19"/>
                                         </p:tgtEl>
                                         <p:attrNameLst>
                                           <p:attrName>style.visibility</p:attrName>
@@ -8038,11 +7233,11 @@
                                         <p:strVal val="visible"/>
                                       </p:to>
                                     </p:set>
-                                    <p:animEffect transition="in" filter="wipe(down)">
-                                      <p:cBhvr>
-                                        <p:cTn id="178" dur="500"/>
-                                        <p:tgtEl>
-                                          <p:spTgt spid="72"/>
+                                    <p:animEffect transition="in" filter="fade">
+                                      <p:cBhvr>
+                                        <p:cTn id="172" dur="500"/>
+                                        <p:tgtEl>
+                                          <p:spTgt spid="19"/>
                                         </p:tgtEl>
                                       </p:cBhvr>
                                     </p:animEffect>
@@ -8056,76 +7251,32 @@
                     </p:cTn>
                   </p:par>
                   <p:par>
-                    <p:cTn id="179" fill="hold">
+                    <p:cTn id="173" fill="hold">
                       <p:stCondLst>
                         <p:cond delay="indefinite"/>
                       </p:stCondLst>
                       <p:childTnLst>
                         <p:par>
-                          <p:cTn id="180" fill="hold">
+                          <p:cTn id="174" fill="hold">
                             <p:stCondLst>
                               <p:cond delay="0"/>
                             </p:stCondLst>
                             <p:childTnLst>
                               <p:par>
-                                <p:cTn id="181" presetID="26" presetClass="emph" presetSubtype="0" fill="hold" grpId="0" nodeType="clickEffect">
-                                  <p:stCondLst>
-                                    <p:cond delay="0"/>
-                                  </p:stCondLst>
-                                  <p:childTnLst>
-                                    <p:animEffect transition="out" filter="fade">
-                                      <p:cBhvr>
-                                        <p:cTn id="182" dur="500" tmFilter="0, 0; .2, .5; .8, .5; 1, 0"/>
-                                        <p:tgtEl>
-                                          <p:spTgt spid="55"/>
-                                        </p:tgtEl>
-                                      </p:cBhvr>
-                                    </p:animEffect>
-                                    <p:animScale>
-                                      <p:cBhvr>
-                                        <p:cTn id="183" dur="250" autoRev="1" fill="hold"/>
-                                        <p:tgtEl>
-                                          <p:spTgt spid="55"/>
-                                        </p:tgtEl>
-                                      </p:cBhvr>
-                                      <p:by x="105000" y="105000"/>
-                                    </p:animScale>
-                                  </p:childTnLst>
-                                </p:cTn>
-                              </p:par>
-                            </p:childTnLst>
-                          </p:cTn>
-                        </p:par>
-                      </p:childTnLst>
-                    </p:cTn>
-                  </p:par>
-                  <p:par>
-                    <p:cTn id="184" fill="hold">
-                      <p:stCondLst>
-                        <p:cond delay="indefinite"/>
-                      </p:stCondLst>
-                      <p:childTnLst>
-                        <p:par>
-                          <p:cTn id="185" fill="hold">
-                            <p:stCondLst>
-                              <p:cond delay="0"/>
-                            </p:stCondLst>
-                            <p:childTnLst>
-                              <p:par>
-                                <p:cTn id="186" presetID="22" presetClass="entr" presetSubtype="4" fill="hold" grpId="0" nodeType="clickEffect">
+                                <p:cTn id="175" presetID="22" presetClass="entr" presetSubtype="1" fill="hold" nodeType="clickEffect">
                                   <p:stCondLst>
                                     <p:cond delay="0"/>
                                   </p:stCondLst>
                                   <p:childTnLst>
                                     <p:set>
                                       <p:cBhvr>
-                                        <p:cTn id="187" dur="1" fill="hold">
+                                        <p:cTn id="176" dur="1" fill="hold">
                                           <p:stCondLst>
                                             <p:cond delay="0"/>
                                           </p:stCondLst>
                                         </p:cTn>
                                         <p:tgtEl>
-                                          <p:spTgt spid="68"/>
+                                          <p:spTgt spid="37"/>
                                         </p:tgtEl>
                                         <p:attrNameLst>
                                           <p:attrName>style.visibility</p:attrName>
@@ -8135,11 +7286,11 @@
                                         <p:strVal val="visible"/>
                                       </p:to>
                                     </p:set>
-                                    <p:animEffect transition="in" filter="wipe(down)">
-                                      <p:cBhvr>
-                                        <p:cTn id="188" dur="500"/>
-                                        <p:tgtEl>
-                                          <p:spTgt spid="68"/>
+                                    <p:animEffect transition="in" filter="wipe(up)">
+                                      <p:cBhvr>
+                                        <p:cTn id="177" dur="500"/>
+                                        <p:tgtEl>
+                                          <p:spTgt spid="37"/>
                                         </p:tgtEl>
                                       </p:cBhvr>
                                     </p:animEffect>
@@ -8153,76 +7304,32 @@
                     </p:cTn>
                   </p:par>
                   <p:par>
-                    <p:cTn id="189" fill="hold">
+                    <p:cTn id="178" fill="hold">
                       <p:stCondLst>
                         <p:cond delay="indefinite"/>
                       </p:stCondLst>
                       <p:childTnLst>
                         <p:par>
-                          <p:cTn id="190" fill="hold">
+                          <p:cTn id="179" fill="hold">
                             <p:stCondLst>
                               <p:cond delay="0"/>
                             </p:stCondLst>
                             <p:childTnLst>
                               <p:par>
-                                <p:cTn id="191" presetID="26" presetClass="emph" presetSubtype="0" fill="hold" grpId="0" nodeType="clickEffect">
-                                  <p:stCondLst>
-                                    <p:cond delay="0"/>
-                                  </p:stCondLst>
-                                  <p:childTnLst>
-                                    <p:animEffect transition="out" filter="fade">
-                                      <p:cBhvr>
-                                        <p:cTn id="192" dur="500" tmFilter="0, 0; .2, .5; .8, .5; 1, 0"/>
-                                        <p:tgtEl>
-                                          <p:spTgt spid="56"/>
-                                        </p:tgtEl>
-                                      </p:cBhvr>
-                                    </p:animEffect>
-                                    <p:animScale>
-                                      <p:cBhvr>
-                                        <p:cTn id="193" dur="250" autoRev="1" fill="hold"/>
-                                        <p:tgtEl>
-                                          <p:spTgt spid="56"/>
-                                        </p:tgtEl>
-                                      </p:cBhvr>
-                                      <p:by x="105000" y="105000"/>
-                                    </p:animScale>
-                                  </p:childTnLst>
-                                </p:cTn>
-                              </p:par>
-                            </p:childTnLst>
-                          </p:cTn>
-                        </p:par>
-                      </p:childTnLst>
-                    </p:cTn>
-                  </p:par>
-                  <p:par>
-                    <p:cTn id="194" fill="hold">
-                      <p:stCondLst>
-                        <p:cond delay="indefinite"/>
-                      </p:stCondLst>
-                      <p:childTnLst>
-                        <p:par>
-                          <p:cTn id="195" fill="hold">
-                            <p:stCondLst>
-                              <p:cond delay="0"/>
-                            </p:stCondLst>
-                            <p:childTnLst>
-                              <p:par>
-                                <p:cTn id="196" presetID="22" presetClass="entr" presetSubtype="4" fill="hold" grpId="0" nodeType="clickEffect">
+                                <p:cTn id="180" presetID="10" presetClass="entr" presetSubtype="0" fill="hold" grpId="0" nodeType="clickEffect">
                                   <p:stCondLst>
                                     <p:cond delay="0"/>
                                   </p:stCondLst>
                                   <p:childTnLst>
                                     <p:set>
                                       <p:cBhvr>
-                                        <p:cTn id="197" dur="1" fill="hold">
+                                        <p:cTn id="181" dur="1" fill="hold">
                                           <p:stCondLst>
                                             <p:cond delay="0"/>
                                           </p:stCondLst>
                                         </p:cTn>
                                         <p:tgtEl>
-                                          <p:spTgt spid="69"/>
+                                          <p:spTgt spid="18"/>
                                         </p:tgtEl>
                                         <p:attrNameLst>
                                           <p:attrName>style.visibility</p:attrName>
@@ -8232,11 +7339,11 @@
                                         <p:strVal val="visible"/>
                                       </p:to>
                                     </p:set>
-                                    <p:animEffect transition="in" filter="wipe(down)">
-                                      <p:cBhvr>
-                                        <p:cTn id="198" dur="500"/>
-                                        <p:tgtEl>
-                                          <p:spTgt spid="69"/>
+                                    <p:animEffect transition="in" filter="fade">
+                                      <p:cBhvr>
+                                        <p:cTn id="182" dur="500"/>
+                                        <p:tgtEl>
+                                          <p:spTgt spid="18"/>
                                         </p:tgtEl>
                                       </p:cBhvr>
                                     </p:animEffect>
@@ -8250,76 +7357,32 @@
                     </p:cTn>
                   </p:par>
                   <p:par>
-                    <p:cTn id="199" fill="hold">
+                    <p:cTn id="183" fill="hold">
                       <p:stCondLst>
                         <p:cond delay="indefinite"/>
                       </p:stCondLst>
                       <p:childTnLst>
                         <p:par>
-                          <p:cTn id="200" fill="hold">
+                          <p:cTn id="184" fill="hold">
                             <p:stCondLst>
                               <p:cond delay="0"/>
                             </p:stCondLst>
                             <p:childTnLst>
                               <p:par>
-                                <p:cTn id="201" presetID="26" presetClass="emph" presetSubtype="0" fill="hold" grpId="0" nodeType="clickEffect">
-                                  <p:stCondLst>
-                                    <p:cond delay="0"/>
-                                  </p:stCondLst>
-                                  <p:childTnLst>
-                                    <p:animEffect transition="out" filter="fade">
-                                      <p:cBhvr>
-                                        <p:cTn id="202" dur="500" tmFilter="0, 0; .2, .5; .8, .5; 1, 0"/>
-                                        <p:tgtEl>
-                                          <p:spTgt spid="57"/>
-                                        </p:tgtEl>
-                                      </p:cBhvr>
-                                    </p:animEffect>
-                                    <p:animScale>
-                                      <p:cBhvr>
-                                        <p:cTn id="203" dur="250" autoRev="1" fill="hold"/>
-                                        <p:tgtEl>
-                                          <p:spTgt spid="57"/>
-                                        </p:tgtEl>
-                                      </p:cBhvr>
-                                      <p:by x="105000" y="105000"/>
-                                    </p:animScale>
-                                  </p:childTnLst>
-                                </p:cTn>
-                              </p:par>
-                            </p:childTnLst>
-                          </p:cTn>
-                        </p:par>
-                      </p:childTnLst>
-                    </p:cTn>
-                  </p:par>
-                  <p:par>
-                    <p:cTn id="204" fill="hold">
-                      <p:stCondLst>
-                        <p:cond delay="indefinite"/>
-                      </p:stCondLst>
-                      <p:childTnLst>
-                        <p:par>
-                          <p:cTn id="205" fill="hold">
-                            <p:stCondLst>
-                              <p:cond delay="0"/>
-                            </p:stCondLst>
-                            <p:childTnLst>
-                              <p:par>
-                                <p:cTn id="206" presetID="22" presetClass="entr" presetSubtype="4" fill="hold" grpId="0" nodeType="clickEffect">
+                                <p:cTn id="185" presetID="22" presetClass="entr" presetSubtype="1" fill="hold" nodeType="clickEffect">
                                   <p:stCondLst>
                                     <p:cond delay="0"/>
                                   </p:stCondLst>
                                   <p:childTnLst>
                                     <p:set>
                                       <p:cBhvr>
-                                        <p:cTn id="207" dur="1" fill="hold">
+                                        <p:cTn id="186" dur="1" fill="hold">
                                           <p:stCondLst>
                                             <p:cond delay="0"/>
                                           </p:stCondLst>
                                         </p:cTn>
                                         <p:tgtEl>
-                                          <p:spTgt spid="70"/>
+                                          <p:spTgt spid="43"/>
                                         </p:tgtEl>
                                         <p:attrNameLst>
                                           <p:attrName>style.visibility</p:attrName>
@@ -8329,11 +7392,11 @@
                                         <p:strVal val="visible"/>
                                       </p:to>
                                     </p:set>
-                                    <p:animEffect transition="in" filter="wipe(down)">
-                                      <p:cBhvr>
-                                        <p:cTn id="208" dur="500"/>
-                                        <p:tgtEl>
-                                          <p:spTgt spid="70"/>
+                                    <p:animEffect transition="in" filter="wipe(up)">
+                                      <p:cBhvr>
+                                        <p:cTn id="187" dur="500"/>
+                                        <p:tgtEl>
+                                          <p:spTgt spid="43"/>
                                         </p:tgtEl>
                                       </p:cBhvr>
                                     </p:animEffect>
@@ -8347,76 +7410,32 @@
                     </p:cTn>
                   </p:par>
                   <p:par>
-                    <p:cTn id="209" fill="hold">
+                    <p:cTn id="188" fill="hold">
                       <p:stCondLst>
                         <p:cond delay="indefinite"/>
                       </p:stCondLst>
                       <p:childTnLst>
                         <p:par>
-                          <p:cTn id="210" fill="hold">
+                          <p:cTn id="189" fill="hold">
                             <p:stCondLst>
                               <p:cond delay="0"/>
                             </p:stCondLst>
                             <p:childTnLst>
                               <p:par>
-                                <p:cTn id="211" presetID="26" presetClass="emph" presetSubtype="0" fill="hold" grpId="0" nodeType="clickEffect">
-                                  <p:stCondLst>
-                                    <p:cond delay="0"/>
-                                  </p:stCondLst>
-                                  <p:childTnLst>
-                                    <p:animEffect transition="out" filter="fade">
-                                      <p:cBhvr>
-                                        <p:cTn id="212" dur="500" tmFilter="0, 0; .2, .5; .8, .5; 1, 0"/>
-                                        <p:tgtEl>
-                                          <p:spTgt spid="58"/>
-                                        </p:tgtEl>
-                                      </p:cBhvr>
-                                    </p:animEffect>
-                                    <p:animScale>
-                                      <p:cBhvr>
-                                        <p:cTn id="213" dur="250" autoRev="1" fill="hold"/>
-                                        <p:tgtEl>
-                                          <p:spTgt spid="58"/>
-                                        </p:tgtEl>
-                                      </p:cBhvr>
-                                      <p:by x="105000" y="105000"/>
-                                    </p:animScale>
-                                  </p:childTnLst>
-                                </p:cTn>
-                              </p:par>
-                            </p:childTnLst>
-                          </p:cTn>
-                        </p:par>
-                      </p:childTnLst>
-                    </p:cTn>
-                  </p:par>
-                  <p:par>
-                    <p:cTn id="214" fill="hold">
-                      <p:stCondLst>
-                        <p:cond delay="indefinite"/>
-                      </p:stCondLst>
-                      <p:childTnLst>
-                        <p:par>
-                          <p:cTn id="215" fill="hold">
-                            <p:stCondLst>
-                              <p:cond delay="0"/>
-                            </p:stCondLst>
-                            <p:childTnLst>
-                              <p:par>
-                                <p:cTn id="216" presetID="22" presetClass="entr" presetSubtype="4" fill="hold" grpId="0" nodeType="clickEffect">
+                                <p:cTn id="190" presetID="10" presetClass="entr" presetSubtype="0" fill="hold" grpId="0" nodeType="clickEffect">
                                   <p:stCondLst>
                                     <p:cond delay="0"/>
                                   </p:stCondLst>
                                   <p:childTnLst>
                                     <p:set>
                                       <p:cBhvr>
-                                        <p:cTn id="217" dur="1" fill="hold">
+                                        <p:cTn id="191" dur="1" fill="hold">
                                           <p:stCondLst>
                                             <p:cond delay="0"/>
                                           </p:stCondLst>
                                         </p:cTn>
                                         <p:tgtEl>
-                                          <p:spTgt spid="71"/>
+                                          <p:spTgt spid="20"/>
                                         </p:tgtEl>
                                         <p:attrNameLst>
                                           <p:attrName>style.visibility</p:attrName>
@@ -8426,11 +7445,11 @@
                                         <p:strVal val="visible"/>
                                       </p:to>
                                     </p:set>
-                                    <p:animEffect transition="in" filter="wipe(down)">
-                                      <p:cBhvr>
-                                        <p:cTn id="218" dur="500"/>
-                                        <p:tgtEl>
-                                          <p:spTgt spid="71"/>
+                                    <p:animEffect transition="in" filter="fade">
+                                      <p:cBhvr>
+                                        <p:cTn id="192" dur="500"/>
+                                        <p:tgtEl>
+                                          <p:spTgt spid="20"/>
                                         </p:tgtEl>
                                       </p:cBhvr>
                                     </p:animEffect>
@@ -8444,76 +7463,32 @@
                     </p:cTn>
                   </p:par>
                   <p:par>
-                    <p:cTn id="219" fill="hold">
+                    <p:cTn id="193" fill="hold">
                       <p:stCondLst>
                         <p:cond delay="indefinite"/>
                       </p:stCondLst>
                       <p:childTnLst>
                         <p:par>
-                          <p:cTn id="220" fill="hold">
+                          <p:cTn id="194" fill="hold">
                             <p:stCondLst>
                               <p:cond delay="0"/>
                             </p:stCondLst>
                             <p:childTnLst>
                               <p:par>
-                                <p:cTn id="221" presetID="26" presetClass="emph" presetSubtype="0" fill="hold" grpId="0" nodeType="clickEffect">
-                                  <p:stCondLst>
-                                    <p:cond delay="0"/>
-                                  </p:stCondLst>
-                                  <p:childTnLst>
-                                    <p:animEffect transition="out" filter="fade">
-                                      <p:cBhvr>
-                                        <p:cTn id="222" dur="500" tmFilter="0, 0; .2, .5; .8, .5; 1, 0"/>
-                                        <p:tgtEl>
-                                          <p:spTgt spid="65"/>
-                                        </p:tgtEl>
-                                      </p:cBhvr>
-                                    </p:animEffect>
-                                    <p:animScale>
-                                      <p:cBhvr>
-                                        <p:cTn id="223" dur="250" autoRev="1" fill="hold"/>
-                                        <p:tgtEl>
-                                          <p:spTgt spid="65"/>
-                                        </p:tgtEl>
-                                      </p:cBhvr>
-                                      <p:by x="105000" y="105000"/>
-                                    </p:animScale>
-                                  </p:childTnLst>
-                                </p:cTn>
-                              </p:par>
-                            </p:childTnLst>
-                          </p:cTn>
-                        </p:par>
-                      </p:childTnLst>
-                    </p:cTn>
-                  </p:par>
-                  <p:par>
-                    <p:cTn id="224" fill="hold">
-                      <p:stCondLst>
-                        <p:cond delay="indefinite"/>
-                      </p:stCondLst>
-                      <p:childTnLst>
-                        <p:par>
-                          <p:cTn id="225" fill="hold">
-                            <p:stCondLst>
-                              <p:cond delay="0"/>
-                            </p:stCondLst>
-                            <p:childTnLst>
-                              <p:par>
-                                <p:cTn id="226" presetID="22" presetClass="entr" presetSubtype="4" fill="hold" grpId="0" nodeType="clickEffect">
+                                <p:cTn id="195" presetID="22" presetClass="entr" presetSubtype="8" fill="hold" grpId="0" nodeType="clickEffect">
                                   <p:stCondLst>
                                     <p:cond delay="0"/>
                                   </p:stCondLst>
                                   <p:childTnLst>
                                     <p:set>
                                       <p:cBhvr>
-                                        <p:cTn id="227" dur="1" fill="hold">
+                                        <p:cTn id="196" dur="1" fill="hold">
                                           <p:stCondLst>
                                             <p:cond delay="0"/>
                                           </p:stCondLst>
                                         </p:cTn>
                                         <p:tgtEl>
-                                          <p:spTgt spid="66"/>
+                                          <p:spTgt spid="23"/>
                                         </p:tgtEl>
                                         <p:attrNameLst>
                                           <p:attrName>style.visibility</p:attrName>
@@ -8523,11 +7498,11 @@
                                         <p:strVal val="visible"/>
                                       </p:to>
                                     </p:set>
-                                    <p:animEffect transition="in" filter="wipe(down)">
-                                      <p:cBhvr>
-                                        <p:cTn id="228" dur="500"/>
-                                        <p:tgtEl>
-                                          <p:spTgt spid="66"/>
+                                    <p:animEffect transition="in" filter="wipe(left)">
+                                      <p:cBhvr>
+                                        <p:cTn id="197" dur="500"/>
+                                        <p:tgtEl>
+                                          <p:spTgt spid="23"/>
                                         </p:tgtEl>
                                       </p:cBhvr>
                                     </p:animEffect>
@@ -8541,32 +7516,32 @@
                     </p:cTn>
                   </p:par>
                   <p:par>
-                    <p:cTn id="229" fill="hold">
+                    <p:cTn id="198" fill="hold">
                       <p:stCondLst>
                         <p:cond delay="indefinite"/>
                       </p:stCondLst>
                       <p:childTnLst>
                         <p:par>
-                          <p:cTn id="230" fill="hold">
+                          <p:cTn id="199" fill="hold">
                             <p:stCondLst>
                               <p:cond delay="0"/>
                             </p:stCondLst>
                             <p:childTnLst>
                               <p:par>
-                                <p:cTn id="231" presetID="31" presetClass="entr" presetSubtype="0" fill="hold" grpId="0" nodeType="clickEffect">
+                                <p:cTn id="200" presetID="22" presetClass="entr" presetSubtype="2" fill="hold" grpId="0" nodeType="clickEffect">
                                   <p:stCondLst>
                                     <p:cond delay="0"/>
                                   </p:stCondLst>
                                   <p:childTnLst>
                                     <p:set>
                                       <p:cBhvr>
-                                        <p:cTn id="232" dur="1" fill="hold">
+                                        <p:cTn id="201" dur="1" fill="hold">
                                           <p:stCondLst>
                                             <p:cond delay="0"/>
                                           </p:stCondLst>
                                         </p:cTn>
                                         <p:tgtEl>
-                                          <p:spTgt spid="67"/>
+                                          <p:spTgt spid="22"/>
                                         </p:tgtEl>
                                         <p:attrNameLst>
                                           <p:attrName>style.visibility</p:attrName>
@@ -8576,80 +7551,64 @@
                                         <p:strVal val="visible"/>
                                       </p:to>
                                     </p:set>
-                                    <p:anim calcmode="lin" valueType="num">
-                                      <p:cBhvr>
-                                        <p:cTn id="233" dur="1000" fill="hold"/>
-                                        <p:tgtEl>
-                                          <p:spTgt spid="67"/>
+                                    <p:animEffect transition="in" filter="wipe(right)">
+                                      <p:cBhvr>
+                                        <p:cTn id="202" dur="500"/>
+                                        <p:tgtEl>
+                                          <p:spTgt spid="22"/>
+                                        </p:tgtEl>
+                                      </p:cBhvr>
+                                    </p:animEffect>
+                                  </p:childTnLst>
+                                </p:cTn>
+                              </p:par>
+                            </p:childTnLst>
+                          </p:cTn>
+                        </p:par>
+                      </p:childTnLst>
+                    </p:cTn>
+                  </p:par>
+                  <p:par>
+                    <p:cTn id="203" fill="hold">
+                      <p:stCondLst>
+                        <p:cond delay="indefinite"/>
+                      </p:stCondLst>
+                      <p:childTnLst>
+                        <p:par>
+                          <p:cTn id="204" fill="hold">
+                            <p:stCondLst>
+                              <p:cond delay="0"/>
+                            </p:stCondLst>
+                            <p:childTnLst>
+                              <p:par>
+                                <p:cTn id="205" presetID="10" presetClass="entr" presetSubtype="0" fill="hold" grpId="0" nodeType="clickEffect">
+                                  <p:stCondLst>
+                                    <p:cond delay="0"/>
+                                  </p:stCondLst>
+                                  <p:childTnLst>
+                                    <p:set>
+                                      <p:cBhvr>
+                                        <p:cTn id="206" dur="1" fill="hold">
+                                          <p:stCondLst>
+                                            <p:cond delay="0"/>
+                                          </p:stCondLst>
+                                        </p:cTn>
+                                        <p:tgtEl>
+                                          <p:spTgt spid="21"/>
                                         </p:tgtEl>
                                         <p:attrNameLst>
-                                          <p:attrName>ppt_w</p:attrName>
+                                          <p:attrName>style.visibility</p:attrName>
                                         </p:attrNameLst>
                                       </p:cBhvr>
-                                      <p:tavLst>
-                                        <p:tav tm="0">
-                                          <p:val>
-                                            <p:fltVal val="0"/>
-                                          </p:val>
-                                        </p:tav>
-                                        <p:tav tm="100000">
-                                          <p:val>
-                                            <p:strVal val="#ppt_w"/>
-                                          </p:val>
-                                        </p:tav>
-                                      </p:tavLst>
-                                    </p:anim>
-                                    <p:anim calcmode="lin" valueType="num">
-                                      <p:cBhvr>
-                                        <p:cTn id="234" dur="1000" fill="hold"/>
-                                        <p:tgtEl>
-                                          <p:spTgt spid="67"/>
-                                        </p:tgtEl>
-                                        <p:attrNameLst>
-                                          <p:attrName>ppt_h</p:attrName>
-                                        </p:attrNameLst>
-                                      </p:cBhvr>
-                                      <p:tavLst>
-                                        <p:tav tm="0">
-                                          <p:val>
-                                            <p:fltVal val="0"/>
-                                          </p:val>
-                                        </p:tav>
-                                        <p:tav tm="100000">
-                                          <p:val>
-                                            <p:strVal val="#ppt_h"/>
-                                          </p:val>
-                                        </p:tav>
-                                      </p:tavLst>
-                                    </p:anim>
-                                    <p:anim calcmode="lin" valueType="num">
-                                      <p:cBhvr>
-                                        <p:cTn id="235" dur="1000" fill="hold"/>
-                                        <p:tgtEl>
-                                          <p:spTgt spid="67"/>
-                                        </p:tgtEl>
-                                        <p:attrNameLst>
-                                          <p:attrName>style.rotation</p:attrName>
-                                        </p:attrNameLst>
-                                      </p:cBhvr>
-                                      <p:tavLst>
-                                        <p:tav tm="0">
-                                          <p:val>
-                                            <p:fltVal val="90"/>
-                                          </p:val>
-                                        </p:tav>
-                                        <p:tav tm="100000">
-                                          <p:val>
-                                            <p:fltVal val="0"/>
-                                          </p:val>
-                                        </p:tav>
-                                      </p:tavLst>
-                                    </p:anim>
+                                      <p:to>
+                                        <p:strVal val="visible"/>
+                                      </p:to>
+                                    </p:set>
                                     <p:animEffect transition="in" filter="fade">
                                       <p:cBhvr>
-                                        <p:cTn id="236" dur="1000"/>
-                                        <p:tgtEl>
-                                          <p:spTgt spid="67"/>
+                                        <p:cTn id="207" dur="500"/>
+                                        <p:tgtEl>
+                                          <p:spTgt spid="21"/>
                                         </p:tgtEl>
                                       </p:cBhvr>
                                     </p:animEffect>
@@ -8684,6 +7643,15 @@
       </p:par>
     </p:tnLst>
     <p:bldLst>
+      <p:bldP spid="2" grpId="0" animBg="1"/>
+      <p:bldP spid="3" grpId="0" animBg="1"/>
+      <p:bldP spid="4" grpId="0" animBg="1"/>
+      <p:bldP spid="5" grpId="0" animBg="1"/>
+      <p:bldP spid="6" grpId="0" animBg="1"/>
+      <p:bldP spid="7" grpId="0" animBg="1"/>
+      <p:bldP spid="8" grpId="0" animBg="1"/>
+      <p:bldP spid="9" grpId="0" animBg="1"/>
+      <p:bldP spid="10" grpId="0" animBg="1"/>
       <p:bldP spid="11" grpId="0" animBg="1"/>
       <p:bldP spid="12" grpId="0" animBg="1"/>
       <p:bldP spid="13" grpId="0" animBg="1"/>
@@ -8694,36 +7662,14 @@
       <p:bldP spid="18" grpId="0" animBg="1"/>
       <p:bldP spid="19" grpId="0" animBg="1"/>
       <p:bldP spid="20" grpId="0" animBg="1"/>
-      <p:bldP spid="2" grpId="0" animBg="1"/>
-      <p:bldP spid="3" grpId="0" animBg="1"/>
-      <p:bldP spid="4" grpId="0" animBg="1"/>
-      <p:bldP spid="6" grpId="0" animBg="1"/>
-      <p:bldP spid="7" grpId="0" animBg="1"/>
-      <p:bldP spid="8" grpId="0" animBg="1"/>
       <p:bldP spid="21" grpId="0" animBg="1"/>
       <p:bldP spid="22" grpId="0" animBg="1"/>
       <p:bldP spid="23" grpId="0" animBg="1"/>
-      <p:bldP spid="24" grpId="0" animBg="1"/>
-      <p:bldP spid="25" grpId="0" animBg="1"/>
-      <p:bldP spid="40" grpId="0" animBg="1"/>
-      <p:bldP spid="42" grpId="0" animBg="1"/>
-      <p:bldP spid="55" grpId="0" animBg="1"/>
-      <p:bldP spid="56" grpId="0" animBg="1"/>
-      <p:bldP spid="57" grpId="0" animBg="1"/>
-      <p:bldP spid="58" grpId="0" animBg="1"/>
-      <p:bldP spid="63" grpId="0" animBg="1"/>
-      <p:bldP spid="64" grpId="0" animBg="1"/>
-      <p:bldP spid="65" grpId="0" animBg="1"/>
-      <p:bldP spid="66" grpId="0" animBg="1"/>
-      <p:bldP spid="67" grpId="0" animBg="1"/>
-      <p:bldP spid="68" grpId="0" animBg="1"/>
-      <p:bldP spid="69" grpId="0" animBg="1"/>
-      <p:bldP spid="70" grpId="0" animBg="1"/>
-      <p:bldP spid="71" grpId="0" animBg="1"/>
-      <p:bldP spid="72" grpId="0" animBg="1"/>
-      <p:bldP spid="76" grpId="0" animBg="1"/>
-      <p:bldP spid="77" grpId="0" animBg="1"/>
-      <p:bldP spid="78" grpId="0" animBg="1"/>
+      <p:bldP spid="44" grpId="0"/>
+      <p:bldP spid="45" grpId="0"/>
+      <p:bldP spid="46" grpId="0"/>
+      <p:bldP spid="47" grpId="0"/>
+      <p:bldP spid="48" grpId="0"/>
     </p:bldLst>
   </p:timing>
 </p:sld>
